--- a/presentation_Data_Management.pptx
+++ b/presentation_Data_Management.pptx
@@ -5,34 +5,42 @@
     <p:sldMasterId id="2147483726" r:id="rId1"/>
   </p:sldMasterIdLst>
   <p:notesMasterIdLst>
-    <p:notesMasterId r:id="rId27"/>
+    <p:notesMasterId r:id="rId35"/>
   </p:notesMasterIdLst>
   <p:sldIdLst>
     <p:sldId id="256" r:id="rId2"/>
     <p:sldId id="257" r:id="rId3"/>
     <p:sldId id="258" r:id="rId4"/>
     <p:sldId id="259" r:id="rId5"/>
-    <p:sldId id="260" r:id="rId6"/>
-    <p:sldId id="261" r:id="rId7"/>
-    <p:sldId id="269" r:id="rId8"/>
-    <p:sldId id="262" r:id="rId9"/>
-    <p:sldId id="264" r:id="rId10"/>
-    <p:sldId id="270" r:id="rId11"/>
-    <p:sldId id="265" r:id="rId12"/>
-    <p:sldId id="266" r:id="rId13"/>
-    <p:sldId id="275" r:id="rId14"/>
-    <p:sldId id="276" r:id="rId15"/>
-    <p:sldId id="267" r:id="rId16"/>
-    <p:sldId id="281" r:id="rId17"/>
-    <p:sldId id="283" r:id="rId18"/>
-    <p:sldId id="272" r:id="rId19"/>
-    <p:sldId id="273" r:id="rId20"/>
-    <p:sldId id="274" r:id="rId21"/>
-    <p:sldId id="277" r:id="rId22"/>
-    <p:sldId id="278" r:id="rId23"/>
-    <p:sldId id="280" r:id="rId24"/>
-    <p:sldId id="282" r:id="rId25"/>
-    <p:sldId id="263" r:id="rId26"/>
+    <p:sldId id="261" r:id="rId6"/>
+    <p:sldId id="269" r:id="rId7"/>
+    <p:sldId id="289" r:id="rId8"/>
+    <p:sldId id="288" r:id="rId9"/>
+    <p:sldId id="262" r:id="rId10"/>
+    <p:sldId id="264" r:id="rId11"/>
+    <p:sldId id="270" r:id="rId12"/>
+    <p:sldId id="265" r:id="rId13"/>
+    <p:sldId id="266" r:id="rId14"/>
+    <p:sldId id="284" r:id="rId15"/>
+    <p:sldId id="275" r:id="rId16"/>
+    <p:sldId id="276" r:id="rId17"/>
+    <p:sldId id="267" r:id="rId18"/>
+    <p:sldId id="281" r:id="rId19"/>
+    <p:sldId id="285" r:id="rId20"/>
+    <p:sldId id="283" r:id="rId21"/>
+    <p:sldId id="272" r:id="rId22"/>
+    <p:sldId id="273" r:id="rId23"/>
+    <p:sldId id="274" r:id="rId24"/>
+    <p:sldId id="277" r:id="rId25"/>
+    <p:sldId id="278" r:id="rId26"/>
+    <p:sldId id="280" r:id="rId27"/>
+    <p:sldId id="282" r:id="rId28"/>
+    <p:sldId id="286" r:id="rId29"/>
+    <p:sldId id="287" r:id="rId30"/>
+    <p:sldId id="291" r:id="rId31"/>
+    <p:sldId id="263" r:id="rId32"/>
+    <p:sldId id="290" r:id="rId33"/>
+    <p:sldId id="260" r:id="rId34"/>
   </p:sldIdLst>
   <p:sldSz cx="12192000" cy="6858000"/>
   <p:notesSz cx="6858000" cy="9144000"/>
@@ -248,7 +256,7 @@
           <a:p>
             <a:fld id="{A828F956-FBCF-4596-8579-03C3E4B1F367}" type="datetimeFigureOut">
               <a:rPr lang="en-US" smtClean="0"/>
-              <a:t>14/05/2025</a:t>
+              <a:t>5/17/2025</a:t>
             </a:fld>
             <a:endParaRPr lang="en-US"/>
           </a:p>
@@ -661,6 +669,177 @@
 </p:notes>
 </file>
 
+<file path=ppt/notesSlides/notesSlide10.xml><?xml version="1.0" encoding="utf-8"?>
+<p:notes xmlns:a="http://schemas.openxmlformats.org/drawingml/2006/main" xmlns:r="http://schemas.openxmlformats.org/officeDocument/2006/relationships" xmlns:p="http://schemas.openxmlformats.org/presentationml/2006/main">
+  <p:cSld>
+    <p:spTree>
+      <p:nvGrpSpPr>
+        <p:cNvPr id="1" name=""/>
+        <p:cNvGrpSpPr/>
+        <p:nvPr/>
+      </p:nvGrpSpPr>
+      <p:grpSpPr>
+        <a:xfrm>
+          <a:off x="0" y="0"/>
+          <a:ext cx="0" cy="0"/>
+          <a:chOff x="0" y="0"/>
+          <a:chExt cx="0" cy="0"/>
+        </a:xfrm>
+      </p:grpSpPr>
+      <p:sp>
+        <p:nvSpPr>
+          <p:cNvPr id="2" name="Slide Image Placeholder 1"/>
+          <p:cNvSpPr>
+            <a:spLocks noGrp="1" noRot="1" noChangeAspect="1"/>
+          </p:cNvSpPr>
+          <p:nvPr>
+            <p:ph type="sldImg"/>
+          </p:nvPr>
+        </p:nvSpPr>
+        <p:spPr/>
+      </p:sp>
+      <p:sp>
+        <p:nvSpPr>
+          <p:cNvPr id="3" name="Notes Placeholder 2"/>
+          <p:cNvSpPr>
+            <a:spLocks noGrp="1"/>
+          </p:cNvSpPr>
+          <p:nvPr>
+            <p:ph type="body" idx="1"/>
+          </p:nvPr>
+        </p:nvSpPr>
+        <p:spPr/>
+        <p:txBody>
+          <a:bodyPr/>
+          <a:lstStyle/>
+          <a:p>
+            <a:endParaRPr lang="en-US" dirty="0"/>
+          </a:p>
+        </p:txBody>
+      </p:sp>
+      <p:sp>
+        <p:nvSpPr>
+          <p:cNvPr id="4" name="Slide Number Placeholder 3"/>
+          <p:cNvSpPr>
+            <a:spLocks noGrp="1"/>
+          </p:cNvSpPr>
+          <p:nvPr>
+            <p:ph type="sldNum" sz="quarter" idx="5"/>
+          </p:nvPr>
+        </p:nvSpPr>
+        <p:spPr/>
+        <p:txBody>
+          <a:bodyPr/>
+          <a:lstStyle/>
+          <a:p>
+            <a:fld id="{1BED63A3-D974-4793-B3DD-FA4EC52AEA9D}" type="slidenum">
+              <a:rPr lang="en-US" smtClean="0"/>
+              <a:t>22</a:t>
+            </a:fld>
+            <a:endParaRPr lang="en-US"/>
+          </a:p>
+        </p:txBody>
+      </p:sp>
+    </p:spTree>
+    <p:extLst>
+      <p:ext uri="{BB962C8B-B14F-4D97-AF65-F5344CB8AC3E}">
+        <p14:creationId xmlns:p14="http://schemas.microsoft.com/office/powerpoint/2010/main" val="387198077"/>
+      </p:ext>
+    </p:extLst>
+  </p:cSld>
+  <p:clrMapOvr>
+    <a:masterClrMapping/>
+  </p:clrMapOvr>
+</p:notes>
+</file>
+
+<file path=ppt/notesSlides/notesSlide11.xml><?xml version="1.0" encoding="utf-8"?>
+<p:notes xmlns:a="http://schemas.openxmlformats.org/drawingml/2006/main" xmlns:r="http://schemas.openxmlformats.org/officeDocument/2006/relationships" xmlns:p="http://schemas.openxmlformats.org/presentationml/2006/main">
+  <p:cSld>
+    <p:spTree>
+      <p:nvGrpSpPr>
+        <p:cNvPr id="1" name=""/>
+        <p:cNvGrpSpPr/>
+        <p:nvPr/>
+      </p:nvGrpSpPr>
+      <p:grpSpPr>
+        <a:xfrm>
+          <a:off x="0" y="0"/>
+          <a:ext cx="0" cy="0"/>
+          <a:chOff x="0" y="0"/>
+          <a:chExt cx="0" cy="0"/>
+        </a:xfrm>
+      </p:grpSpPr>
+      <p:sp>
+        <p:nvSpPr>
+          <p:cNvPr id="2" name="Slide Image Placeholder 1"/>
+          <p:cNvSpPr>
+            <a:spLocks noGrp="1" noRot="1" noChangeAspect="1"/>
+          </p:cNvSpPr>
+          <p:nvPr>
+            <p:ph type="sldImg"/>
+          </p:nvPr>
+        </p:nvSpPr>
+        <p:spPr/>
+      </p:sp>
+      <p:sp>
+        <p:nvSpPr>
+          <p:cNvPr id="3" name="Notes Placeholder 2"/>
+          <p:cNvSpPr>
+            <a:spLocks noGrp="1"/>
+          </p:cNvSpPr>
+          <p:nvPr>
+            <p:ph type="body" idx="1"/>
+          </p:nvPr>
+        </p:nvSpPr>
+        <p:spPr/>
+        <p:txBody>
+          <a:bodyPr/>
+          <a:lstStyle/>
+          <a:p>
+            <a:r>
+              <a:rPr lang="en-US" dirty="0"/>
+              <a:t>CHECK IF ANY CHANGE SHOULD BE DONE IN   THE PHOTO</a:t>
+            </a:r>
+          </a:p>
+        </p:txBody>
+      </p:sp>
+      <p:sp>
+        <p:nvSpPr>
+          <p:cNvPr id="4" name="Slide Number Placeholder 3"/>
+          <p:cNvSpPr>
+            <a:spLocks noGrp="1"/>
+          </p:cNvSpPr>
+          <p:nvPr>
+            <p:ph type="sldNum" sz="quarter" idx="5"/>
+          </p:nvPr>
+        </p:nvSpPr>
+        <p:spPr/>
+        <p:txBody>
+          <a:bodyPr/>
+          <a:lstStyle/>
+          <a:p>
+            <a:fld id="{1BED63A3-D974-4793-B3DD-FA4EC52AEA9D}" type="slidenum">
+              <a:rPr lang="en-US" smtClean="0"/>
+              <a:t>33</a:t>
+            </a:fld>
+            <a:endParaRPr lang="en-US"/>
+          </a:p>
+        </p:txBody>
+      </p:sp>
+    </p:spTree>
+    <p:extLst>
+      <p:ext uri="{BB962C8B-B14F-4D97-AF65-F5344CB8AC3E}">
+        <p14:creationId xmlns:p14="http://schemas.microsoft.com/office/powerpoint/2010/main" val="127372316"/>
+      </p:ext>
+    </p:extLst>
+  </p:cSld>
+  <p:clrMapOvr>
+    <a:masterClrMapping/>
+  </p:clrMapOvr>
+</p:notes>
+</file>
+
 <file path=ppt/notesSlides/notesSlide2.xml><?xml version="1.0" encoding="utf-8"?>
 <p:notes xmlns:a="http://schemas.openxmlformats.org/drawingml/2006/main" xmlns:r="http://schemas.openxmlformats.org/officeDocument/2006/relationships" xmlns:p="http://schemas.openxmlformats.org/presentationml/2006/main">
   <p:cSld>
@@ -789,10 +968,7 @@
           <a:bodyPr/>
           <a:lstStyle/>
           <a:p>
-            <a:r>
-              <a:rPr lang="en-US" dirty="0"/>
-              <a:t>CHECK IF ANY CHANGE SHOULD BE DONE IN   THE PHOTO</a:t>
-            </a:r>
+            <a:endParaRPr lang="en-US" dirty="0"/>
           </a:p>
         </p:txBody>
       </p:sp>
@@ -822,7 +998,7 @@
     </p:spTree>
     <p:extLst>
       <p:ext uri="{BB962C8B-B14F-4D97-AF65-F5344CB8AC3E}">
-        <p14:creationId xmlns:p14="http://schemas.microsoft.com/office/powerpoint/2010/main" val="127372316"/>
+        <p14:creationId xmlns:p14="http://schemas.microsoft.com/office/powerpoint/2010/main" val="2972767792"/>
       </p:ext>
     </p:extLst>
   </p:cSld>
@@ -897,7 +1073,7 @@
           <a:p>
             <a:fld id="{1BED63A3-D974-4793-B3DD-FA4EC52AEA9D}" type="slidenum">
               <a:rPr lang="en-US" smtClean="0"/>
-              <a:t>6</a:t>
+              <a:t>9</a:t>
             </a:fld>
             <a:endParaRPr lang="en-US"/>
           </a:p>
@@ -906,7 +1082,7 @@
     </p:spTree>
     <p:extLst>
       <p:ext uri="{BB962C8B-B14F-4D97-AF65-F5344CB8AC3E}">
-        <p14:creationId xmlns:p14="http://schemas.microsoft.com/office/powerpoint/2010/main" val="2972767792"/>
+        <p14:creationId xmlns:p14="http://schemas.microsoft.com/office/powerpoint/2010/main" val="4050847838"/>
       </p:ext>
     </p:extLst>
   </p:cSld>
@@ -960,6 +1136,10 @@
           <a:bodyPr/>
           <a:lstStyle/>
           <a:p>
+            <a:r>
+              <a:rPr lang="en-US" sz="1200" dirty="0"/>
+              <a:t>of each dimension and fact in SQL language)</a:t>
+            </a:r>
             <a:endParaRPr lang="en-US" dirty="0"/>
           </a:p>
         </p:txBody>
@@ -981,7 +1161,7 @@
           <a:p>
             <a:fld id="{1BED63A3-D974-4793-B3DD-FA4EC52AEA9D}" type="slidenum">
               <a:rPr lang="en-US" smtClean="0"/>
-              <a:t>8</a:t>
+              <a:t>13</a:t>
             </a:fld>
             <a:endParaRPr lang="en-US"/>
           </a:p>
@@ -990,7 +1170,7 @@
     </p:spTree>
     <p:extLst>
       <p:ext uri="{BB962C8B-B14F-4D97-AF65-F5344CB8AC3E}">
-        <p14:creationId xmlns:p14="http://schemas.microsoft.com/office/powerpoint/2010/main" val="4050847838"/>
+        <p14:creationId xmlns:p14="http://schemas.microsoft.com/office/powerpoint/2010/main" val="1565668116"/>
       </p:ext>
     </p:extLst>
   </p:cSld>
@@ -1005,7 +1185,13 @@
   <p:cSld>
     <p:spTree>
       <p:nvGrpSpPr>
-        <p:cNvPr id="1" name=""/>
+        <p:cNvPr id="1" name="">
+          <a:extLst>
+            <a:ext uri="{FF2B5EF4-FFF2-40B4-BE49-F238E27FC236}">
+              <a16:creationId xmlns:a16="http://schemas.microsoft.com/office/drawing/2014/main" id="{473ABAAB-440F-F27D-D66C-FA888D1C0EF8}"/>
+            </a:ext>
+          </a:extLst>
+        </p:cNvPr>
         <p:cNvGrpSpPr/>
         <p:nvPr/>
       </p:nvGrpSpPr>
@@ -1019,7 +1205,13 @@
       </p:grpSpPr>
       <p:sp>
         <p:nvSpPr>
-          <p:cNvPr id="2" name="Slide Image Placeholder 1"/>
+          <p:cNvPr id="2" name="Slide Image Placeholder 1">
+            <a:extLst>
+              <a:ext uri="{FF2B5EF4-FFF2-40B4-BE49-F238E27FC236}">
+                <a16:creationId xmlns:a16="http://schemas.microsoft.com/office/drawing/2014/main" id="{9DE052A0-1B01-DA10-21DF-44E6DF4499B2}"/>
+              </a:ext>
+            </a:extLst>
+          </p:cNvPr>
           <p:cNvSpPr>
             <a:spLocks noGrp="1" noRot="1" noChangeAspect="1"/>
           </p:cNvSpPr>
@@ -1031,7 +1223,13 @@
       </p:sp>
       <p:sp>
         <p:nvSpPr>
-          <p:cNvPr id="3" name="Notes Placeholder 2"/>
+          <p:cNvPr id="3" name="Notes Placeholder 2">
+            <a:extLst>
+              <a:ext uri="{FF2B5EF4-FFF2-40B4-BE49-F238E27FC236}">
+                <a16:creationId xmlns:a16="http://schemas.microsoft.com/office/drawing/2014/main" id="{824CD68A-1A2A-9EA1-1E71-05FB185064A8}"/>
+              </a:ext>
+            </a:extLst>
+          </p:cNvPr>
           <p:cNvSpPr>
             <a:spLocks noGrp="1"/>
           </p:cNvSpPr>
@@ -1054,7 +1252,13 @@
       </p:sp>
       <p:sp>
         <p:nvSpPr>
-          <p:cNvPr id="4" name="Slide Number Placeholder 3"/>
+          <p:cNvPr id="4" name="Slide Number Placeholder 3">
+            <a:extLst>
+              <a:ext uri="{FF2B5EF4-FFF2-40B4-BE49-F238E27FC236}">
+                <a16:creationId xmlns:a16="http://schemas.microsoft.com/office/drawing/2014/main" id="{F40395DC-2001-580C-B956-F5FB0032BA0A}"/>
+              </a:ext>
+            </a:extLst>
+          </p:cNvPr>
           <p:cNvSpPr>
             <a:spLocks noGrp="1"/>
           </p:cNvSpPr>
@@ -1069,7 +1273,7 @@
           <a:p>
             <a:fld id="{1BED63A3-D974-4793-B3DD-FA4EC52AEA9D}" type="slidenum">
               <a:rPr lang="en-US" smtClean="0"/>
-              <a:t>12</a:t>
+              <a:t>14</a:t>
             </a:fld>
             <a:endParaRPr lang="en-US"/>
           </a:p>
@@ -1078,7 +1282,7 @@
     </p:spTree>
     <p:extLst>
       <p:ext uri="{BB962C8B-B14F-4D97-AF65-F5344CB8AC3E}">
-        <p14:creationId xmlns:p14="http://schemas.microsoft.com/office/powerpoint/2010/main" val="1565668116"/>
+        <p14:creationId xmlns:p14="http://schemas.microsoft.com/office/powerpoint/2010/main" val="1958876921"/>
       </p:ext>
     </p:extLst>
   </p:cSld>
@@ -1156,7 +1360,7 @@
           <a:p>
             <a:fld id="{1BED63A3-D974-4793-B3DD-FA4EC52AEA9D}" type="slidenum">
               <a:rPr lang="en-US" smtClean="0"/>
-              <a:t>15</a:t>
+              <a:t>17</a:t>
             </a:fld>
             <a:endParaRPr lang="en-US"/>
           </a:p>
@@ -1332,7 +1536,7 @@
           <a:p>
             <a:fld id="{1BED63A3-D974-4793-B3DD-FA4EC52AEA9D}" type="slidenum">
               <a:rPr lang="en-US" smtClean="0"/>
-              <a:t>16</a:t>
+              <a:t>18</a:t>
             </a:fld>
             <a:endParaRPr lang="en-US"/>
           </a:p>
@@ -1356,7 +1560,13 @@
   <p:cSld>
     <p:spTree>
       <p:nvGrpSpPr>
-        <p:cNvPr id="1" name=""/>
+        <p:cNvPr id="1" name="">
+          <a:extLst>
+            <a:ext uri="{FF2B5EF4-FFF2-40B4-BE49-F238E27FC236}">
+              <a16:creationId xmlns:a16="http://schemas.microsoft.com/office/drawing/2014/main" id="{77CC7E5C-6F5A-D84A-3A18-9B9DBC5A2E70}"/>
+            </a:ext>
+          </a:extLst>
+        </p:cNvPr>
         <p:cNvGrpSpPr/>
         <p:nvPr/>
       </p:nvGrpSpPr>
@@ -1370,7 +1580,13 @@
       </p:grpSpPr>
       <p:sp>
         <p:nvSpPr>
-          <p:cNvPr id="2" name="Slide Image Placeholder 1"/>
+          <p:cNvPr id="2" name="Slide Image Placeholder 1">
+            <a:extLst>
+              <a:ext uri="{FF2B5EF4-FFF2-40B4-BE49-F238E27FC236}">
+                <a16:creationId xmlns:a16="http://schemas.microsoft.com/office/drawing/2014/main" id="{6B336B9F-3690-14A8-D085-8F235FD72882}"/>
+              </a:ext>
+            </a:extLst>
+          </p:cNvPr>
           <p:cNvSpPr>
             <a:spLocks noGrp="1" noRot="1" noChangeAspect="1"/>
           </p:cNvSpPr>
@@ -1382,7 +1598,13 @@
       </p:sp>
       <p:sp>
         <p:nvSpPr>
-          <p:cNvPr id="3" name="Notes Placeholder 2"/>
+          <p:cNvPr id="3" name="Notes Placeholder 2">
+            <a:extLst>
+              <a:ext uri="{FF2B5EF4-FFF2-40B4-BE49-F238E27FC236}">
+                <a16:creationId xmlns:a16="http://schemas.microsoft.com/office/drawing/2014/main" id="{16092FAF-6088-DECC-50B2-6550AB9A3908}"/>
+              </a:ext>
+            </a:extLst>
+          </p:cNvPr>
           <p:cNvSpPr>
             <a:spLocks noGrp="1"/>
           </p:cNvSpPr>
@@ -1395,13 +1617,111 @@
           <a:bodyPr/>
           <a:lstStyle/>
           <a:p>
+            <a:pPr>
+              <a:buNone/>
+            </a:pPr>
+            <a:r>
+              <a:rPr lang="en-US" b="1" dirty="0" err="1"/>
+              <a:t>player_dim</a:t>
+            </a:r>
+            <a:r>
+              <a:rPr lang="en-US" dirty="0"/>
+              <a:t> split into 2 tables</a:t>
+            </a:r>
+          </a:p>
+          <a:p>
+            <a:pPr>
+              <a:buNone/>
+            </a:pPr>
+            <a:r>
+              <a:rPr lang="en-US" dirty="0"/>
+              <a:t>Main which is player dynamic (contain player id ) data decencies </a:t>
+            </a:r>
+          </a:p>
+          <a:p>
+            <a:pPr>
+              <a:buNone/>
+            </a:pPr>
+            <a:r>
+              <a:rPr lang="en-US" dirty="0"/>
+              <a:t>The </a:t>
+            </a:r>
+            <a:r>
+              <a:rPr lang="en-US" dirty="0" err="1"/>
+              <a:t>subyable</a:t>
+            </a:r>
+            <a:r>
+              <a:rPr lang="en-US" dirty="0"/>
+              <a:t> used to avoid the redundancy of info:</a:t>
+            </a:r>
+          </a:p>
+          <a:p>
+            <a:pPr>
+              <a:buFont typeface="Arial" panose="020B0604020202020204" pitchFamily="34" charset="0"/>
+              <a:buChar char="•"/>
+            </a:pPr>
+            <a:r>
+              <a:rPr lang="en-US" dirty="0"/>
+              <a:t>College</a:t>
+            </a:r>
+          </a:p>
+          <a:p>
+            <a:pPr>
+              <a:buFont typeface="Arial" panose="020B0604020202020204" pitchFamily="34" charset="0"/>
+              <a:buChar char="•"/>
+            </a:pPr>
+            <a:r>
+              <a:rPr lang="en-US" dirty="0"/>
+              <a:t>Country</a:t>
+            </a:r>
+          </a:p>
+          <a:p>
+            <a:pPr>
+              <a:buFont typeface="Arial" panose="020B0604020202020204" pitchFamily="34" charset="0"/>
+              <a:buChar char="•"/>
+            </a:pPr>
+            <a:r>
+              <a:rPr lang="en-US" dirty="0" err="1"/>
+              <a:t>Draft_year</a:t>
+            </a:r>
             <a:endParaRPr lang="en-US" dirty="0"/>
           </a:p>
-        </p:txBody>
-      </p:sp>
-      <p:sp>
-        <p:nvSpPr>
-          <p:cNvPr id="4" name="Slide Number Placeholder 3"/>
+          <a:p>
+            <a:pPr>
+              <a:buFont typeface="Arial" panose="020B0604020202020204" pitchFamily="34" charset="0"/>
+              <a:buChar char="•"/>
+            </a:pPr>
+            <a:r>
+              <a:rPr lang="en-US" dirty="0" err="1"/>
+              <a:t>Draft_round</a:t>
+            </a:r>
+            <a:endParaRPr lang="en-US" dirty="0"/>
+          </a:p>
+          <a:p>
+            <a:pPr>
+              <a:buFont typeface="Arial" panose="020B0604020202020204" pitchFamily="34" charset="0"/>
+              <a:buChar char="•"/>
+            </a:pPr>
+            <a:r>
+              <a:rPr lang="en-US" dirty="0" err="1"/>
+              <a:t>Draft_numbet</a:t>
+            </a:r>
+            <a:endParaRPr lang="en-US" dirty="0"/>
+          </a:p>
+          <a:p>
+            <a:endParaRPr lang="en-US" dirty="0"/>
+          </a:p>
+        </p:txBody>
+      </p:sp>
+      <p:sp>
+        <p:nvSpPr>
+          <p:cNvPr id="4" name="Slide Number Placeholder 3">
+            <a:extLst>
+              <a:ext uri="{FF2B5EF4-FFF2-40B4-BE49-F238E27FC236}">
+                <a16:creationId xmlns:a16="http://schemas.microsoft.com/office/drawing/2014/main" id="{E7735AA1-3383-AA93-82C7-0F345DD85419}"/>
+              </a:ext>
+            </a:extLst>
+          </p:cNvPr>
           <p:cNvSpPr>
             <a:spLocks noGrp="1"/>
           </p:cNvSpPr>
@@ -1425,7 +1745,7 @@
     </p:spTree>
     <p:extLst>
       <p:ext uri="{BB962C8B-B14F-4D97-AF65-F5344CB8AC3E}">
-        <p14:creationId xmlns:p14="http://schemas.microsoft.com/office/powerpoint/2010/main" val="387198077"/>
+        <p14:creationId xmlns:p14="http://schemas.microsoft.com/office/powerpoint/2010/main" val="1396860460"/>
       </p:ext>
     </p:extLst>
   </p:cSld>
@@ -1664,7 +1984,7 @@
           <a:p>
             <a:fld id="{20025BB7-8A73-4C3C-888D-EB661FB644F1}" type="datetime1">
               <a:rPr lang="en-US" smtClean="0"/>
-              <a:t>14/05/2025</a:t>
+              <a:t>5/17/2025</a:t>
             </a:fld>
             <a:endParaRPr lang="en-US"/>
           </a:p>
@@ -1873,7 +2193,7 @@
           <a:p>
             <a:fld id="{20025BB7-8A73-4C3C-888D-EB661FB644F1}" type="datetime1">
               <a:rPr lang="en-US" smtClean="0"/>
-              <a:t>14/05/2025</a:t>
+              <a:t>5/17/2025</a:t>
             </a:fld>
             <a:endParaRPr lang="en-US"/>
           </a:p>
@@ -2130,7 +2450,7 @@
           <a:p>
             <a:fld id="{20025BB7-8A73-4C3C-888D-EB661FB644F1}" type="datetime1">
               <a:rPr lang="en-US" smtClean="0"/>
-              <a:t>14/05/2025</a:t>
+              <a:t>5/17/2025</a:t>
             </a:fld>
             <a:endParaRPr lang="en-US"/>
           </a:p>
@@ -2359,7 +2679,7 @@
           <a:p>
             <a:fld id="{20025BB7-8A73-4C3C-888D-EB661FB644F1}" type="datetime1">
               <a:rPr lang="en-US" smtClean="0"/>
-              <a:t>14/05/2025</a:t>
+              <a:t>5/17/2025</a:t>
             </a:fld>
             <a:endParaRPr lang="en-US"/>
           </a:p>
@@ -2708,7 +3028,7 @@
           <a:p>
             <a:fld id="{20025BB7-8A73-4C3C-888D-EB661FB644F1}" type="datetime1">
               <a:rPr lang="en-US" smtClean="0"/>
-              <a:t>14/05/2025</a:t>
+              <a:t>5/17/2025</a:t>
             </a:fld>
             <a:endParaRPr lang="en-US"/>
           </a:p>
@@ -2984,7 +3304,7 @@
           <a:p>
             <a:fld id="{20025BB7-8A73-4C3C-888D-EB661FB644F1}" type="datetime1">
               <a:rPr lang="en-US" smtClean="0"/>
-              <a:t>14/05/2025</a:t>
+              <a:t>5/17/2025</a:t>
             </a:fld>
             <a:endParaRPr lang="en-US"/>
           </a:p>
@@ -3364,7 +3684,7 @@
           <a:p>
             <a:fld id="{20025BB7-8A73-4C3C-888D-EB661FB644F1}" type="datetime1">
               <a:rPr lang="en-US" smtClean="0"/>
-              <a:t>14/05/2025</a:t>
+              <a:t>5/17/2025</a:t>
             </a:fld>
             <a:endParaRPr lang="en-US"/>
           </a:p>
@@ -3483,7 +3803,7 @@
           <a:p>
             <a:fld id="{20025BB7-8A73-4C3C-888D-EB661FB644F1}" type="datetime1">
               <a:rPr lang="en-US" smtClean="0"/>
-              <a:t>14/05/2025</a:t>
+              <a:t>5/17/2025</a:t>
             </a:fld>
             <a:endParaRPr lang="en-US"/>
           </a:p>
@@ -3655,7 +3975,7 @@
           <a:p>
             <a:fld id="{20025BB7-8A73-4C3C-888D-EB661FB644F1}" type="datetime1">
               <a:rPr lang="en-US" smtClean="0"/>
-              <a:t>14/05/2025</a:t>
+              <a:t>5/17/2025</a:t>
             </a:fld>
             <a:endParaRPr lang="en-US"/>
           </a:p>
@@ -4010,7 +4330,7 @@
           <a:p>
             <a:fld id="{20025BB7-8A73-4C3C-888D-EB661FB644F1}" type="datetime1">
               <a:rPr lang="en-US" smtClean="0"/>
-              <a:t>14/05/2025</a:t>
+              <a:t>5/17/2025</a:t>
             </a:fld>
             <a:endParaRPr lang="en-US"/>
           </a:p>
@@ -4393,7 +4713,7 @@
           <a:p>
             <a:fld id="{20025BB7-8A73-4C3C-888D-EB661FB644F1}" type="datetime1">
               <a:rPr lang="en-US" smtClean="0"/>
-              <a:t>14/05/2025</a:t>
+              <a:t>5/17/2025</a:t>
             </a:fld>
             <a:endParaRPr lang="en-US"/>
           </a:p>
@@ -4681,7 +5001,7 @@
           <a:p>
             <a:fld id="{20025BB7-8A73-4C3C-888D-EB661FB644F1}" type="datetime1">
               <a:rPr lang="en-US" smtClean="0"/>
-              <a:t>14/05/2025</a:t>
+              <a:t>5/17/2025</a:t>
             </a:fld>
             <a:endParaRPr lang="en-US"/>
           </a:p>
@@ -5224,17 +5544,19 @@
         </p:nvSpPr>
         <p:spPr>
           <a:xfrm>
-            <a:off x="1097280" y="2133600"/>
-            <a:ext cx="10058400" cy="2191512"/>
-          </a:xfrm>
-        </p:spPr>
-        <p:txBody>
-          <a:bodyPr/>
+            <a:off x="1812722" y="1754692"/>
+            <a:ext cx="8566555" cy="1030619"/>
+          </a:xfrm>
+        </p:spPr>
+        <p:txBody>
+          <a:bodyPr>
+            <a:normAutofit/>
+          </a:bodyPr>
           <a:lstStyle/>
           <a:p>
             <a:pPr algn="ctr"/>
             <a:r>
-              <a:rPr lang="en-US" dirty="0"/>
+              <a:rPr lang="en-US" sz="6000" dirty="0"/>
               <a:t>Data Management Project </a:t>
             </a:r>
           </a:p>
@@ -5326,7 +5648,7 @@
         </p:blipFill>
         <p:spPr bwMode="auto">
           <a:xfrm>
-            <a:off x="4531591" y="300254"/>
+            <a:off x="4140119" y="377500"/>
             <a:ext cx="3128817" cy="1299946"/>
           </a:xfrm>
           <a:prstGeom prst="rect">
@@ -5352,7 +5674,7 @@
         </p:nvSpPr>
         <p:spPr>
           <a:xfrm>
-            <a:off x="9320377" y="5499745"/>
+            <a:off x="4208945" y="2939803"/>
             <a:ext cx="3059991" cy="811825"/>
           </a:xfrm>
           <a:prstGeom prst="rect">
@@ -5427,6 +5749,276 @@
 </file>
 
 <file path=ppt/slides/slide10.xml><?xml version="1.0" encoding="utf-8"?>
+<p:sld xmlns:a="http://schemas.openxmlformats.org/drawingml/2006/main" xmlns:r="http://schemas.openxmlformats.org/officeDocument/2006/relationships" xmlns:p="http://schemas.openxmlformats.org/presentationml/2006/main">
+  <p:cSld>
+    <p:spTree>
+      <p:nvGrpSpPr>
+        <p:cNvPr id="1" name=""/>
+        <p:cNvGrpSpPr/>
+        <p:nvPr/>
+      </p:nvGrpSpPr>
+      <p:grpSpPr>
+        <a:xfrm>
+          <a:off x="0" y="0"/>
+          <a:ext cx="0" cy="0"/>
+          <a:chOff x="0" y="0"/>
+          <a:chExt cx="0" cy="0"/>
+        </a:xfrm>
+      </p:grpSpPr>
+      <p:sp>
+        <p:nvSpPr>
+          <p:cNvPr id="2" name="Title 1">
+            <a:extLst>
+              <a:ext uri="{FF2B5EF4-FFF2-40B4-BE49-F238E27FC236}">
+                <a16:creationId xmlns:a16="http://schemas.microsoft.com/office/drawing/2014/main" id="{6982907F-358E-E265-4EA6-96D608617F3B}"/>
+              </a:ext>
+            </a:extLst>
+          </p:cNvPr>
+          <p:cNvSpPr>
+            <a:spLocks noGrp="1"/>
+          </p:cNvSpPr>
+          <p:nvPr>
+            <p:ph type="title"/>
+          </p:nvPr>
+        </p:nvSpPr>
+        <p:spPr>
+          <a:xfrm>
+            <a:off x="658368" y="233550"/>
+            <a:ext cx="10058400" cy="893980"/>
+          </a:xfrm>
+        </p:spPr>
+        <p:txBody>
+          <a:bodyPr/>
+          <a:lstStyle/>
+          <a:p>
+            <a:r>
+              <a:rPr lang="en-US" dirty="0"/>
+              <a:t>ETL – Transform</a:t>
+            </a:r>
+          </a:p>
+        </p:txBody>
+      </p:sp>
+      <p:sp>
+        <p:nvSpPr>
+          <p:cNvPr id="3" name="Content Placeholder 2">
+            <a:extLst>
+              <a:ext uri="{FF2B5EF4-FFF2-40B4-BE49-F238E27FC236}">
+                <a16:creationId xmlns:a16="http://schemas.microsoft.com/office/drawing/2014/main" id="{DB7B41C5-C4D6-85F3-AC59-A169ED08B708}"/>
+              </a:ext>
+            </a:extLst>
+          </p:cNvPr>
+          <p:cNvSpPr>
+            <a:spLocks noGrp="1"/>
+          </p:cNvSpPr>
+          <p:nvPr>
+            <p:ph idx="1"/>
+          </p:nvPr>
+        </p:nvSpPr>
+        <p:spPr>
+          <a:xfrm>
+            <a:off x="658368" y="1734185"/>
+            <a:ext cx="4307235" cy="4351338"/>
+          </a:xfrm>
+        </p:spPr>
+        <p:txBody>
+          <a:bodyPr>
+            <a:normAutofit/>
+          </a:bodyPr>
+          <a:lstStyle/>
+          <a:p>
+            <a:r>
+              <a:rPr lang="en-US" dirty="0"/>
+              <a:t> Team Dimension</a:t>
+            </a:r>
+          </a:p>
+          <a:p>
+            <a:pPr lvl="1"/>
+            <a:r>
+              <a:rPr lang="en-US" dirty="0"/>
+              <a:t> Standardize attributes</a:t>
+            </a:r>
+          </a:p>
+          <a:p>
+            <a:pPr lvl="1"/>
+            <a:r>
+              <a:rPr lang="en-US" dirty="0"/>
+              <a:t> Convert and validate data types</a:t>
+            </a:r>
+          </a:p>
+          <a:p>
+            <a:pPr lvl="1"/>
+            <a:r>
+              <a:rPr lang="en-US" dirty="0"/>
+              <a:t> Add and drop columns</a:t>
+            </a:r>
+          </a:p>
+          <a:p>
+            <a:pPr lvl="1"/>
+            <a:r>
+              <a:rPr lang="en-US" dirty="0"/>
+              <a:t> Handle missing data</a:t>
+            </a:r>
+          </a:p>
+          <a:p>
+            <a:pPr lvl="1"/>
+            <a:endParaRPr lang="en-US" dirty="0"/>
+          </a:p>
+          <a:p>
+            <a:pPr lvl="1"/>
+            <a:endParaRPr lang="en-US" dirty="0"/>
+          </a:p>
+          <a:p>
+            <a:pPr lvl="1"/>
+            <a:endParaRPr lang="en-US" dirty="0"/>
+          </a:p>
+        </p:txBody>
+      </p:sp>
+      <p:sp>
+        <p:nvSpPr>
+          <p:cNvPr id="8" name="Slide Number Placeholder 7">
+            <a:extLst>
+              <a:ext uri="{FF2B5EF4-FFF2-40B4-BE49-F238E27FC236}">
+                <a16:creationId xmlns:a16="http://schemas.microsoft.com/office/drawing/2014/main" id="{A6A18056-CB52-39FE-B1AB-5B42F704DE35}"/>
+              </a:ext>
+            </a:extLst>
+          </p:cNvPr>
+          <p:cNvSpPr>
+            <a:spLocks noGrp="1"/>
+          </p:cNvSpPr>
+          <p:nvPr>
+            <p:ph type="sldNum" sz="quarter" idx="12"/>
+          </p:nvPr>
+        </p:nvSpPr>
+        <p:spPr/>
+        <p:txBody>
+          <a:bodyPr/>
+          <a:lstStyle/>
+          <a:p>
+            <a:fld id="{A9BE3F49-EAFF-40F7-B956-2B48D3C53978}" type="slidenum">
+              <a:rPr lang="en-US" smtClean="0"/>
+              <a:t>10</a:t>
+            </a:fld>
+            <a:endParaRPr lang="en-US" dirty="0"/>
+          </a:p>
+        </p:txBody>
+      </p:sp>
+      <p:pic>
+        <p:nvPicPr>
+          <p:cNvPr id="5" name="Picture 4">
+            <a:extLst>
+              <a:ext uri="{FF2B5EF4-FFF2-40B4-BE49-F238E27FC236}">
+                <a16:creationId xmlns:a16="http://schemas.microsoft.com/office/drawing/2014/main" id="{ED6C79BD-5866-9CE6-F62A-E3D84127C086}"/>
+              </a:ext>
+            </a:extLst>
+          </p:cNvPr>
+          <p:cNvPicPr>
+            <a:picLocks noChangeAspect="1"/>
+          </p:cNvPicPr>
+          <p:nvPr/>
+        </p:nvPicPr>
+        <p:blipFill>
+          <a:blip r:embed="rId2"/>
+          <a:stretch>
+            <a:fillRect/>
+          </a:stretch>
+        </p:blipFill>
+        <p:spPr>
+          <a:xfrm>
+            <a:off x="5145437" y="0"/>
+            <a:ext cx="6830235" cy="3813123"/>
+          </a:xfrm>
+          <a:prstGeom prst="rect">
+            <a:avLst/>
+          </a:prstGeom>
+        </p:spPr>
+      </p:pic>
+      <p:pic>
+        <p:nvPicPr>
+          <p:cNvPr id="7" name="Picture 6">
+            <a:extLst>
+              <a:ext uri="{FF2B5EF4-FFF2-40B4-BE49-F238E27FC236}">
+                <a16:creationId xmlns:a16="http://schemas.microsoft.com/office/drawing/2014/main" id="{9DC14956-BC33-380E-67B3-95B819795967}"/>
+              </a:ext>
+            </a:extLst>
+          </p:cNvPr>
+          <p:cNvPicPr>
+            <a:picLocks noChangeAspect="1"/>
+          </p:cNvPicPr>
+          <p:nvPr/>
+        </p:nvPicPr>
+        <p:blipFill>
+          <a:blip r:embed="rId3"/>
+          <a:stretch>
+            <a:fillRect/>
+          </a:stretch>
+        </p:blipFill>
+        <p:spPr>
+          <a:xfrm>
+            <a:off x="5145436" y="3813123"/>
+            <a:ext cx="6830235" cy="3061935"/>
+          </a:xfrm>
+          <a:prstGeom prst="rect">
+            <a:avLst/>
+          </a:prstGeom>
+        </p:spPr>
+      </p:pic>
+      <p:cxnSp>
+        <p:nvCxnSpPr>
+          <p:cNvPr id="13" name="Straight Connector 12">
+            <a:extLst>
+              <a:ext uri="{FF2B5EF4-FFF2-40B4-BE49-F238E27FC236}">
+                <a16:creationId xmlns:a16="http://schemas.microsoft.com/office/drawing/2014/main" id="{40DDFF10-EF82-FC31-6E43-46571A1B10AB}"/>
+              </a:ext>
+            </a:extLst>
+          </p:cNvPr>
+          <p:cNvCxnSpPr>
+            <a:cxnSpLocks/>
+          </p:cNvCxnSpPr>
+          <p:nvPr/>
+        </p:nvCxnSpPr>
+        <p:spPr>
+          <a:xfrm flipH="1">
+            <a:off x="658368" y="1171091"/>
+            <a:ext cx="553212" cy="0"/>
+          </a:xfrm>
+          <a:prstGeom prst="line">
+            <a:avLst/>
+          </a:prstGeom>
+          <a:ln w="6350">
+            <a:solidFill>
+              <a:srgbClr val="7F7F7F"/>
+            </a:solidFill>
+          </a:ln>
+        </p:spPr>
+        <p:style>
+          <a:lnRef idx="1">
+            <a:schemeClr val="dk1"/>
+          </a:lnRef>
+          <a:fillRef idx="0">
+            <a:schemeClr val="dk1"/>
+          </a:fillRef>
+          <a:effectRef idx="0">
+            <a:schemeClr val="dk1"/>
+          </a:effectRef>
+          <a:fontRef idx="minor">
+            <a:schemeClr val="tx1"/>
+          </a:fontRef>
+        </p:style>
+      </p:cxnSp>
+    </p:spTree>
+    <p:extLst>
+      <p:ext uri="{BB962C8B-B14F-4D97-AF65-F5344CB8AC3E}">
+        <p14:creationId xmlns:p14="http://schemas.microsoft.com/office/powerpoint/2010/main" val="3592988955"/>
+      </p:ext>
+    </p:extLst>
+  </p:cSld>
+  <p:clrMapOvr>
+    <a:masterClrMapping/>
+  </p:clrMapOvr>
+</p:sld>
+</file>
+
+<file path=ppt/slides/slide11.xml><?xml version="1.0" encoding="utf-8"?>
 <p:sld xmlns:a="http://schemas.openxmlformats.org/drawingml/2006/main" xmlns:r="http://schemas.openxmlformats.org/officeDocument/2006/relationships" xmlns:p="http://schemas.openxmlformats.org/presentationml/2006/main">
   <p:cSld>
     <p:spTree>
@@ -5465,139 +6057,112 @@
             <p:ph type="title"/>
           </p:nvPr>
         </p:nvSpPr>
-        <p:spPr/>
-        <p:txBody>
-          <a:bodyPr/>
+        <p:spPr>
+          <a:xfrm>
+            <a:off x="658368" y="277111"/>
+            <a:ext cx="4538472" cy="893980"/>
+          </a:xfrm>
+        </p:spPr>
+        <p:txBody>
+          <a:bodyPr>
+            <a:normAutofit/>
+          </a:bodyPr>
+          <a:lstStyle/>
+          <a:p>
+            <a:r>
+              <a:rPr lang="en-US" sz="4400" dirty="0"/>
+              <a:t>ETL – Transform</a:t>
+            </a:r>
+          </a:p>
+        </p:txBody>
+      </p:sp>
+      <p:sp>
+        <p:nvSpPr>
+          <p:cNvPr id="3" name="Content Placeholder 2">
+            <a:extLst>
+              <a:ext uri="{FF2B5EF4-FFF2-40B4-BE49-F238E27FC236}">
+                <a16:creationId xmlns:a16="http://schemas.microsoft.com/office/drawing/2014/main" id="{7B666F04-38FA-9A77-79EE-B9454C2E0AF7}"/>
+              </a:ext>
+            </a:extLst>
+          </p:cNvPr>
+          <p:cNvSpPr>
+            <a:spLocks noGrp="1"/>
+          </p:cNvSpPr>
+          <p:nvPr>
+            <p:ph idx="1"/>
+          </p:nvPr>
+        </p:nvSpPr>
+        <p:spPr>
+          <a:xfrm>
+            <a:off x="658368" y="1520824"/>
+            <a:ext cx="4307235" cy="4674235"/>
+          </a:xfrm>
+        </p:spPr>
+        <p:txBody>
+          <a:bodyPr>
+            <a:normAutofit fontScale="92500" lnSpcReduction="20000"/>
+          </a:bodyPr>
           <a:lstStyle/>
           <a:p>
             <a:r>
               <a:rPr lang="en-US" dirty="0"/>
-              <a:t>ETL</a:t>
-            </a:r>
-          </a:p>
-        </p:txBody>
-      </p:sp>
-      <p:sp>
-        <p:nvSpPr>
-          <p:cNvPr id="3" name="Content Placeholder 2">
-            <a:extLst>
-              <a:ext uri="{FF2B5EF4-FFF2-40B4-BE49-F238E27FC236}">
-                <a16:creationId xmlns:a16="http://schemas.microsoft.com/office/drawing/2014/main" id="{7B666F04-38FA-9A77-79EE-B9454C2E0AF7}"/>
-              </a:ext>
-            </a:extLst>
-          </p:cNvPr>
-          <p:cNvSpPr>
-            <a:spLocks noGrp="1"/>
-          </p:cNvSpPr>
-          <p:nvPr>
-            <p:ph idx="1"/>
-          </p:nvPr>
-        </p:nvSpPr>
-        <p:spPr>
-          <a:xfrm>
-            <a:off x="838199" y="1825625"/>
-            <a:ext cx="4307235" cy="4351338"/>
-          </a:xfrm>
-        </p:spPr>
-        <p:txBody>
-          <a:bodyPr>
-            <a:normAutofit fontScale="85000" lnSpcReduction="20000"/>
-          </a:bodyPr>
-          <a:lstStyle/>
-          <a:p>
+              <a:t> Ranking &amp; Date Dimensions</a:t>
+            </a:r>
+          </a:p>
+          <a:p>
+            <a:pPr lvl="1"/>
             <a:r>
               <a:rPr lang="en-US" dirty="0"/>
-              <a:t> For the ranking:</a:t>
-            </a:r>
-          </a:p>
-          <a:p>
-            <a:pPr lvl="1">
-              <a:buFont typeface="Arial" panose="020B0604020202020204" pitchFamily="34" charset="0"/>
-              <a:buChar char="•"/>
-            </a:pPr>
+              <a:t> Drop unnecessary columns</a:t>
+            </a:r>
+          </a:p>
+          <a:p>
+            <a:pPr lvl="1"/>
             <a:r>
               <a:rPr lang="en-US" dirty="0"/>
-              <a:t>Drop some columns</a:t>
-            </a:r>
-          </a:p>
-          <a:p>
-            <a:pPr lvl="1">
-              <a:buFont typeface="Arial" panose="020B0604020202020204" pitchFamily="34" charset="0"/>
-              <a:buChar char="•"/>
-            </a:pPr>
+              <a:t> Convert data types</a:t>
+            </a:r>
+          </a:p>
+          <a:p>
+            <a:pPr lvl="1"/>
             <a:r>
               <a:rPr lang="en-US" dirty="0"/>
-              <a:t>Convert data</a:t>
-            </a:r>
-          </a:p>
-          <a:p>
-            <a:pPr lvl="1">
-              <a:buFont typeface="Arial" panose="020B0604020202020204" pitchFamily="34" charset="0"/>
-              <a:buChar char="•"/>
-            </a:pPr>
+              <a:t> Create a date table</a:t>
+            </a:r>
+          </a:p>
+          <a:p>
+            <a:pPr lvl="1"/>
             <a:r>
               <a:rPr lang="en-US" dirty="0"/>
-              <a:t>Create a date table</a:t>
-            </a:r>
-          </a:p>
-          <a:p>
-            <a:pPr lvl="1">
-              <a:buFont typeface="Arial" panose="020B0604020202020204" pitchFamily="34" charset="0"/>
-              <a:buChar char="•"/>
-            </a:pPr>
+              <a:t> Insert surrogate keys</a:t>
+            </a:r>
+          </a:p>
+          <a:p>
+            <a:pPr lvl="1"/>
             <a:r>
               <a:rPr lang="en-US" dirty="0"/>
-              <a:t>Insert a surrogate key</a:t>
-            </a:r>
-          </a:p>
-          <a:p>
-            <a:pPr lvl="1">
-              <a:buFont typeface="Arial" panose="020B0604020202020204" pitchFamily="34" charset="0"/>
-              <a:buChar char="•"/>
-            </a:pPr>
+              <a:t> Ensure data uniqueness</a:t>
+            </a:r>
+          </a:p>
+          <a:p>
+            <a:pPr lvl="1"/>
             <a:r>
               <a:rPr lang="en-US" dirty="0"/>
-              <a:t>Assure uniqueness of Data</a:t>
-            </a:r>
-          </a:p>
-          <a:p>
-            <a:pPr lvl="1">
-              <a:buFont typeface="Arial" panose="020B0604020202020204" pitchFamily="34" charset="0"/>
-              <a:buChar char="•"/>
-            </a:pPr>
+              <a:t> Map keys</a:t>
+            </a:r>
+          </a:p>
+          <a:p>
+            <a:pPr lvl="1"/>
             <a:r>
               <a:rPr lang="en-US" dirty="0"/>
-              <a:t>Mapping of keys</a:t>
-            </a:r>
-          </a:p>
-          <a:p>
-            <a:pPr lvl="1">
-              <a:buFont typeface="Arial" panose="020B0604020202020204" pitchFamily="34" charset="0"/>
-              <a:buChar char="•"/>
-            </a:pPr>
+              <a:t> Handle missing data</a:t>
+            </a:r>
+          </a:p>
+          <a:p>
+            <a:pPr lvl="1"/>
             <a:r>
               <a:rPr lang="en-US" dirty="0"/>
-              <a:t>Standardization process</a:t>
-            </a:r>
-          </a:p>
-          <a:p>
-            <a:pPr lvl="1">
-              <a:buFont typeface="Arial" panose="020B0604020202020204" pitchFamily="34" charset="0"/>
-              <a:buChar char="•"/>
-            </a:pPr>
-            <a:r>
-              <a:rPr lang="en-US" dirty="0"/>
-              <a:t>Data type validation</a:t>
-            </a:r>
-          </a:p>
-          <a:p>
-            <a:pPr lvl="1">
-              <a:buFont typeface="Arial" panose="020B0604020202020204" pitchFamily="34" charset="0"/>
-              <a:buChar char="•"/>
-            </a:pPr>
-            <a:r>
-              <a:rPr lang="en-US" dirty="0"/>
-              <a:t>Handle missing data</a:t>
+              <a:t> Concatenate values into a single dimension</a:t>
             </a:r>
           </a:p>
           <a:p>
@@ -5657,7 +6222,7 @@
           <a:p>
             <a:fld id="{A9BE3F49-EAFF-40F7-B956-2B48D3C53978}" type="slidenum">
               <a:rPr lang="en-US" smtClean="0"/>
-              <a:t>10</a:t>
+              <a:t>11</a:t>
             </a:fld>
             <a:endParaRPr lang="en-US"/>
           </a:p>
@@ -5723,6 +6288,49 @@
           </a:prstGeom>
         </p:spPr>
       </p:pic>
+      <p:cxnSp>
+        <p:nvCxnSpPr>
+          <p:cNvPr id="6" name="Straight Connector 5">
+            <a:extLst>
+              <a:ext uri="{FF2B5EF4-FFF2-40B4-BE49-F238E27FC236}">
+                <a16:creationId xmlns:a16="http://schemas.microsoft.com/office/drawing/2014/main" id="{8BD7F741-E304-334C-05D9-9B189D6D7280}"/>
+              </a:ext>
+            </a:extLst>
+          </p:cNvPr>
+          <p:cNvCxnSpPr>
+            <a:cxnSpLocks/>
+          </p:cNvCxnSpPr>
+          <p:nvPr/>
+        </p:nvCxnSpPr>
+        <p:spPr>
+          <a:xfrm flipH="1">
+            <a:off x="658368" y="1171091"/>
+            <a:ext cx="553212" cy="0"/>
+          </a:xfrm>
+          <a:prstGeom prst="line">
+            <a:avLst/>
+          </a:prstGeom>
+          <a:ln w="6350">
+            <a:solidFill>
+              <a:srgbClr val="7F7F7F"/>
+            </a:solidFill>
+          </a:ln>
+        </p:spPr>
+        <p:style>
+          <a:lnRef idx="1">
+            <a:schemeClr val="dk1"/>
+          </a:lnRef>
+          <a:fillRef idx="0">
+            <a:schemeClr val="dk1"/>
+          </a:fillRef>
+          <a:effectRef idx="0">
+            <a:schemeClr val="dk1"/>
+          </a:effectRef>
+          <a:fontRef idx="minor">
+            <a:schemeClr val="tx1"/>
+          </a:fontRef>
+        </p:style>
+      </p:cxnSp>
     </p:spTree>
     <p:extLst>
       <p:ext uri="{BB962C8B-B14F-4D97-AF65-F5344CB8AC3E}">
@@ -5736,7 +6344,7 @@
 </p:sld>
 </file>
 
-<file path=ppt/slides/slide11.xml><?xml version="1.0" encoding="utf-8"?>
+<file path=ppt/slides/slide12.xml><?xml version="1.0" encoding="utf-8"?>
 <p:sld xmlns:a="http://schemas.openxmlformats.org/drawingml/2006/main" xmlns:r="http://schemas.openxmlformats.org/officeDocument/2006/relationships" xmlns:p="http://schemas.openxmlformats.org/presentationml/2006/main">
   <p:cSld>
     <p:spTree>
@@ -5769,14 +6377,19 @@
             <p:ph type="title"/>
           </p:nvPr>
         </p:nvSpPr>
-        <p:spPr/>
+        <p:spPr>
+          <a:xfrm>
+            <a:off x="658368" y="275206"/>
+            <a:ext cx="10058400" cy="893980"/>
+          </a:xfrm>
+        </p:spPr>
         <p:txBody>
           <a:bodyPr/>
           <a:lstStyle/>
           <a:p>
             <a:r>
               <a:rPr lang="en-US" dirty="0"/>
-              <a:t>ETL</a:t>
+              <a:t>ETL – Transform</a:t>
             </a:r>
           </a:p>
         </p:txBody>
@@ -5809,58 +6422,37 @@
           <a:p>
             <a:r>
               <a:rPr lang="en-US" dirty="0"/>
-              <a:t> For the </a:t>
-            </a:r>
-            <a:r>
-              <a:rPr lang="en-US" dirty="0" err="1"/>
-              <a:t>fact_game</a:t>
-            </a:r>
-            <a:endParaRPr lang="en-US" dirty="0"/>
-          </a:p>
-          <a:p>
-            <a:pPr lvl="1">
-              <a:buFont typeface="Arial" panose="020B0604020202020204" pitchFamily="34" charset="0"/>
-              <a:buChar char="•"/>
-            </a:pPr>
+              <a:t> Game Fact</a:t>
+            </a:r>
+          </a:p>
+          <a:p>
+            <a:pPr lvl="1"/>
             <a:r>
               <a:rPr lang="en-US" dirty="0"/>
-              <a:t> Assure Data Types</a:t>
-            </a:r>
-          </a:p>
-          <a:p>
-            <a:pPr lvl="1">
-              <a:buFont typeface="Arial" panose="020B0604020202020204" pitchFamily="34" charset="0"/>
-              <a:buChar char="•"/>
-            </a:pPr>
+              <a:t> Ensure data types</a:t>
+            </a:r>
+          </a:p>
+          <a:p>
+            <a:pPr lvl="1"/>
             <a:r>
               <a:rPr lang="en-US" dirty="0"/>
-              <a:t> Attribute Standardization</a:t>
-            </a:r>
-          </a:p>
-          <a:p>
-            <a:pPr lvl="1">
-              <a:buFont typeface="Arial" panose="020B0604020202020204" pitchFamily="34" charset="0"/>
-              <a:buChar char="•"/>
-            </a:pPr>
+              <a:t> Standardize attributes</a:t>
+            </a:r>
+          </a:p>
+          <a:p>
+            <a:pPr lvl="1"/>
             <a:r>
               <a:rPr lang="en-US" dirty="0"/>
-              <a:t> Mapping of keys</a:t>
-            </a:r>
-          </a:p>
-          <a:p>
-            <a:pPr lvl="1">
-              <a:buFont typeface="Arial" panose="020B0604020202020204" pitchFamily="34" charset="0"/>
-              <a:buChar char="•"/>
-            </a:pPr>
+              <a:t> Map keys</a:t>
+            </a:r>
+          </a:p>
+          <a:p>
+            <a:pPr lvl="1"/>
             <a:r>
               <a:rPr lang="en-US" dirty="0"/>
               <a:t> Drop columns</a:t>
             </a:r>
           </a:p>
-          <a:p>
-            <a:pPr lvl="1"/>
-            <a:endParaRPr lang="en-US" dirty="0"/>
-          </a:p>
         </p:txBody>
       </p:sp>
       <p:sp>
@@ -5886,7 +6478,7 @@
           <a:p>
             <a:fld id="{A9BE3F49-EAFF-40F7-B956-2B48D3C53978}" type="slidenum">
               <a:rPr lang="en-US" smtClean="0"/>
-              <a:t>11</a:t>
+              <a:t>12</a:t>
             </a:fld>
             <a:endParaRPr lang="en-US"/>
           </a:p>
@@ -6078,269 +6670,59 @@
             <a:fld id="{A9BE3F49-EAFF-40F7-B956-2B48D3C53978}" type="slidenum">
               <a:rPr lang="en-US" smtClean="0"/>
               <a:pPr/>
-              <a:t>11</a:t>
+              <a:t>12</a:t>
             </a:fld>
             <a:endParaRPr lang="en-US" dirty="0"/>
           </a:p>
         </p:txBody>
       </p:sp>
+      <p:cxnSp>
+        <p:nvCxnSpPr>
+          <p:cNvPr id="13" name="Straight Connector 12">
+            <a:extLst>
+              <a:ext uri="{FF2B5EF4-FFF2-40B4-BE49-F238E27FC236}">
+                <a16:creationId xmlns:a16="http://schemas.microsoft.com/office/drawing/2014/main" id="{FC7AB58B-1A51-BD09-0677-5CCF846914E2}"/>
+              </a:ext>
+            </a:extLst>
+          </p:cNvPr>
+          <p:cNvCxnSpPr>
+            <a:cxnSpLocks/>
+          </p:cNvCxnSpPr>
+          <p:nvPr/>
+        </p:nvCxnSpPr>
+        <p:spPr>
+          <a:xfrm flipH="1">
+            <a:off x="658368" y="1171091"/>
+            <a:ext cx="553212" cy="0"/>
+          </a:xfrm>
+          <a:prstGeom prst="line">
+            <a:avLst/>
+          </a:prstGeom>
+          <a:ln w="6350">
+            <a:solidFill>
+              <a:srgbClr val="7F7F7F"/>
+            </a:solidFill>
+          </a:ln>
+        </p:spPr>
+        <p:style>
+          <a:lnRef idx="1">
+            <a:schemeClr val="dk1"/>
+          </a:lnRef>
+          <a:fillRef idx="0">
+            <a:schemeClr val="dk1"/>
+          </a:fillRef>
+          <a:effectRef idx="0">
+            <a:schemeClr val="dk1"/>
+          </a:effectRef>
+          <a:fontRef idx="minor">
+            <a:schemeClr val="tx1"/>
+          </a:fontRef>
+        </p:style>
+      </p:cxnSp>
     </p:spTree>
     <p:extLst>
       <p:ext uri="{BB962C8B-B14F-4D97-AF65-F5344CB8AC3E}">
         <p14:creationId xmlns:p14="http://schemas.microsoft.com/office/powerpoint/2010/main" val="1386022580"/>
-      </p:ext>
-    </p:extLst>
-  </p:cSld>
-  <p:clrMapOvr>
-    <a:masterClrMapping/>
-  </p:clrMapOvr>
-</p:sld>
-</file>
-
-<file path=ppt/slides/slide12.xml><?xml version="1.0" encoding="utf-8"?>
-<p:sld xmlns:a="http://schemas.openxmlformats.org/drawingml/2006/main" xmlns:r="http://schemas.openxmlformats.org/officeDocument/2006/relationships" xmlns:p="http://schemas.openxmlformats.org/presentationml/2006/main">
-  <p:cSld>
-    <p:spTree>
-      <p:nvGrpSpPr>
-        <p:cNvPr id="1" name=""/>
-        <p:cNvGrpSpPr/>
-        <p:nvPr/>
-      </p:nvGrpSpPr>
-      <p:grpSpPr>
-        <a:xfrm>
-          <a:off x="0" y="0"/>
-          <a:ext cx="0" cy="0"/>
-          <a:chOff x="0" y="0"/>
-          <a:chExt cx="0" cy="0"/>
-        </a:xfrm>
-      </p:grpSpPr>
-      <p:sp>
-        <p:nvSpPr>
-          <p:cNvPr id="2" name="Title 1">
-            <a:extLst>
-              <a:ext uri="{FF2B5EF4-FFF2-40B4-BE49-F238E27FC236}">
-                <a16:creationId xmlns:a16="http://schemas.microsoft.com/office/drawing/2014/main" id="{529EFBDC-A361-C686-330C-AA95865D2EE0}"/>
-              </a:ext>
-            </a:extLst>
-          </p:cNvPr>
-          <p:cNvSpPr>
-            <a:spLocks noGrp="1"/>
-          </p:cNvSpPr>
-          <p:nvPr>
-            <p:ph type="title"/>
-          </p:nvPr>
-        </p:nvSpPr>
-        <p:spPr/>
-        <p:txBody>
-          <a:bodyPr/>
-          <a:lstStyle/>
-          <a:p>
-            <a:r>
-              <a:rPr lang="en-US" dirty="0"/>
-              <a:t>ETL</a:t>
-            </a:r>
-          </a:p>
-        </p:txBody>
-      </p:sp>
-      <p:sp>
-        <p:nvSpPr>
-          <p:cNvPr id="3" name="Content Placeholder 2">
-            <a:extLst>
-              <a:ext uri="{FF2B5EF4-FFF2-40B4-BE49-F238E27FC236}">
-                <a16:creationId xmlns:a16="http://schemas.microsoft.com/office/drawing/2014/main" id="{5561123E-2E72-05D6-BA7B-AC2B19ADB096}"/>
-              </a:ext>
-            </a:extLst>
-          </p:cNvPr>
-          <p:cNvSpPr>
-            <a:spLocks noGrp="1"/>
-          </p:cNvSpPr>
-          <p:nvPr>
-            <p:ph idx="1"/>
-          </p:nvPr>
-        </p:nvSpPr>
-        <p:spPr>
-          <a:xfrm>
-            <a:off x="838200" y="1825625"/>
-            <a:ext cx="10515600" cy="990727"/>
-          </a:xfrm>
-        </p:spPr>
-        <p:txBody>
-          <a:bodyPr/>
-          <a:lstStyle/>
-          <a:p>
-            <a:r>
-              <a:rPr lang="en-US" dirty="0"/>
-              <a:t> Load: </a:t>
-            </a:r>
-            <a:r>
-              <a:rPr lang="en-US" dirty="0">
-                <a:latin typeface="Times New Roman" panose="02020603050405020304" pitchFamily="18" charset="0"/>
-                <a:cs typeface="Times New Roman" panose="02020603050405020304" pitchFamily="18" charset="0"/>
-              </a:rPr>
-              <a:t>Insert the cleaned data into appropriate tables in the Postgres database</a:t>
-            </a:r>
-          </a:p>
-          <a:p>
-            <a:pPr marL="0" indent="0">
-              <a:buNone/>
-            </a:pPr>
-            <a:endParaRPr lang="en-US" dirty="0">
-              <a:latin typeface="Times New Roman" panose="02020603050405020304" pitchFamily="18" charset="0"/>
-              <a:cs typeface="Times New Roman" panose="02020603050405020304" pitchFamily="18" charset="0"/>
-            </a:endParaRPr>
-          </a:p>
-        </p:txBody>
-      </p:sp>
-      <p:sp>
-        <p:nvSpPr>
-          <p:cNvPr id="4" name="Slide Number Placeholder 3">
-            <a:extLst>
-              <a:ext uri="{FF2B5EF4-FFF2-40B4-BE49-F238E27FC236}">
-                <a16:creationId xmlns:a16="http://schemas.microsoft.com/office/drawing/2014/main" id="{A2979C99-6D0D-8C18-6628-6C468F4DD0F0}"/>
-              </a:ext>
-            </a:extLst>
-          </p:cNvPr>
-          <p:cNvSpPr>
-            <a:spLocks noGrp="1"/>
-          </p:cNvSpPr>
-          <p:nvPr>
-            <p:ph type="sldNum" sz="quarter" idx="12"/>
-          </p:nvPr>
-        </p:nvSpPr>
-        <p:spPr/>
-        <p:txBody>
-          <a:bodyPr/>
-          <a:lstStyle/>
-          <a:p>
-            <a:fld id="{A9BE3F49-EAFF-40F7-B956-2B48D3C53978}" type="slidenum">
-              <a:rPr lang="en-US" smtClean="0"/>
-              <a:t>12</a:t>
-            </a:fld>
-            <a:endParaRPr lang="en-US" dirty="0"/>
-          </a:p>
-        </p:txBody>
-      </p:sp>
-      <p:pic>
-        <p:nvPicPr>
-          <p:cNvPr id="6" name="Picture 5">
-            <a:extLst>
-              <a:ext uri="{FF2B5EF4-FFF2-40B4-BE49-F238E27FC236}">
-                <a16:creationId xmlns:a16="http://schemas.microsoft.com/office/drawing/2014/main" id="{840B50E5-B8E4-7CDE-38D0-5F3ED277F1FC}"/>
-              </a:ext>
-            </a:extLst>
-          </p:cNvPr>
-          <p:cNvPicPr>
-            <a:picLocks noChangeAspect="1"/>
-          </p:cNvPicPr>
-          <p:nvPr/>
-        </p:nvPicPr>
-        <p:blipFill>
-          <a:blip r:embed="rId3"/>
-          <a:stretch>
-            <a:fillRect/>
-          </a:stretch>
-        </p:blipFill>
-        <p:spPr>
-          <a:xfrm>
-            <a:off x="4255008" y="2544636"/>
-            <a:ext cx="7602565" cy="4083431"/>
-          </a:xfrm>
-          <a:prstGeom prst="rect">
-            <a:avLst/>
-          </a:prstGeom>
-        </p:spPr>
-      </p:pic>
-      <p:sp>
-        <p:nvSpPr>
-          <p:cNvPr id="7" name="TextBox 6">
-            <a:extLst>
-              <a:ext uri="{FF2B5EF4-FFF2-40B4-BE49-F238E27FC236}">
-                <a16:creationId xmlns:a16="http://schemas.microsoft.com/office/drawing/2014/main" id="{5D038960-5608-129D-F984-40A9D1140AC0}"/>
-              </a:ext>
-            </a:extLst>
-          </p:cNvPr>
-          <p:cNvSpPr txBox="1"/>
-          <p:nvPr/>
-        </p:nvSpPr>
-        <p:spPr>
-          <a:xfrm>
-            <a:off x="838200" y="3096768"/>
-            <a:ext cx="3599688" cy="2677656"/>
-          </a:xfrm>
-          <a:prstGeom prst="rect">
-            <a:avLst/>
-          </a:prstGeom>
-          <a:noFill/>
-        </p:spPr>
-        <p:txBody>
-          <a:bodyPr wrap="square" rtlCol="0">
-            <a:spAutoFit/>
-          </a:bodyPr>
-          <a:lstStyle/>
-          <a:p>
-            <a:pPr marL="285750" indent="-285750">
-              <a:buClr>
-                <a:schemeClr val="accent1"/>
-              </a:buClr>
-              <a:buFont typeface="Arial" panose="020B0604020202020204" pitchFamily="34" charset="0"/>
-              <a:buChar char="•"/>
-            </a:pPr>
-            <a:r>
-              <a:rPr lang="en-US" sz="2400" dirty="0">
-                <a:latin typeface="Times New Roman" panose="02020603050405020304" pitchFamily="18" charset="0"/>
-                <a:cs typeface="Times New Roman" panose="02020603050405020304" pitchFamily="18" charset="0"/>
-              </a:rPr>
-              <a:t>Configure Logging and DB Parameters</a:t>
-            </a:r>
-          </a:p>
-          <a:p>
-            <a:pPr marL="285750" indent="-285750">
-              <a:buClr>
-                <a:schemeClr val="accent1"/>
-              </a:buClr>
-              <a:buFont typeface="Arial" panose="020B0604020202020204" pitchFamily="34" charset="0"/>
-              <a:buChar char="•"/>
-            </a:pPr>
-            <a:endParaRPr lang="en-US" sz="2400" dirty="0">
-              <a:latin typeface="Times New Roman" panose="02020603050405020304" pitchFamily="18" charset="0"/>
-              <a:cs typeface="Times New Roman" panose="02020603050405020304" pitchFamily="18" charset="0"/>
-            </a:endParaRPr>
-          </a:p>
-          <a:p>
-            <a:pPr marL="285750" indent="-285750">
-              <a:buClr>
-                <a:schemeClr val="accent1"/>
-              </a:buClr>
-              <a:buFont typeface="Arial" panose="020B0604020202020204" pitchFamily="34" charset="0"/>
-              <a:buChar char="•"/>
-            </a:pPr>
-            <a:endParaRPr lang="en-US" sz="2400" dirty="0">
-              <a:latin typeface="Times New Roman" panose="02020603050405020304" pitchFamily="18" charset="0"/>
-              <a:cs typeface="Times New Roman" panose="02020603050405020304" pitchFamily="18" charset="0"/>
-            </a:endParaRPr>
-          </a:p>
-          <a:p>
-            <a:pPr marL="285750" indent="-285750">
-              <a:buClr>
-                <a:schemeClr val="accent1"/>
-              </a:buClr>
-              <a:buFont typeface="Arial" panose="020B0604020202020204" pitchFamily="34" charset="0"/>
-              <a:buChar char="•"/>
-            </a:pPr>
-            <a:r>
-              <a:rPr lang="en-US" sz="2400" dirty="0">
-                <a:latin typeface="Times New Roman" panose="02020603050405020304" pitchFamily="18" charset="0"/>
-                <a:cs typeface="Times New Roman" panose="02020603050405020304" pitchFamily="18" charset="0"/>
-              </a:rPr>
-              <a:t>Read SQL Schema File (contains the SQL code to create the tables)</a:t>
-            </a:r>
-          </a:p>
-        </p:txBody>
-      </p:sp>
-    </p:spTree>
-    <p:extLst>
-      <p:ext uri="{BB962C8B-B14F-4D97-AF65-F5344CB8AC3E}">
-        <p14:creationId xmlns:p14="http://schemas.microsoft.com/office/powerpoint/2010/main" val="169953416"/>
       </p:ext>
     </p:extLst>
   </p:cSld>
@@ -6372,7 +6754,7 @@
           <p:cNvPr id="2" name="Title 1">
             <a:extLst>
               <a:ext uri="{FF2B5EF4-FFF2-40B4-BE49-F238E27FC236}">
-                <a16:creationId xmlns:a16="http://schemas.microsoft.com/office/drawing/2014/main" id="{9BDF5611-8EBF-AB17-5908-A3FC53B7DEA6}"/>
+                <a16:creationId xmlns:a16="http://schemas.microsoft.com/office/drawing/2014/main" id="{529EFBDC-A361-C686-330C-AA95865D2EE0}"/>
               </a:ext>
             </a:extLst>
           </p:cNvPr>
@@ -6383,14 +6765,19 @@
             <p:ph type="title"/>
           </p:nvPr>
         </p:nvSpPr>
-        <p:spPr/>
+        <p:spPr>
+          <a:xfrm>
+            <a:off x="658368" y="275206"/>
+            <a:ext cx="10058400" cy="893980"/>
+          </a:xfrm>
+        </p:spPr>
         <p:txBody>
           <a:bodyPr/>
           <a:lstStyle/>
           <a:p>
             <a:r>
               <a:rPr lang="en-US" dirty="0"/>
-              <a:t>ETL</a:t>
+              <a:t>ETL - Load</a:t>
             </a:r>
           </a:p>
         </p:txBody>
@@ -6400,7 +6787,7 @@
           <p:cNvPr id="3" name="Content Placeholder 2">
             <a:extLst>
               <a:ext uri="{FF2B5EF4-FFF2-40B4-BE49-F238E27FC236}">
-                <a16:creationId xmlns:a16="http://schemas.microsoft.com/office/drawing/2014/main" id="{06E0C73A-0DB1-5007-FA44-A75E2F84CBA7}"/>
+                <a16:creationId xmlns:a16="http://schemas.microsoft.com/office/drawing/2014/main" id="{5561123E-2E72-05D6-BA7B-AC2B19ADB096}"/>
               </a:ext>
             </a:extLst>
           </p:cNvPr>
@@ -6413,26 +6800,31 @@
         </p:nvSpPr>
         <p:spPr>
           <a:xfrm>
-            <a:off x="823670" y="2627312"/>
-            <a:ext cx="4674921" cy="1603375"/>
-          </a:xfrm>
-        </p:spPr>
-        <p:txBody>
-          <a:bodyPr>
-            <a:normAutofit fontScale="92500"/>
-          </a:bodyPr>
-          <a:lstStyle/>
-          <a:p>
-            <a:r>
-              <a:rPr lang="en-US" sz="2400" dirty="0"/>
-              <a:t> Design a Function to Create Schema</a:t>
-            </a:r>
-          </a:p>
-          <a:p>
-            <a:r>
-              <a:rPr lang="en-US" sz="2400" dirty="0"/>
-              <a:t> Design a function to insert the data</a:t>
-            </a:r>
+            <a:off x="838200" y="1825625"/>
+            <a:ext cx="10515600" cy="990727"/>
+          </a:xfrm>
+        </p:spPr>
+        <p:txBody>
+          <a:bodyPr/>
+          <a:lstStyle/>
+          <a:p>
+            <a:r>
+              <a:rPr lang="en-US" dirty="0"/>
+              <a:t> Load: Load validated data into the Postgres database tables</a:t>
+            </a:r>
+            <a:endParaRPr lang="en-US" dirty="0">
+              <a:latin typeface="Times New Roman" panose="02020603050405020304" pitchFamily="18" charset="0"/>
+              <a:cs typeface="Times New Roman" panose="02020603050405020304" pitchFamily="18" charset="0"/>
+            </a:endParaRPr>
+          </a:p>
+          <a:p>
+            <a:pPr marL="0" indent="0">
+              <a:buNone/>
+            </a:pPr>
+            <a:endParaRPr lang="en-US" dirty="0">
+              <a:latin typeface="Times New Roman" panose="02020603050405020304" pitchFamily="18" charset="0"/>
+              <a:cs typeface="Times New Roman" panose="02020603050405020304" pitchFamily="18" charset="0"/>
+            </a:endParaRPr>
           </a:p>
         </p:txBody>
       </p:sp>
@@ -6441,7 +6833,7 @@
           <p:cNvPr id="4" name="Slide Number Placeholder 3">
             <a:extLst>
               <a:ext uri="{FF2B5EF4-FFF2-40B4-BE49-F238E27FC236}">
-                <a16:creationId xmlns:a16="http://schemas.microsoft.com/office/drawing/2014/main" id="{9DAD5330-A55F-D5A3-51DC-5141D685B7C1}"/>
+                <a16:creationId xmlns:a16="http://schemas.microsoft.com/office/drawing/2014/main" id="{A2979C99-6D0D-8C18-6628-6C468F4DD0F0}"/>
               </a:ext>
             </a:extLst>
           </p:cNvPr>
@@ -6467,40 +6859,10 @@
       </p:sp>
       <p:pic>
         <p:nvPicPr>
-          <p:cNvPr id="8" name="Picture 7">
-            <a:extLst>
-              <a:ext uri="{FF2B5EF4-FFF2-40B4-BE49-F238E27FC236}">
-                <a16:creationId xmlns:a16="http://schemas.microsoft.com/office/drawing/2014/main" id="{6C03863B-526D-E759-A4AD-104D83CFB8F5}"/>
-              </a:ext>
-            </a:extLst>
-          </p:cNvPr>
-          <p:cNvPicPr>
-            <a:picLocks noChangeAspect="1"/>
-          </p:cNvPicPr>
-          <p:nvPr/>
-        </p:nvPicPr>
-        <p:blipFill>
-          <a:blip r:embed="rId2"/>
-          <a:stretch>
-            <a:fillRect/>
-          </a:stretch>
-        </p:blipFill>
-        <p:spPr>
-          <a:xfrm>
-            <a:off x="5630368" y="136525"/>
-            <a:ext cx="6149400" cy="2980488"/>
-          </a:xfrm>
-          <a:prstGeom prst="rect">
-            <a:avLst/>
-          </a:prstGeom>
-        </p:spPr>
-      </p:pic>
-      <p:pic>
-        <p:nvPicPr>
-          <p:cNvPr id="10" name="Picture 9">
-            <a:extLst>
-              <a:ext uri="{FF2B5EF4-FFF2-40B4-BE49-F238E27FC236}">
-                <a16:creationId xmlns:a16="http://schemas.microsoft.com/office/drawing/2014/main" id="{E71E3B8D-B696-2AD6-EB9E-1FF45872F631}"/>
+          <p:cNvPr id="6" name="Picture 5">
+            <a:extLst>
+              <a:ext uri="{FF2B5EF4-FFF2-40B4-BE49-F238E27FC236}">
+                <a16:creationId xmlns:a16="http://schemas.microsoft.com/office/drawing/2014/main" id="{840B50E5-B8E4-7CDE-38D0-5F3ED277F1FC}"/>
               </a:ext>
             </a:extLst>
           </p:cNvPr>
@@ -6517,18 +6879,148 @@
         </p:blipFill>
         <p:spPr>
           <a:xfrm>
-            <a:off x="5630367" y="3117013"/>
-            <a:ext cx="6149400" cy="3432999"/>
+            <a:off x="4255008" y="2544636"/>
+            <a:ext cx="7602565" cy="4083431"/>
           </a:xfrm>
           <a:prstGeom prst="rect">
             <a:avLst/>
           </a:prstGeom>
         </p:spPr>
       </p:pic>
+      <p:sp>
+        <p:nvSpPr>
+          <p:cNvPr id="7" name="TextBox 6">
+            <a:extLst>
+              <a:ext uri="{FF2B5EF4-FFF2-40B4-BE49-F238E27FC236}">
+                <a16:creationId xmlns:a16="http://schemas.microsoft.com/office/drawing/2014/main" id="{5D038960-5608-129D-F984-40A9D1140AC0}"/>
+              </a:ext>
+            </a:extLst>
+          </p:cNvPr>
+          <p:cNvSpPr txBox="1"/>
+          <p:nvPr/>
+        </p:nvSpPr>
+        <p:spPr>
+          <a:xfrm>
+            <a:off x="838200" y="3096768"/>
+            <a:ext cx="3599688" cy="3046988"/>
+          </a:xfrm>
+          <a:prstGeom prst="rect">
+            <a:avLst/>
+          </a:prstGeom>
+          <a:noFill/>
+        </p:spPr>
+        <p:txBody>
+          <a:bodyPr wrap="square" rtlCol="0">
+            <a:spAutoFit/>
+          </a:bodyPr>
+          <a:lstStyle/>
+          <a:p>
+            <a:pPr marL="285750" indent="-285750">
+              <a:buClr>
+                <a:schemeClr val="accent1"/>
+              </a:buClr>
+              <a:buFont typeface="Arial" panose="020B0604020202020204" pitchFamily="34" charset="0"/>
+              <a:buChar char="•"/>
+            </a:pPr>
+            <a:r>
+              <a:rPr lang="en-US" sz="2400" dirty="0">
+                <a:latin typeface="Times New Roman" panose="02020603050405020304" pitchFamily="18" charset="0"/>
+                <a:cs typeface="Times New Roman" panose="02020603050405020304" pitchFamily="18" charset="0"/>
+              </a:rPr>
+              <a:t>Configure Logging and DB Parameters</a:t>
+            </a:r>
+          </a:p>
+          <a:p>
+            <a:pPr marL="285750" indent="-285750">
+              <a:buClr>
+                <a:schemeClr val="accent1"/>
+              </a:buClr>
+              <a:buFont typeface="Arial" panose="020B0604020202020204" pitchFamily="34" charset="0"/>
+              <a:buChar char="•"/>
+            </a:pPr>
+            <a:endParaRPr lang="en-US" sz="2400" dirty="0">
+              <a:latin typeface="Times New Roman" panose="02020603050405020304" pitchFamily="18" charset="0"/>
+              <a:cs typeface="Times New Roman" panose="02020603050405020304" pitchFamily="18" charset="0"/>
+            </a:endParaRPr>
+          </a:p>
+          <a:p>
+            <a:pPr marL="285750" indent="-285750">
+              <a:buClr>
+                <a:schemeClr val="accent1"/>
+              </a:buClr>
+              <a:buFont typeface="Arial" panose="020B0604020202020204" pitchFamily="34" charset="0"/>
+              <a:buChar char="•"/>
+            </a:pPr>
+            <a:endParaRPr lang="en-US" sz="2400" dirty="0">
+              <a:latin typeface="Times New Roman" panose="02020603050405020304" pitchFamily="18" charset="0"/>
+              <a:cs typeface="Times New Roman" panose="02020603050405020304" pitchFamily="18" charset="0"/>
+            </a:endParaRPr>
+          </a:p>
+          <a:p>
+            <a:pPr marL="285750" indent="-285750">
+              <a:buClr>
+                <a:schemeClr val="accent1"/>
+              </a:buClr>
+              <a:buFont typeface="Arial" panose="020B0604020202020204" pitchFamily="34" charset="0"/>
+              <a:buChar char="•"/>
+            </a:pPr>
+            <a:r>
+              <a:rPr lang="en-US" sz="2400" dirty="0">
+                <a:latin typeface="Times New Roman" panose="02020603050405020304" pitchFamily="18" charset="0"/>
+                <a:cs typeface="Times New Roman" panose="02020603050405020304" pitchFamily="18" charset="0"/>
+              </a:rPr>
+              <a:t>Read SQL Schema File (Contains the SQL schema for table creation)</a:t>
+            </a:r>
+          </a:p>
+        </p:txBody>
+      </p:sp>
+      <p:cxnSp>
+        <p:nvCxnSpPr>
+          <p:cNvPr id="8" name="Straight Connector 7">
+            <a:extLst>
+              <a:ext uri="{FF2B5EF4-FFF2-40B4-BE49-F238E27FC236}">
+                <a16:creationId xmlns:a16="http://schemas.microsoft.com/office/drawing/2014/main" id="{2B394233-DC7D-6496-0795-2C7D3909D16F}"/>
+              </a:ext>
+            </a:extLst>
+          </p:cNvPr>
+          <p:cNvCxnSpPr>
+            <a:cxnSpLocks/>
+          </p:cNvCxnSpPr>
+          <p:nvPr/>
+        </p:nvCxnSpPr>
+        <p:spPr>
+          <a:xfrm flipH="1">
+            <a:off x="658368" y="1171091"/>
+            <a:ext cx="553212" cy="0"/>
+          </a:xfrm>
+          <a:prstGeom prst="line">
+            <a:avLst/>
+          </a:prstGeom>
+          <a:ln w="6350">
+            <a:solidFill>
+              <a:srgbClr val="7F7F7F"/>
+            </a:solidFill>
+          </a:ln>
+        </p:spPr>
+        <p:style>
+          <a:lnRef idx="1">
+            <a:schemeClr val="dk1"/>
+          </a:lnRef>
+          <a:fillRef idx="0">
+            <a:schemeClr val="dk1"/>
+          </a:fillRef>
+          <a:effectRef idx="0">
+            <a:schemeClr val="dk1"/>
+          </a:effectRef>
+          <a:fontRef idx="minor">
+            <a:schemeClr val="tx1"/>
+          </a:fontRef>
+        </p:style>
+      </p:cxnSp>
     </p:spTree>
     <p:extLst>
       <p:ext uri="{BB962C8B-B14F-4D97-AF65-F5344CB8AC3E}">
-        <p14:creationId xmlns:p14="http://schemas.microsoft.com/office/powerpoint/2010/main" val="2430168595"/>
+        <p14:creationId xmlns:p14="http://schemas.microsoft.com/office/powerpoint/2010/main" val="169953416"/>
       </p:ext>
     </p:extLst>
   </p:cSld>
@@ -6543,7 +7035,13 @@
   <p:cSld>
     <p:spTree>
       <p:nvGrpSpPr>
-        <p:cNvPr id="1" name=""/>
+        <p:cNvPr id="1" name="">
+          <a:extLst>
+            <a:ext uri="{FF2B5EF4-FFF2-40B4-BE49-F238E27FC236}">
+              <a16:creationId xmlns:a16="http://schemas.microsoft.com/office/drawing/2014/main" id="{4D0C7791-C5DE-4565-96E5-14F08C5C0EBF}"/>
+            </a:ext>
+          </a:extLst>
+        </p:cNvPr>
         <p:cNvGrpSpPr/>
         <p:nvPr/>
       </p:nvGrpSpPr>
@@ -6560,7 +7058,7 @@
           <p:cNvPr id="2" name="Title 1">
             <a:extLst>
               <a:ext uri="{FF2B5EF4-FFF2-40B4-BE49-F238E27FC236}">
-                <a16:creationId xmlns:a16="http://schemas.microsoft.com/office/drawing/2014/main" id="{87E575FD-E487-2A29-E359-F6AD7CE2C1D1}"/>
+                <a16:creationId xmlns:a16="http://schemas.microsoft.com/office/drawing/2014/main" id="{EBF0E191-A7AD-1F81-4D2B-76183305E951}"/>
               </a:ext>
             </a:extLst>
           </p:cNvPr>
@@ -6578,60 +7076,7 @@
           <a:p>
             <a:r>
               <a:rPr lang="en-US" dirty="0"/>
-              <a:t>ETL</a:t>
-            </a:r>
-          </a:p>
-        </p:txBody>
-      </p:sp>
-      <p:sp>
-        <p:nvSpPr>
-          <p:cNvPr id="3" name="Content Placeholder 2">
-            <a:extLst>
-              <a:ext uri="{FF2B5EF4-FFF2-40B4-BE49-F238E27FC236}">
-                <a16:creationId xmlns:a16="http://schemas.microsoft.com/office/drawing/2014/main" id="{F73F8964-E216-BC8D-2404-FE4461DF5DF0}"/>
-              </a:ext>
-            </a:extLst>
-          </p:cNvPr>
-          <p:cNvSpPr>
-            <a:spLocks noGrp="1"/>
-          </p:cNvSpPr>
-          <p:nvPr>
-            <p:ph idx="1"/>
-          </p:nvPr>
-        </p:nvSpPr>
-        <p:spPr>
-          <a:xfrm>
-            <a:off x="838200" y="1899920"/>
-            <a:ext cx="2782824" cy="3362960"/>
-          </a:xfrm>
-        </p:spPr>
-        <p:txBody>
-          <a:bodyPr>
-            <a:normAutofit/>
-          </a:bodyPr>
-          <a:lstStyle/>
-          <a:p>
-            <a:r>
-              <a:rPr lang="en-US" sz="2400" dirty="0"/>
-              <a:t> Main Execution </a:t>
-            </a:r>
-          </a:p>
-          <a:p>
-            <a:r>
-              <a:rPr lang="en-US" sz="2400" dirty="0"/>
-              <a:t> Connect </a:t>
-            </a:r>
-          </a:p>
-          <a:p>
-            <a:r>
-              <a:rPr lang="en-US" sz="2400" dirty="0"/>
-              <a:t> Create Schema </a:t>
-            </a:r>
-          </a:p>
-          <a:p>
-            <a:r>
-              <a:rPr lang="en-US" sz="2400" dirty="0"/>
-              <a:t> Insert Data</a:t>
+              <a:t>SQL Schema</a:t>
             </a:r>
           </a:p>
         </p:txBody>
@@ -6641,7 +7086,7 @@
           <p:cNvPr id="4" name="Slide Number Placeholder 3">
             <a:extLst>
               <a:ext uri="{FF2B5EF4-FFF2-40B4-BE49-F238E27FC236}">
-                <a16:creationId xmlns:a16="http://schemas.microsoft.com/office/drawing/2014/main" id="{946EC844-5A91-5458-B449-772985CC25AF}"/>
+                <a16:creationId xmlns:a16="http://schemas.microsoft.com/office/drawing/2014/main" id="{4878EFCB-5105-69BB-5CB9-DFDE026E0112}"/>
               </a:ext>
             </a:extLst>
           </p:cNvPr>
@@ -6661,16 +7106,16 @@
               <a:rPr lang="en-US" smtClean="0"/>
               <a:t>14</a:t>
             </a:fld>
-            <a:endParaRPr lang="en-US"/>
+            <a:endParaRPr lang="en-US" dirty="0"/>
           </a:p>
         </p:txBody>
       </p:sp>
       <p:pic>
         <p:nvPicPr>
-          <p:cNvPr id="6" name="Picture 5">
-            <a:extLst>
-              <a:ext uri="{FF2B5EF4-FFF2-40B4-BE49-F238E27FC236}">
-                <a16:creationId xmlns:a16="http://schemas.microsoft.com/office/drawing/2014/main" id="{1570653D-EC9B-A7AB-DAB0-2F314FC1BC3B}"/>
+          <p:cNvPr id="8" name="Picture 7">
+            <a:extLst>
+              <a:ext uri="{FF2B5EF4-FFF2-40B4-BE49-F238E27FC236}">
+                <a16:creationId xmlns:a16="http://schemas.microsoft.com/office/drawing/2014/main" id="{4B2EFE4B-6A49-5633-48DA-9475162F7D6B}"/>
               </a:ext>
             </a:extLst>
           </p:cNvPr>
@@ -6680,15 +7125,75 @@
           <p:nvPr/>
         </p:nvPicPr>
         <p:blipFill>
-          <a:blip r:embed="rId2"/>
+          <a:blip r:embed="rId3"/>
           <a:stretch>
             <a:fillRect/>
           </a:stretch>
         </p:blipFill>
         <p:spPr>
           <a:xfrm>
-            <a:off x="3474720" y="1404184"/>
-            <a:ext cx="8472279" cy="4351338"/>
+            <a:off x="1176645" y="1196593"/>
+            <a:ext cx="3730854" cy="5136885"/>
+          </a:xfrm>
+          <a:prstGeom prst="rect">
+            <a:avLst/>
+          </a:prstGeom>
+        </p:spPr>
+      </p:pic>
+      <p:pic>
+        <p:nvPicPr>
+          <p:cNvPr id="10" name="Picture 9">
+            <a:extLst>
+              <a:ext uri="{FF2B5EF4-FFF2-40B4-BE49-F238E27FC236}">
+                <a16:creationId xmlns:a16="http://schemas.microsoft.com/office/drawing/2014/main" id="{0E973F9D-D29C-29E2-677B-BD68FA7918E8}"/>
+              </a:ext>
+            </a:extLst>
+          </p:cNvPr>
+          <p:cNvPicPr>
+            <a:picLocks noChangeAspect="1"/>
+          </p:cNvPicPr>
+          <p:nvPr/>
+        </p:nvPicPr>
+        <p:blipFill>
+          <a:blip r:embed="rId4"/>
+          <a:stretch>
+            <a:fillRect/>
+          </a:stretch>
+        </p:blipFill>
+        <p:spPr>
+          <a:xfrm>
+            <a:off x="5033475" y="1196593"/>
+            <a:ext cx="3062039" cy="3889617"/>
+          </a:xfrm>
+          <a:prstGeom prst="rect">
+            <a:avLst/>
+          </a:prstGeom>
+        </p:spPr>
+      </p:pic>
+      <p:pic>
+        <p:nvPicPr>
+          <p:cNvPr id="12" name="Picture 11">
+            <a:extLst>
+              <a:ext uri="{FF2B5EF4-FFF2-40B4-BE49-F238E27FC236}">
+                <a16:creationId xmlns:a16="http://schemas.microsoft.com/office/drawing/2014/main" id="{6CF7BC34-712D-52FD-56FF-34910FF92575}"/>
+              </a:ext>
+            </a:extLst>
+          </p:cNvPr>
+          <p:cNvPicPr>
+            <a:picLocks noChangeAspect="1"/>
+          </p:cNvPicPr>
+          <p:nvPr/>
+        </p:nvPicPr>
+        <p:blipFill>
+          <a:blip r:embed="rId5"/>
+          <a:stretch>
+            <a:fillRect/>
+          </a:stretch>
+        </p:blipFill>
+        <p:spPr>
+          <a:xfrm>
+            <a:off x="8545364" y="78425"/>
+            <a:ext cx="3447401" cy="6245005"/>
           </a:xfrm>
           <a:prstGeom prst="rect">
             <a:avLst/>
@@ -6698,7 +7203,7 @@
     </p:spTree>
     <p:extLst>
       <p:ext uri="{BB962C8B-B14F-4D97-AF65-F5344CB8AC3E}">
-        <p14:creationId xmlns:p14="http://schemas.microsoft.com/office/powerpoint/2010/main" val="892111764"/>
+        <p14:creationId xmlns:p14="http://schemas.microsoft.com/office/powerpoint/2010/main" val="3987078027"/>
       </p:ext>
     </p:extLst>
   </p:cSld>
@@ -6730,7 +7235,7 @@
           <p:cNvPr id="2" name="Title 1">
             <a:extLst>
               <a:ext uri="{FF2B5EF4-FFF2-40B4-BE49-F238E27FC236}">
-                <a16:creationId xmlns:a16="http://schemas.microsoft.com/office/drawing/2014/main" id="{021A6E06-5E56-6FF0-75DA-CF723A2CB4EF}"/>
+                <a16:creationId xmlns:a16="http://schemas.microsoft.com/office/drawing/2014/main" id="{9BDF5611-8EBF-AB17-5908-A3FC53B7DEA6}"/>
               </a:ext>
             </a:extLst>
           </p:cNvPr>
@@ -6741,14 +7246,19 @@
             <p:ph type="title"/>
           </p:nvPr>
         </p:nvSpPr>
-        <p:spPr/>
+        <p:spPr>
+          <a:xfrm>
+            <a:off x="658368" y="243088"/>
+            <a:ext cx="10058400" cy="893980"/>
+          </a:xfrm>
+        </p:spPr>
         <p:txBody>
           <a:bodyPr/>
           <a:lstStyle/>
           <a:p>
             <a:r>
               <a:rPr lang="en-US" dirty="0"/>
-              <a:t>Schema</a:t>
+              <a:t>ETL - Load</a:t>
             </a:r>
           </a:p>
         </p:txBody>
@@ -6758,7 +7268,7 @@
           <p:cNvPr id="3" name="Content Placeholder 2">
             <a:extLst>
               <a:ext uri="{FF2B5EF4-FFF2-40B4-BE49-F238E27FC236}">
-                <a16:creationId xmlns:a16="http://schemas.microsoft.com/office/drawing/2014/main" id="{77D5A53B-2FA6-4B8E-DF8A-2BB5AEB7B95C}"/>
+                <a16:creationId xmlns:a16="http://schemas.microsoft.com/office/drawing/2014/main" id="{06E0C73A-0DB1-5007-FA44-A75E2F84CBA7}"/>
               </a:ext>
             </a:extLst>
           </p:cNvPr>
@@ -6771,56 +7281,30 @@
         </p:nvSpPr>
         <p:spPr>
           <a:xfrm>
-            <a:off x="838200" y="1825625"/>
-            <a:ext cx="4831080" cy="4351338"/>
+            <a:off x="658368" y="2627312"/>
+            <a:ext cx="4674921" cy="1603375"/>
           </a:xfrm>
         </p:spPr>
         <p:txBody>
           <a:bodyPr>
-            <a:normAutofit fontScale="85000" lnSpcReduction="20000"/>
+            <a:normAutofit/>
           </a:bodyPr>
           <a:lstStyle/>
           <a:p>
             <a:r>
+              <a:rPr lang="en-US" sz="2400" dirty="0"/>
+              <a:t> Function to Create Schema</a:t>
+            </a:r>
+          </a:p>
+          <a:p>
+            <a:r>
               <a:rPr lang="en-US" dirty="0"/>
-              <a:t> Galaxy Schema: Hybrid Schema which is a mix of star schema and snowflake</a:t>
-            </a:r>
-          </a:p>
-          <a:p>
-            <a:endParaRPr lang="en-US" dirty="0"/>
-          </a:p>
-          <a:p>
-            <a:pPr marL="0" indent="0">
-              <a:buNone/>
-            </a:pPr>
-            <a:r>
-              <a:rPr lang="en-US" dirty="0"/>
-              <a:t>Use of Star Schema:</a:t>
-            </a:r>
-          </a:p>
-          <a:p>
-            <a:r>
-              <a:rPr lang="en-US" dirty="0"/>
-              <a:t> Flat, denormalized data</a:t>
-            </a:r>
-          </a:p>
-          <a:p>
-            <a:r>
-              <a:rPr lang="en-US" dirty="0"/>
-              <a:t> Direct Relationships</a:t>
-            </a:r>
-          </a:p>
-          <a:p>
-            <a:pPr marL="0" indent="0">
-              <a:buNone/>
-            </a:pPr>
-            <a:br>
-              <a:rPr lang="en-US" dirty="0"/>
-            </a:br>
-            <a:endParaRPr lang="en-US" dirty="0"/>
-          </a:p>
-          <a:p>
-            <a:endParaRPr lang="en-US" dirty="0"/>
+              <a:t> F</a:t>
+            </a:r>
+            <a:r>
+              <a:rPr lang="en-US" sz="2400" dirty="0"/>
+              <a:t>unction to Insert Data</a:t>
+            </a:r>
           </a:p>
         </p:txBody>
       </p:sp>
@@ -6829,7 +7313,7 @@
           <p:cNvPr id="4" name="Slide Number Placeholder 3">
             <a:extLst>
               <a:ext uri="{FF2B5EF4-FFF2-40B4-BE49-F238E27FC236}">
-                <a16:creationId xmlns:a16="http://schemas.microsoft.com/office/drawing/2014/main" id="{795C5B4A-3E66-1AF7-74C2-2C14C1EF38A2}"/>
+                <a16:creationId xmlns:a16="http://schemas.microsoft.com/office/drawing/2014/main" id="{9DAD5330-A55F-D5A3-51DC-5141D685B7C1}"/>
               </a:ext>
             </a:extLst>
           </p:cNvPr>
@@ -6849,16 +7333,46 @@
               <a:rPr lang="en-US" smtClean="0"/>
               <a:t>15</a:t>
             </a:fld>
-            <a:endParaRPr lang="en-US"/>
+            <a:endParaRPr lang="en-US" dirty="0"/>
           </a:p>
         </p:txBody>
       </p:sp>
       <p:pic>
         <p:nvPicPr>
-          <p:cNvPr id="17" name="Picture 16">
-            <a:extLst>
-              <a:ext uri="{FF2B5EF4-FFF2-40B4-BE49-F238E27FC236}">
-                <a16:creationId xmlns:a16="http://schemas.microsoft.com/office/drawing/2014/main" id="{8AB8229F-1D0A-F9EB-52CE-D463ECB78870}"/>
+          <p:cNvPr id="8" name="Picture 7">
+            <a:extLst>
+              <a:ext uri="{FF2B5EF4-FFF2-40B4-BE49-F238E27FC236}">
+                <a16:creationId xmlns:a16="http://schemas.microsoft.com/office/drawing/2014/main" id="{6C03863B-526D-E759-A4AD-104D83CFB8F5}"/>
+              </a:ext>
+            </a:extLst>
+          </p:cNvPr>
+          <p:cNvPicPr>
+            <a:picLocks noChangeAspect="1"/>
+          </p:cNvPicPr>
+          <p:nvPr/>
+        </p:nvPicPr>
+        <p:blipFill>
+          <a:blip r:embed="rId2"/>
+          <a:stretch>
+            <a:fillRect/>
+          </a:stretch>
+        </p:blipFill>
+        <p:spPr>
+          <a:xfrm>
+            <a:off x="5630368" y="136525"/>
+            <a:ext cx="6149400" cy="2980488"/>
+          </a:xfrm>
+          <a:prstGeom prst="rect">
+            <a:avLst/>
+          </a:prstGeom>
+        </p:spPr>
+      </p:pic>
+      <p:pic>
+        <p:nvPicPr>
+          <p:cNvPr id="10" name="Picture 9">
+            <a:extLst>
+              <a:ext uri="{FF2B5EF4-FFF2-40B4-BE49-F238E27FC236}">
+                <a16:creationId xmlns:a16="http://schemas.microsoft.com/office/drawing/2014/main" id="{E71E3B8D-B696-2AD6-EB9E-1FF45872F631}"/>
               </a:ext>
             </a:extLst>
           </p:cNvPr>
@@ -6875,48 +7389,61 @@
         </p:blipFill>
         <p:spPr>
           <a:xfrm>
-            <a:off x="5889261" y="1283513"/>
-            <a:ext cx="2143424" cy="4610743"/>
+            <a:off x="5630367" y="3117013"/>
+            <a:ext cx="6149400" cy="3432999"/>
           </a:xfrm>
           <a:prstGeom prst="rect">
             <a:avLst/>
           </a:prstGeom>
         </p:spPr>
       </p:pic>
-      <p:pic>
-        <p:nvPicPr>
-          <p:cNvPr id="23" name="Picture 22">
-            <a:extLst>
-              <a:ext uri="{FF2B5EF4-FFF2-40B4-BE49-F238E27FC236}">
-                <a16:creationId xmlns:a16="http://schemas.microsoft.com/office/drawing/2014/main" id="{6D98FDEA-09C8-CDD0-14AB-178B778D02A9}"/>
-              </a:ext>
-            </a:extLst>
-          </p:cNvPr>
-          <p:cNvPicPr>
-            <a:picLocks noChangeAspect="1"/>
-          </p:cNvPicPr>
+      <p:cxnSp>
+        <p:nvCxnSpPr>
+          <p:cNvPr id="6" name="Straight Connector 5">
+            <a:extLst>
+              <a:ext uri="{FF2B5EF4-FFF2-40B4-BE49-F238E27FC236}">
+                <a16:creationId xmlns:a16="http://schemas.microsoft.com/office/drawing/2014/main" id="{0CF7B585-A838-1AA8-F0E7-8F62EFB666E9}"/>
+              </a:ext>
+            </a:extLst>
+          </p:cNvPr>
+          <p:cNvCxnSpPr>
+            <a:cxnSpLocks/>
+          </p:cNvCxnSpPr>
           <p:nvPr/>
-        </p:nvPicPr>
-        <p:blipFill>
-          <a:blip r:embed="rId4"/>
-          <a:stretch>
-            <a:fillRect/>
-          </a:stretch>
-        </p:blipFill>
-        <p:spPr>
-          <a:xfrm>
-            <a:off x="8324618" y="1283513"/>
-            <a:ext cx="3315163" cy="4610743"/>
-          </a:xfrm>
-          <a:prstGeom prst="rect">
+        </p:nvCxnSpPr>
+        <p:spPr>
+          <a:xfrm flipH="1">
+            <a:off x="658368" y="1171091"/>
+            <a:ext cx="553212" cy="0"/>
+          </a:xfrm>
+          <a:prstGeom prst="line">
             <a:avLst/>
           </a:prstGeom>
-        </p:spPr>
-      </p:pic>
+          <a:ln w="6350">
+            <a:solidFill>
+              <a:srgbClr val="7F7F7F"/>
+            </a:solidFill>
+          </a:ln>
+        </p:spPr>
+        <p:style>
+          <a:lnRef idx="1">
+            <a:schemeClr val="dk1"/>
+          </a:lnRef>
+          <a:fillRef idx="0">
+            <a:schemeClr val="dk1"/>
+          </a:fillRef>
+          <a:effectRef idx="0">
+            <a:schemeClr val="dk1"/>
+          </a:effectRef>
+          <a:fontRef idx="minor">
+            <a:schemeClr val="tx1"/>
+          </a:fontRef>
+        </p:style>
+      </p:cxnSp>
     </p:spTree>
     <p:extLst>
       <p:ext uri="{BB962C8B-B14F-4D97-AF65-F5344CB8AC3E}">
-        <p14:creationId xmlns:p14="http://schemas.microsoft.com/office/powerpoint/2010/main" val="1436987682"/>
+        <p14:creationId xmlns:p14="http://schemas.microsoft.com/office/powerpoint/2010/main" val="2430168595"/>
       </p:ext>
     </p:extLst>
   </p:cSld>
@@ -6948,7 +7475,7 @@
           <p:cNvPr id="2" name="Title 1">
             <a:extLst>
               <a:ext uri="{FF2B5EF4-FFF2-40B4-BE49-F238E27FC236}">
-                <a16:creationId xmlns:a16="http://schemas.microsoft.com/office/drawing/2014/main" id="{D59C992C-4EBA-0899-18E8-4C51EA265178}"/>
+                <a16:creationId xmlns:a16="http://schemas.microsoft.com/office/drawing/2014/main" id="{87E575FD-E487-2A29-E359-F6AD7CE2C1D1}"/>
               </a:ext>
             </a:extLst>
           </p:cNvPr>
@@ -6959,14 +7486,19 @@
             <p:ph type="title"/>
           </p:nvPr>
         </p:nvSpPr>
-        <p:spPr/>
+        <p:spPr>
+          <a:xfrm>
+            <a:off x="658368" y="275206"/>
+            <a:ext cx="10058400" cy="893980"/>
+          </a:xfrm>
+        </p:spPr>
         <p:txBody>
           <a:bodyPr/>
           <a:lstStyle/>
           <a:p>
             <a:r>
               <a:rPr lang="en-US" dirty="0"/>
-              <a:t>Schema</a:t>
+              <a:t>ETL - Load</a:t>
             </a:r>
           </a:p>
         </p:txBody>
@@ -6976,7 +7508,7 @@
           <p:cNvPr id="3" name="Content Placeholder 2">
             <a:extLst>
               <a:ext uri="{FF2B5EF4-FFF2-40B4-BE49-F238E27FC236}">
-                <a16:creationId xmlns:a16="http://schemas.microsoft.com/office/drawing/2014/main" id="{D8AACAC5-B344-B1DC-6A87-0810916078B1}"/>
+                <a16:creationId xmlns:a16="http://schemas.microsoft.com/office/drawing/2014/main" id="{F73F8964-E216-BC8D-2404-FE4461DF5DF0}"/>
               </a:ext>
             </a:extLst>
           </p:cNvPr>
@@ -6989,61 +7521,38 @@
         </p:nvSpPr>
         <p:spPr>
           <a:xfrm>
-            <a:off x="838200" y="1825625"/>
-            <a:ext cx="5686168" cy="4351338"/>
+            <a:off x="838200" y="1899920"/>
+            <a:ext cx="2782824" cy="3362960"/>
           </a:xfrm>
         </p:spPr>
         <p:txBody>
           <a:bodyPr>
-            <a:normAutofit fontScale="92500" lnSpcReduction="20000"/>
+            <a:normAutofit/>
           </a:bodyPr>
           <a:lstStyle/>
           <a:p>
-            <a:pPr marL="0" indent="0">
-              <a:buNone/>
-            </a:pPr>
-            <a:r>
-              <a:rPr lang="en-US" sz="2800" dirty="0"/>
-              <a:t>Use of Snowflakes:</a:t>
-            </a:r>
-          </a:p>
-          <a:p>
-            <a:r>
-              <a:rPr lang="en-US" dirty="0"/>
-              <a:t> Normalized lookups</a:t>
-            </a:r>
-          </a:p>
-          <a:p>
-            <a:r>
-              <a:rPr lang="en-US" dirty="0"/>
-              <a:t> Tables decomposed into sub-dimensions</a:t>
-            </a:r>
-          </a:p>
-          <a:p>
-            <a:r>
-              <a:rPr lang="en-US" dirty="0"/>
-              <a:t> Avoid redundancy</a:t>
-            </a:r>
-          </a:p>
-          <a:p>
-            <a:pPr marL="0" indent="0">
-              <a:buNone/>
-            </a:pPr>
-            <a:br>
-              <a:rPr lang="en-US" sz="2800" dirty="0"/>
-            </a:br>
-            <a:r>
-              <a:rPr lang="en-US" sz="2800" dirty="0"/>
-              <a:t>The Player dim</a:t>
-            </a:r>
-            <a:r>
-              <a:rPr lang="en-US" dirty="0"/>
-              <a:t>ension is split across two tables (dynamic and static)</a:t>
-            </a:r>
-            <a:endParaRPr lang="en-US" sz="2800" dirty="0"/>
-          </a:p>
-          <a:p>
-            <a:endParaRPr lang="en-US" sz="2800" dirty="0"/>
+            <a:r>
+              <a:rPr lang="en-US" sz="2400" dirty="0"/>
+              <a:t> Main Execution </a:t>
+            </a:r>
+          </a:p>
+          <a:p>
+            <a:r>
+              <a:rPr lang="en-US" sz="2400" dirty="0"/>
+              <a:t> Connect </a:t>
+            </a:r>
+          </a:p>
+          <a:p>
+            <a:r>
+              <a:rPr lang="en-US" sz="2400" dirty="0"/>
+              <a:t> Create Schema </a:t>
+            </a:r>
+          </a:p>
+          <a:p>
+            <a:r>
+              <a:rPr lang="en-US" sz="2400" dirty="0"/>
+              <a:t> Insert Data</a:t>
+            </a:r>
           </a:p>
         </p:txBody>
       </p:sp>
@@ -7052,7 +7561,7 @@
           <p:cNvPr id="4" name="Slide Number Placeholder 3">
             <a:extLst>
               <a:ext uri="{FF2B5EF4-FFF2-40B4-BE49-F238E27FC236}">
-                <a16:creationId xmlns:a16="http://schemas.microsoft.com/office/drawing/2014/main" id="{8344D816-C875-38C6-0B58-DBB53BE0D01F}"/>
+                <a16:creationId xmlns:a16="http://schemas.microsoft.com/office/drawing/2014/main" id="{946EC844-5A91-5458-B449-772985CC25AF}"/>
               </a:ext>
             </a:extLst>
           </p:cNvPr>
@@ -7078,10 +7587,10 @@
       </p:sp>
       <p:pic>
         <p:nvPicPr>
-          <p:cNvPr id="5" name="Picture 4">
-            <a:extLst>
-              <a:ext uri="{FF2B5EF4-FFF2-40B4-BE49-F238E27FC236}">
-                <a16:creationId xmlns:a16="http://schemas.microsoft.com/office/drawing/2014/main" id="{61AE23CE-846B-55DA-6097-DA79AC970B9C}"/>
+          <p:cNvPr id="6" name="Picture 5">
+            <a:extLst>
+              <a:ext uri="{FF2B5EF4-FFF2-40B4-BE49-F238E27FC236}">
+                <a16:creationId xmlns:a16="http://schemas.microsoft.com/office/drawing/2014/main" id="{1570653D-EC9B-A7AB-DAB0-2F314FC1BC3B}"/>
               </a:ext>
             </a:extLst>
           </p:cNvPr>
@@ -7091,79 +7600,68 @@
           <p:nvPr/>
         </p:nvPicPr>
         <p:blipFill>
-          <a:blip r:embed="rId3"/>
+          <a:blip r:embed="rId2"/>
           <a:stretch>
             <a:fillRect/>
           </a:stretch>
         </p:blipFill>
         <p:spPr>
           <a:xfrm>
-            <a:off x="7979384" y="136525"/>
-            <a:ext cx="2838846" cy="6573167"/>
+            <a:off x="3474720" y="1404184"/>
+            <a:ext cx="8472279" cy="4351338"/>
           </a:xfrm>
           <a:prstGeom prst="rect">
             <a:avLst/>
           </a:prstGeom>
         </p:spPr>
       </p:pic>
-      <p:sp>
-        <p:nvSpPr>
-          <p:cNvPr id="6" name="Rectangle 5">
-            <a:extLst>
-              <a:ext uri="{FF2B5EF4-FFF2-40B4-BE49-F238E27FC236}">
-                <a16:creationId xmlns:a16="http://schemas.microsoft.com/office/drawing/2014/main" id="{9CE76CE0-055C-4AAE-90F6-583E096AF689}"/>
-              </a:ext>
-            </a:extLst>
-          </p:cNvPr>
-          <p:cNvSpPr/>
+      <p:cxnSp>
+        <p:nvCxnSpPr>
+          <p:cNvPr id="7" name="Straight Connector 6">
+            <a:extLst>
+              <a:ext uri="{FF2B5EF4-FFF2-40B4-BE49-F238E27FC236}">
+                <a16:creationId xmlns:a16="http://schemas.microsoft.com/office/drawing/2014/main" id="{BFB8C4FB-02AB-55B1-C146-9A31050FC0CA}"/>
+              </a:ext>
+            </a:extLst>
+          </p:cNvPr>
+          <p:cNvCxnSpPr>
+            <a:cxnSpLocks/>
+          </p:cNvCxnSpPr>
           <p:nvPr/>
-        </p:nvSpPr>
-        <p:spPr>
-          <a:xfrm>
-            <a:off x="10818230" y="721460"/>
-            <a:ext cx="642250" cy="792380"/>
-          </a:xfrm>
-          <a:prstGeom prst="rect">
+        </p:nvCxnSpPr>
+        <p:spPr>
+          <a:xfrm flipH="1">
+            <a:off x="658368" y="1171091"/>
+            <a:ext cx="553212" cy="0"/>
+          </a:xfrm>
+          <a:prstGeom prst="line">
             <a:avLst/>
           </a:prstGeom>
-          <a:solidFill>
-            <a:schemeClr val="bg1"/>
-          </a:solidFill>
-          <a:ln>
+          <a:ln w="6350">
             <a:solidFill>
-              <a:schemeClr val="bg1"/>
+              <a:srgbClr val="7F7F7F"/>
             </a:solidFill>
           </a:ln>
         </p:spPr>
         <p:style>
-          <a:lnRef idx="2">
-            <a:schemeClr val="accent1">
-              <a:shade val="50000"/>
-            </a:schemeClr>
+          <a:lnRef idx="1">
+            <a:schemeClr val="dk1"/>
           </a:lnRef>
-          <a:fillRef idx="1">
-            <a:schemeClr val="accent1"/>
+          <a:fillRef idx="0">
+            <a:schemeClr val="dk1"/>
           </a:fillRef>
           <a:effectRef idx="0">
-            <a:schemeClr val="accent1"/>
+            <a:schemeClr val="dk1"/>
           </a:effectRef>
           <a:fontRef idx="minor">
-            <a:schemeClr val="lt1"/>
+            <a:schemeClr val="tx1"/>
           </a:fontRef>
         </p:style>
-        <p:txBody>
-          <a:bodyPr rtlCol="0" anchor="ctr"/>
-          <a:lstStyle/>
-          <a:p>
-            <a:pPr algn="ctr"/>
-            <a:endParaRPr lang="en-US"/>
-          </a:p>
-        </p:txBody>
-      </p:sp>
+      </p:cxnSp>
     </p:spTree>
     <p:extLst>
       <p:ext uri="{BB962C8B-B14F-4D97-AF65-F5344CB8AC3E}">
-        <p14:creationId xmlns:p14="http://schemas.microsoft.com/office/powerpoint/2010/main" val="1699653222"/>
+        <p14:creationId xmlns:p14="http://schemas.microsoft.com/office/powerpoint/2010/main" val="892111764"/>
       </p:ext>
     </p:extLst>
   </p:cSld>
@@ -7178,13 +7676,7 @@
   <p:cSld>
     <p:spTree>
       <p:nvGrpSpPr>
-        <p:cNvPr id="1" name="">
-          <a:extLst>
-            <a:ext uri="{FF2B5EF4-FFF2-40B4-BE49-F238E27FC236}">
-              <a16:creationId xmlns:a16="http://schemas.microsoft.com/office/drawing/2014/main" id="{0ADC56AB-CA10-D953-4113-96E5C05D88A6}"/>
-            </a:ext>
-          </a:extLst>
-        </p:cNvPr>
+        <p:cNvPr id="1" name=""/>
         <p:cNvGrpSpPr/>
         <p:nvPr/>
       </p:nvGrpSpPr>
@@ -7201,7 +7693,7 @@
           <p:cNvPr id="2" name="Title 1">
             <a:extLst>
               <a:ext uri="{FF2B5EF4-FFF2-40B4-BE49-F238E27FC236}">
-                <a16:creationId xmlns:a16="http://schemas.microsoft.com/office/drawing/2014/main" id="{0D7832C3-B2D2-9861-702D-2A192DD19458}"/>
+                <a16:creationId xmlns:a16="http://schemas.microsoft.com/office/drawing/2014/main" id="{021A6E06-5E56-6FF0-75DA-CF723A2CB4EF}"/>
               </a:ext>
             </a:extLst>
           </p:cNvPr>
@@ -7212,15 +7704,91 @@
             <p:ph type="title"/>
           </p:nvPr>
         </p:nvSpPr>
-        <p:spPr/>
+        <p:spPr>
+          <a:xfrm>
+            <a:off x="658368" y="275206"/>
+            <a:ext cx="10058400" cy="893980"/>
+          </a:xfrm>
+        </p:spPr>
         <p:txBody>
           <a:bodyPr/>
           <a:lstStyle/>
           <a:p>
             <a:r>
               <a:rPr lang="en-US" dirty="0"/>
-              <a:t>OLAP Queries</a:t>
-            </a:r>
+              <a:t>Data Warehouse Schema</a:t>
+            </a:r>
+          </a:p>
+        </p:txBody>
+      </p:sp>
+      <p:sp>
+        <p:nvSpPr>
+          <p:cNvPr id="3" name="Content Placeholder 2">
+            <a:extLst>
+              <a:ext uri="{FF2B5EF4-FFF2-40B4-BE49-F238E27FC236}">
+                <a16:creationId xmlns:a16="http://schemas.microsoft.com/office/drawing/2014/main" id="{77D5A53B-2FA6-4B8E-DF8A-2BB5AEB7B95C}"/>
+              </a:ext>
+            </a:extLst>
+          </p:cNvPr>
+          <p:cNvSpPr>
+            <a:spLocks noGrp="1"/>
+          </p:cNvSpPr>
+          <p:nvPr>
+            <p:ph idx="1"/>
+          </p:nvPr>
+        </p:nvSpPr>
+        <p:spPr>
+          <a:xfrm>
+            <a:off x="838200" y="1825625"/>
+            <a:ext cx="4831080" cy="4351338"/>
+          </a:xfrm>
+        </p:spPr>
+        <p:txBody>
+          <a:bodyPr>
+            <a:noAutofit/>
+          </a:bodyPr>
+          <a:lstStyle/>
+          <a:p>
+            <a:r>
+              <a:rPr lang="en-US" dirty="0"/>
+              <a:t> Galaxy Schema: </a:t>
+            </a:r>
+            <a:r>
+              <a:rPr lang="en-US" sz="2000" dirty="0"/>
+              <a:t>A hybrid schema combining elements of both star schema and snowflake schema.</a:t>
+            </a:r>
+          </a:p>
+          <a:p>
+            <a:r>
+              <a:rPr lang="en-US" dirty="0"/>
+              <a:t> Use of Star Schema</a:t>
+            </a:r>
+          </a:p>
+          <a:p>
+            <a:pPr lvl="1"/>
+            <a:r>
+              <a:rPr lang="en-US" dirty="0"/>
+              <a:t> Flat, denormalized data</a:t>
+            </a:r>
+          </a:p>
+          <a:p>
+            <a:pPr lvl="1"/>
+            <a:r>
+              <a:rPr lang="en-US" dirty="0"/>
+              <a:t> Direct Relationships between Fact and Dimension Tables</a:t>
+            </a:r>
+          </a:p>
+          <a:p>
+            <a:pPr marL="0" indent="0">
+              <a:buNone/>
+            </a:pPr>
+            <a:br>
+              <a:rPr lang="en-US" dirty="0"/>
+            </a:br>
+            <a:endParaRPr lang="en-US" dirty="0"/>
+          </a:p>
+          <a:p>
+            <a:endParaRPr lang="en-US" dirty="0"/>
           </a:p>
         </p:txBody>
       </p:sp>
@@ -7229,7 +7797,7 @@
           <p:cNvPr id="4" name="Slide Number Placeholder 3">
             <a:extLst>
               <a:ext uri="{FF2B5EF4-FFF2-40B4-BE49-F238E27FC236}">
-                <a16:creationId xmlns:a16="http://schemas.microsoft.com/office/drawing/2014/main" id="{9875FB41-7C34-9AD0-7E9E-6511E2EA3682}"/>
+                <a16:creationId xmlns:a16="http://schemas.microsoft.com/office/drawing/2014/main" id="{795C5B4A-3E66-1AF7-74C2-2C14C1EF38A2}"/>
               </a:ext>
             </a:extLst>
           </p:cNvPr>
@@ -7253,137 +7821,12 @@
           </a:p>
         </p:txBody>
       </p:sp>
-      <p:sp>
-        <p:nvSpPr>
-          <p:cNvPr id="8" name="TextBox 6">
-            <a:extLst>
-              <a:ext uri="{FF2B5EF4-FFF2-40B4-BE49-F238E27FC236}">
-                <a16:creationId xmlns:a16="http://schemas.microsoft.com/office/drawing/2014/main" id="{EA1FFF0F-9AC3-D53A-773C-C474B8508636}"/>
-              </a:ext>
-            </a:extLst>
-          </p:cNvPr>
-          <p:cNvSpPr txBox="1"/>
-          <p:nvPr/>
-        </p:nvSpPr>
-        <p:spPr>
-          <a:xfrm>
-            <a:off x="838200" y="4047941"/>
-            <a:ext cx="1561646" cy="523220"/>
-          </a:xfrm>
-          <a:prstGeom prst="rect">
-            <a:avLst/>
-          </a:prstGeom>
-          <a:noFill/>
-        </p:spPr>
-        <p:txBody>
-          <a:bodyPr wrap="none" rtlCol="0">
-            <a:spAutoFit/>
-          </a:bodyPr>
-          <a:lstStyle/>
-          <a:p>
-            <a:pPr marL="457200" indent="-457200">
-              <a:buClr>
-                <a:schemeClr val="accent1"/>
-              </a:buClr>
-              <a:buFont typeface="Arial" panose="020B0604020202020204" pitchFamily="34" charset="0"/>
-              <a:buChar char="•"/>
-            </a:pPr>
-            <a:r>
-              <a:rPr lang="en-US" sz="2800" dirty="0">
-                <a:latin typeface="Times New Roman" panose="02020603050405020304" pitchFamily="18" charset="0"/>
-                <a:cs typeface="Times New Roman" panose="02020603050405020304" pitchFamily="18" charset="0"/>
-              </a:rPr>
-              <a:t>Result</a:t>
-            </a:r>
-          </a:p>
-        </p:txBody>
-      </p:sp>
-      <p:sp>
-        <p:nvSpPr>
-          <p:cNvPr id="12" name="Content Placeholder 2">
-            <a:extLst>
-              <a:ext uri="{FF2B5EF4-FFF2-40B4-BE49-F238E27FC236}">
-                <a16:creationId xmlns:a16="http://schemas.microsoft.com/office/drawing/2014/main" id="{4F48D604-6835-000F-058C-A51D81B43ED7}"/>
-              </a:ext>
-            </a:extLst>
-          </p:cNvPr>
-          <p:cNvSpPr>
-            <a:spLocks noGrp="1"/>
-          </p:cNvSpPr>
-          <p:nvPr>
-            <p:ph idx="1"/>
-          </p:nvPr>
-        </p:nvSpPr>
-        <p:spPr>
-          <a:xfrm>
-            <a:off x="455815" y="1511708"/>
-            <a:ext cx="10515600" cy="1104937"/>
-          </a:xfrm>
-        </p:spPr>
-        <p:txBody>
-          <a:bodyPr>
-            <a:normAutofit/>
-          </a:bodyPr>
-          <a:lstStyle/>
-          <a:p>
-            <a:r>
-              <a:rPr lang="en-US" dirty="0"/>
-              <a:t>  Query of building basic cube</a:t>
-            </a:r>
-          </a:p>
-          <a:p>
-            <a:pPr marL="0" indent="0">
-              <a:buNone/>
-            </a:pPr>
-            <a:endParaRPr lang="en-US" dirty="0">
-              <a:latin typeface="Times New Roman" panose="02020603050405020304" pitchFamily="18" charset="0"/>
-              <a:cs typeface="Times New Roman" panose="02020603050405020304" pitchFamily="18" charset="0"/>
-            </a:endParaRPr>
-          </a:p>
-          <a:p>
-            <a:pPr marL="0" indent="0">
-              <a:buNone/>
-            </a:pPr>
-            <a:endParaRPr lang="en-US" dirty="0"/>
-          </a:p>
-        </p:txBody>
-      </p:sp>
       <p:pic>
         <p:nvPicPr>
-          <p:cNvPr id="3" name="Picture 2">
-            <a:extLst>
-              <a:ext uri="{FF2B5EF4-FFF2-40B4-BE49-F238E27FC236}">
-                <a16:creationId xmlns:a16="http://schemas.microsoft.com/office/drawing/2014/main" id="{C4E1C43A-B2D5-DA09-758E-1D2E671C8F74}"/>
-              </a:ext>
-            </a:extLst>
-          </p:cNvPr>
-          <p:cNvPicPr>
-            <a:picLocks noChangeAspect="1"/>
-          </p:cNvPicPr>
-          <p:nvPr/>
-        </p:nvPicPr>
-        <p:blipFill>
-          <a:blip r:embed="rId2"/>
-          <a:stretch>
-            <a:fillRect/>
-          </a:stretch>
-        </p:blipFill>
-        <p:spPr>
-          <a:xfrm>
-            <a:off x="838200" y="2263745"/>
-            <a:ext cx="6020640" cy="1390844"/>
-          </a:xfrm>
-          <a:prstGeom prst="rect">
-            <a:avLst/>
-          </a:prstGeom>
-        </p:spPr>
-      </p:pic>
-      <p:pic>
-        <p:nvPicPr>
-          <p:cNvPr id="5" name="Picture 4">
-            <a:extLst>
-              <a:ext uri="{FF2B5EF4-FFF2-40B4-BE49-F238E27FC236}">
-                <a16:creationId xmlns:a16="http://schemas.microsoft.com/office/drawing/2014/main" id="{5D05F87C-B1F5-FB6F-1143-7801C13D2ECB}"/>
+          <p:cNvPr id="17" name="Picture 16">
+            <a:extLst>
+              <a:ext uri="{FF2B5EF4-FFF2-40B4-BE49-F238E27FC236}">
+                <a16:creationId xmlns:a16="http://schemas.microsoft.com/office/drawing/2014/main" id="{8AB8229F-1D0A-F9EB-52CE-D463ECB78870}"/>
               </a:ext>
             </a:extLst>
           </p:cNvPr>
@@ -7400,18 +7843,91 @@
         </p:blipFill>
         <p:spPr>
           <a:xfrm>
-            <a:off x="505968" y="4855333"/>
-            <a:ext cx="11180064" cy="1344953"/>
+            <a:off x="5889261" y="1283513"/>
+            <a:ext cx="2143424" cy="4610743"/>
           </a:xfrm>
           <a:prstGeom prst="rect">
             <a:avLst/>
           </a:prstGeom>
         </p:spPr>
       </p:pic>
+      <p:pic>
+        <p:nvPicPr>
+          <p:cNvPr id="23" name="Picture 22">
+            <a:extLst>
+              <a:ext uri="{FF2B5EF4-FFF2-40B4-BE49-F238E27FC236}">
+                <a16:creationId xmlns:a16="http://schemas.microsoft.com/office/drawing/2014/main" id="{6D98FDEA-09C8-CDD0-14AB-178B778D02A9}"/>
+              </a:ext>
+            </a:extLst>
+          </p:cNvPr>
+          <p:cNvPicPr>
+            <a:picLocks noChangeAspect="1"/>
+          </p:cNvPicPr>
+          <p:nvPr/>
+        </p:nvPicPr>
+        <p:blipFill>
+          <a:blip r:embed="rId4"/>
+          <a:stretch>
+            <a:fillRect/>
+          </a:stretch>
+        </p:blipFill>
+        <p:spPr>
+          <a:xfrm>
+            <a:off x="8324618" y="1283513"/>
+            <a:ext cx="3315163" cy="4610743"/>
+          </a:xfrm>
+          <a:prstGeom prst="rect">
+            <a:avLst/>
+          </a:prstGeom>
+        </p:spPr>
+      </p:pic>
+      <p:cxnSp>
+        <p:nvCxnSpPr>
+          <p:cNvPr id="6" name="Straight Connector 5">
+            <a:extLst>
+              <a:ext uri="{FF2B5EF4-FFF2-40B4-BE49-F238E27FC236}">
+                <a16:creationId xmlns:a16="http://schemas.microsoft.com/office/drawing/2014/main" id="{6427D48E-4830-BB03-83AE-47E51028FE35}"/>
+              </a:ext>
+            </a:extLst>
+          </p:cNvPr>
+          <p:cNvCxnSpPr>
+            <a:cxnSpLocks/>
+          </p:cNvCxnSpPr>
+          <p:nvPr/>
+        </p:nvCxnSpPr>
+        <p:spPr>
+          <a:xfrm flipH="1">
+            <a:off x="658368" y="1171091"/>
+            <a:ext cx="553212" cy="0"/>
+          </a:xfrm>
+          <a:prstGeom prst="line">
+            <a:avLst/>
+          </a:prstGeom>
+          <a:ln w="6350">
+            <a:solidFill>
+              <a:srgbClr val="7F7F7F"/>
+            </a:solidFill>
+          </a:ln>
+        </p:spPr>
+        <p:style>
+          <a:lnRef idx="1">
+            <a:schemeClr val="dk1"/>
+          </a:lnRef>
+          <a:fillRef idx="0">
+            <a:schemeClr val="dk1"/>
+          </a:fillRef>
+          <a:effectRef idx="0">
+            <a:schemeClr val="dk1"/>
+          </a:effectRef>
+          <a:fontRef idx="minor">
+            <a:schemeClr val="tx1"/>
+          </a:fontRef>
+        </p:style>
+      </p:cxnSp>
     </p:spTree>
     <p:extLst>
       <p:ext uri="{BB962C8B-B14F-4D97-AF65-F5344CB8AC3E}">
-        <p14:creationId xmlns:p14="http://schemas.microsoft.com/office/powerpoint/2010/main" val="3665276743"/>
+        <p14:creationId xmlns:p14="http://schemas.microsoft.com/office/powerpoint/2010/main" val="1436987682"/>
       </p:ext>
     </p:extLst>
   </p:cSld>
@@ -7443,7 +7959,7 @@
           <p:cNvPr id="2" name="Title 1">
             <a:extLst>
               <a:ext uri="{FF2B5EF4-FFF2-40B4-BE49-F238E27FC236}">
-                <a16:creationId xmlns:a16="http://schemas.microsoft.com/office/drawing/2014/main" id="{011BAB65-31F8-4EAA-953B-55AC45723143}"/>
+                <a16:creationId xmlns:a16="http://schemas.microsoft.com/office/drawing/2014/main" id="{D59C992C-4EBA-0899-18E8-4C51EA265178}"/>
               </a:ext>
             </a:extLst>
           </p:cNvPr>
@@ -7454,15 +7970,96 @@
             <p:ph type="title"/>
           </p:nvPr>
         </p:nvSpPr>
-        <p:spPr/>
+        <p:spPr>
+          <a:xfrm>
+            <a:off x="658368" y="274470"/>
+            <a:ext cx="10058400" cy="893980"/>
+          </a:xfrm>
+        </p:spPr>
         <p:txBody>
           <a:bodyPr/>
           <a:lstStyle/>
           <a:p>
             <a:r>
               <a:rPr lang="en-US" dirty="0"/>
-              <a:t>OLAP Queries</a:t>
-            </a:r>
+              <a:t>Data Warehouse Schema</a:t>
+            </a:r>
+          </a:p>
+        </p:txBody>
+      </p:sp>
+      <p:sp>
+        <p:nvSpPr>
+          <p:cNvPr id="3" name="Content Placeholder 2">
+            <a:extLst>
+              <a:ext uri="{FF2B5EF4-FFF2-40B4-BE49-F238E27FC236}">
+                <a16:creationId xmlns:a16="http://schemas.microsoft.com/office/drawing/2014/main" id="{D8AACAC5-B344-B1DC-6A87-0810916078B1}"/>
+              </a:ext>
+            </a:extLst>
+          </p:cNvPr>
+          <p:cNvSpPr>
+            <a:spLocks noGrp="1"/>
+          </p:cNvSpPr>
+          <p:nvPr>
+            <p:ph idx="1"/>
+          </p:nvPr>
+        </p:nvSpPr>
+        <p:spPr>
+          <a:xfrm>
+            <a:off x="838200" y="1825625"/>
+            <a:ext cx="5686168" cy="4351338"/>
+          </a:xfrm>
+        </p:spPr>
+        <p:txBody>
+          <a:bodyPr>
+            <a:normAutofit/>
+          </a:bodyPr>
+          <a:lstStyle/>
+          <a:p>
+            <a:r>
+              <a:rPr lang="en-US" sz="2800" dirty="0"/>
+              <a:t> Use of Snowflakes:</a:t>
+            </a:r>
+          </a:p>
+          <a:p>
+            <a:pPr lvl="1"/>
+            <a:r>
+              <a:rPr lang="en-US" dirty="0"/>
+              <a:t> Normalized lookups</a:t>
+            </a:r>
+          </a:p>
+          <a:p>
+            <a:pPr lvl="1"/>
+            <a:r>
+              <a:rPr lang="en-US" dirty="0"/>
+              <a:t> Tables decomposed into sub-dimensions</a:t>
+            </a:r>
+          </a:p>
+          <a:p>
+            <a:pPr lvl="1"/>
+            <a:r>
+              <a:rPr lang="en-US" dirty="0"/>
+              <a:t> Avoid redundancy</a:t>
+            </a:r>
+          </a:p>
+          <a:p>
+            <a:pPr marL="0" indent="0">
+              <a:buNone/>
+            </a:pPr>
+            <a:br>
+              <a:rPr lang="en-US" sz="2800" dirty="0"/>
+            </a:br>
+            <a:r>
+              <a:rPr lang="en-US" sz="2200" dirty="0"/>
+              <a:t>The Player dimension is split into two tables </a:t>
+            </a:r>
+            <a:r>
+              <a:rPr lang="en-US" dirty="0"/>
+              <a:t>(dynamic and static)</a:t>
+            </a:r>
+            <a:endParaRPr lang="en-US" sz="2800" dirty="0"/>
+          </a:p>
+          <a:p>
+            <a:endParaRPr lang="en-US" sz="2800" dirty="0"/>
           </a:p>
         </p:txBody>
       </p:sp>
@@ -7471,7 +8068,7 @@
           <p:cNvPr id="4" name="Slide Number Placeholder 3">
             <a:extLst>
               <a:ext uri="{FF2B5EF4-FFF2-40B4-BE49-F238E27FC236}">
-                <a16:creationId xmlns:a16="http://schemas.microsoft.com/office/drawing/2014/main" id="{542FFB60-E96F-8DF4-F700-34DB2DE1DDBA}"/>
+                <a16:creationId xmlns:a16="http://schemas.microsoft.com/office/drawing/2014/main" id="{8344D816-C875-38C6-0B58-DBB53BE0D01F}"/>
               </a:ext>
             </a:extLst>
           </p:cNvPr>
@@ -7497,40 +8094,10 @@
       </p:sp>
       <p:pic>
         <p:nvPicPr>
-          <p:cNvPr id="6" name="Picture 5">
-            <a:extLst>
-              <a:ext uri="{FF2B5EF4-FFF2-40B4-BE49-F238E27FC236}">
-                <a16:creationId xmlns:a16="http://schemas.microsoft.com/office/drawing/2014/main" id="{80212B23-809C-B7E1-6682-CD2565255670}"/>
-              </a:ext>
-            </a:extLst>
-          </p:cNvPr>
-          <p:cNvPicPr>
-            <a:picLocks noChangeAspect="1"/>
-          </p:cNvPicPr>
-          <p:nvPr/>
-        </p:nvPicPr>
-        <p:blipFill>
-          <a:blip r:embed="rId2"/>
-          <a:stretch>
-            <a:fillRect/>
-          </a:stretch>
-        </p:blipFill>
-        <p:spPr>
-          <a:xfrm>
-            <a:off x="455815" y="2431244"/>
-            <a:ext cx="10184684" cy="1616697"/>
-          </a:xfrm>
-          <a:prstGeom prst="rect">
-            <a:avLst/>
-          </a:prstGeom>
-        </p:spPr>
-      </p:pic>
-      <p:pic>
-        <p:nvPicPr>
-          <p:cNvPr id="9" name="Picture 8">
-            <a:extLst>
-              <a:ext uri="{FF2B5EF4-FFF2-40B4-BE49-F238E27FC236}">
-                <a16:creationId xmlns:a16="http://schemas.microsoft.com/office/drawing/2014/main" id="{6CAC5412-AD04-F4B7-4771-2C487588EFF9}"/>
+          <p:cNvPr id="5" name="Picture 4">
+            <a:extLst>
+              <a:ext uri="{FF2B5EF4-FFF2-40B4-BE49-F238E27FC236}">
+                <a16:creationId xmlns:a16="http://schemas.microsoft.com/office/drawing/2014/main" id="{61AE23CE-846B-55DA-6097-DA79AC970B9C}"/>
               </a:ext>
             </a:extLst>
           </p:cNvPr>
@@ -7547,8 +8114,8 @@
         </p:blipFill>
         <p:spPr>
           <a:xfrm>
-            <a:off x="2505565" y="4559030"/>
-            <a:ext cx="8848235" cy="1933845"/>
+            <a:off x="7979384" y="136525"/>
+            <a:ext cx="2838846" cy="6573167"/>
           </a:xfrm>
           <a:prstGeom prst="rect">
             <a:avLst/>
@@ -7557,116 +8124,105 @@
       </p:pic>
       <p:sp>
         <p:nvSpPr>
-          <p:cNvPr id="8" name="TextBox 6">
-            <a:extLst>
-              <a:ext uri="{FF2B5EF4-FFF2-40B4-BE49-F238E27FC236}">
-                <a16:creationId xmlns:a16="http://schemas.microsoft.com/office/drawing/2014/main" id="{3DA11AC8-FD23-49FD-9F3B-81ED62A6A696}"/>
-              </a:ext>
-            </a:extLst>
-          </p:cNvPr>
-          <p:cNvSpPr txBox="1"/>
+          <p:cNvPr id="6" name="Rectangle 5">
+            <a:extLst>
+              <a:ext uri="{FF2B5EF4-FFF2-40B4-BE49-F238E27FC236}">
+                <a16:creationId xmlns:a16="http://schemas.microsoft.com/office/drawing/2014/main" id="{9CE76CE0-055C-4AAE-90F6-583E096AF689}"/>
+              </a:ext>
+            </a:extLst>
+          </p:cNvPr>
+          <p:cNvSpPr/>
           <p:nvPr/>
         </p:nvSpPr>
         <p:spPr>
           <a:xfrm>
-            <a:off x="838200" y="4047941"/>
-            <a:ext cx="1561646" cy="523220"/>
+            <a:off x="10818230" y="721460"/>
+            <a:ext cx="642250" cy="792380"/>
           </a:xfrm>
           <a:prstGeom prst="rect">
             <a:avLst/>
           </a:prstGeom>
-          <a:noFill/>
-        </p:spPr>
-        <p:txBody>
-          <a:bodyPr wrap="none" rtlCol="0">
-            <a:spAutoFit/>
-          </a:bodyPr>
-          <a:lstStyle/>
-          <a:p>
-            <a:pPr marL="457200" indent="-457200">
-              <a:buClr>
-                <a:schemeClr val="accent1"/>
-              </a:buClr>
-              <a:buFont typeface="Arial" panose="020B0604020202020204" pitchFamily="34" charset="0"/>
-              <a:buChar char="•"/>
-            </a:pPr>
-            <a:r>
-              <a:rPr lang="en-US" sz="2800" dirty="0">
-                <a:latin typeface="Times New Roman" panose="02020603050405020304" pitchFamily="18" charset="0"/>
-                <a:cs typeface="Times New Roman" panose="02020603050405020304" pitchFamily="18" charset="0"/>
-              </a:rPr>
-              <a:t>Result</a:t>
-            </a:r>
-          </a:p>
-        </p:txBody>
-      </p:sp>
-      <p:sp>
-        <p:nvSpPr>
-          <p:cNvPr id="12" name="Content Placeholder 2">
-            <a:extLst>
-              <a:ext uri="{FF2B5EF4-FFF2-40B4-BE49-F238E27FC236}">
-                <a16:creationId xmlns:a16="http://schemas.microsoft.com/office/drawing/2014/main" id="{7D86248A-B99F-477F-B09D-E3E1E3F0BBC1}"/>
-              </a:ext>
-            </a:extLst>
-          </p:cNvPr>
-          <p:cNvSpPr>
-            <a:spLocks noGrp="1"/>
-          </p:cNvSpPr>
-          <p:nvPr>
-            <p:ph idx="1"/>
-          </p:nvPr>
-        </p:nvSpPr>
-        <p:spPr>
-          <a:xfrm>
-            <a:off x="455815" y="1511708"/>
-            <a:ext cx="10515600" cy="1104937"/>
-          </a:xfrm>
-        </p:spPr>
-        <p:txBody>
-          <a:bodyPr>
-            <a:normAutofit/>
-          </a:bodyPr>
-          <a:lstStyle/>
-          <a:p>
-            <a:pPr>
-              <a:lnSpc>
-                <a:spcPct val="110000"/>
-              </a:lnSpc>
-            </a:pPr>
-            <a:r>
-              <a:rPr lang="en-US" dirty="0"/>
-              <a:t> Roll up: </a:t>
-            </a:r>
-            <a:r>
-              <a:rPr lang="en-US" b="0" dirty="0">
-                <a:effectLst/>
-                <a:latin typeface="Times New Roman" panose="02020603050405020304" pitchFamily="18" charset="0"/>
-                <a:cs typeface="Times New Roman" panose="02020603050405020304" pitchFamily="18" charset="0"/>
-              </a:rPr>
-              <a:t>Compute the Monthly Home Team Performance This means the sum of the points scored by each team in each month.</a:t>
-            </a:r>
-          </a:p>
-          <a:p>
-            <a:pPr marL="0" indent="0">
-              <a:buNone/>
-            </a:pPr>
-            <a:endParaRPr lang="en-US" dirty="0">
-              <a:latin typeface="Times New Roman" panose="02020603050405020304" pitchFamily="18" charset="0"/>
-              <a:cs typeface="Times New Roman" panose="02020603050405020304" pitchFamily="18" charset="0"/>
-            </a:endParaRPr>
-          </a:p>
-          <a:p>
-            <a:pPr marL="0" indent="0">
-              <a:buNone/>
-            </a:pPr>
-            <a:endParaRPr lang="en-US" dirty="0"/>
-          </a:p>
-        </p:txBody>
-      </p:sp>
+          <a:solidFill>
+            <a:schemeClr val="bg1"/>
+          </a:solidFill>
+          <a:ln>
+            <a:solidFill>
+              <a:schemeClr val="bg1"/>
+            </a:solidFill>
+          </a:ln>
+        </p:spPr>
+        <p:style>
+          <a:lnRef idx="2">
+            <a:schemeClr val="accent1">
+              <a:shade val="50000"/>
+            </a:schemeClr>
+          </a:lnRef>
+          <a:fillRef idx="1">
+            <a:schemeClr val="accent1"/>
+          </a:fillRef>
+          <a:effectRef idx="0">
+            <a:schemeClr val="accent1"/>
+          </a:effectRef>
+          <a:fontRef idx="minor">
+            <a:schemeClr val="lt1"/>
+          </a:fontRef>
+        </p:style>
+        <p:txBody>
+          <a:bodyPr rtlCol="0" anchor="ctr"/>
+          <a:lstStyle/>
+          <a:p>
+            <a:pPr algn="ctr"/>
+            <a:endParaRPr lang="en-US"/>
+          </a:p>
+        </p:txBody>
+      </p:sp>
+      <p:cxnSp>
+        <p:nvCxnSpPr>
+          <p:cNvPr id="8" name="Straight Connector 7">
+            <a:extLst>
+              <a:ext uri="{FF2B5EF4-FFF2-40B4-BE49-F238E27FC236}">
+                <a16:creationId xmlns:a16="http://schemas.microsoft.com/office/drawing/2014/main" id="{444EA60A-F782-7C6B-F4A2-CD991C6A7F58}"/>
+              </a:ext>
+            </a:extLst>
+          </p:cNvPr>
+          <p:cNvCxnSpPr>
+            <a:cxnSpLocks/>
+          </p:cNvCxnSpPr>
+          <p:nvPr/>
+        </p:nvCxnSpPr>
+        <p:spPr>
+          <a:xfrm flipH="1">
+            <a:off x="658368" y="1171091"/>
+            <a:ext cx="553212" cy="0"/>
+          </a:xfrm>
+          <a:prstGeom prst="line">
+            <a:avLst/>
+          </a:prstGeom>
+          <a:ln w="6350">
+            <a:solidFill>
+              <a:srgbClr val="7F7F7F"/>
+            </a:solidFill>
+          </a:ln>
+        </p:spPr>
+        <p:style>
+          <a:lnRef idx="1">
+            <a:schemeClr val="dk1"/>
+          </a:lnRef>
+          <a:fillRef idx="0">
+            <a:schemeClr val="dk1"/>
+          </a:fillRef>
+          <a:effectRef idx="0">
+            <a:schemeClr val="dk1"/>
+          </a:effectRef>
+          <a:fontRef idx="minor">
+            <a:schemeClr val="tx1"/>
+          </a:fontRef>
+        </p:style>
+      </p:cxnSp>
     </p:spTree>
     <p:extLst>
       <p:ext uri="{BB962C8B-B14F-4D97-AF65-F5344CB8AC3E}">
-        <p14:creationId xmlns:p14="http://schemas.microsoft.com/office/powerpoint/2010/main" val="60791255"/>
+        <p14:creationId xmlns:p14="http://schemas.microsoft.com/office/powerpoint/2010/main" val="1699653222"/>
       </p:ext>
     </p:extLst>
   </p:cSld>
@@ -7681,7 +8237,13 @@
   <p:cSld>
     <p:spTree>
       <p:nvGrpSpPr>
-        <p:cNvPr id="1" name=""/>
+        <p:cNvPr id="1" name="">
+          <a:extLst>
+            <a:ext uri="{FF2B5EF4-FFF2-40B4-BE49-F238E27FC236}">
+              <a16:creationId xmlns:a16="http://schemas.microsoft.com/office/drawing/2014/main" id="{14A25985-4905-C90C-7C71-C0D1BE8DD416}"/>
+            </a:ext>
+          </a:extLst>
+        </p:cNvPr>
         <p:cNvGrpSpPr/>
         <p:nvPr/>
       </p:nvGrpSpPr>
@@ -7698,7 +8260,7 @@
           <p:cNvPr id="2" name="Title 1">
             <a:extLst>
               <a:ext uri="{FF2B5EF4-FFF2-40B4-BE49-F238E27FC236}">
-                <a16:creationId xmlns:a16="http://schemas.microsoft.com/office/drawing/2014/main" id="{A4EE97F3-1205-AE6C-F741-7A274C26F27F}"/>
+                <a16:creationId xmlns:a16="http://schemas.microsoft.com/office/drawing/2014/main" id="{24DBE000-1635-3AC7-A9FF-6E632F1A801C}"/>
               </a:ext>
             </a:extLst>
           </p:cNvPr>
@@ -7716,40 +8278,7 @@
           <a:p>
             <a:r>
               <a:rPr lang="en-US" dirty="0"/>
-              <a:t>OLAP Queries</a:t>
-            </a:r>
-          </a:p>
-        </p:txBody>
-      </p:sp>
-      <p:sp>
-        <p:nvSpPr>
-          <p:cNvPr id="3" name="Content Placeholder 2">
-            <a:extLst>
-              <a:ext uri="{FF2B5EF4-FFF2-40B4-BE49-F238E27FC236}">
-                <a16:creationId xmlns:a16="http://schemas.microsoft.com/office/drawing/2014/main" id="{37138B85-7408-6CED-68C6-B13DA6AEF629}"/>
-              </a:ext>
-            </a:extLst>
-          </p:cNvPr>
-          <p:cNvSpPr>
-            <a:spLocks noGrp="1"/>
-          </p:cNvSpPr>
-          <p:nvPr>
-            <p:ph idx="1"/>
-          </p:nvPr>
-        </p:nvSpPr>
-        <p:spPr>
-          <a:xfrm>
-            <a:off x="452120" y="1398567"/>
-            <a:ext cx="10515600" cy="700121"/>
-          </a:xfrm>
-        </p:spPr>
-        <p:txBody>
-          <a:bodyPr/>
-          <a:lstStyle/>
-          <a:p>
-            <a:r>
-              <a:rPr lang="en-US" dirty="0"/>
-              <a:t> SLICE: Compute the query to get all the games in the season </a:t>
+              <a:t>DW Schema</a:t>
             </a:r>
           </a:p>
         </p:txBody>
@@ -7759,7 +8288,7 @@
           <p:cNvPr id="4" name="Slide Number Placeholder 3">
             <a:extLst>
               <a:ext uri="{FF2B5EF4-FFF2-40B4-BE49-F238E27FC236}">
-                <a16:creationId xmlns:a16="http://schemas.microsoft.com/office/drawing/2014/main" id="{165D4266-9303-AAE4-B042-A18E546B28B3}"/>
+                <a16:creationId xmlns:a16="http://schemas.microsoft.com/office/drawing/2014/main" id="{5D390FDE-BB06-B202-31E9-EF6EAAB2FFFA}"/>
               </a:ext>
             </a:extLst>
           </p:cNvPr>
@@ -7783,12 +8312,66 @@
           </a:p>
         </p:txBody>
       </p:sp>
+      <p:sp>
+        <p:nvSpPr>
+          <p:cNvPr id="6" name="Rectangle 5">
+            <a:extLst>
+              <a:ext uri="{FF2B5EF4-FFF2-40B4-BE49-F238E27FC236}">
+                <a16:creationId xmlns:a16="http://schemas.microsoft.com/office/drawing/2014/main" id="{5E0861CC-2E62-A579-9BA5-B75C9AF47A7A}"/>
+              </a:ext>
+            </a:extLst>
+          </p:cNvPr>
+          <p:cNvSpPr/>
+          <p:nvPr/>
+        </p:nvSpPr>
+        <p:spPr>
+          <a:xfrm>
+            <a:off x="10818230" y="721460"/>
+            <a:ext cx="642250" cy="792380"/>
+          </a:xfrm>
+          <a:prstGeom prst="rect">
+            <a:avLst/>
+          </a:prstGeom>
+          <a:solidFill>
+            <a:schemeClr val="bg1"/>
+          </a:solidFill>
+          <a:ln>
+            <a:solidFill>
+              <a:schemeClr val="bg1"/>
+            </a:solidFill>
+          </a:ln>
+        </p:spPr>
+        <p:style>
+          <a:lnRef idx="2">
+            <a:schemeClr val="accent1">
+              <a:shade val="50000"/>
+            </a:schemeClr>
+          </a:lnRef>
+          <a:fillRef idx="1">
+            <a:schemeClr val="accent1"/>
+          </a:fillRef>
+          <a:effectRef idx="0">
+            <a:schemeClr val="accent1"/>
+          </a:effectRef>
+          <a:fontRef idx="minor">
+            <a:schemeClr val="lt1"/>
+          </a:fontRef>
+        </p:style>
+        <p:txBody>
+          <a:bodyPr rtlCol="0" anchor="ctr"/>
+          <a:lstStyle/>
+          <a:p>
+            <a:pPr algn="ctr"/>
+            <a:endParaRPr lang="en-US"/>
+          </a:p>
+        </p:txBody>
+      </p:sp>
       <p:pic>
         <p:nvPicPr>
-          <p:cNvPr id="11" name="Picture 10">
-            <a:extLst>
-              <a:ext uri="{FF2B5EF4-FFF2-40B4-BE49-F238E27FC236}">
-                <a16:creationId xmlns:a16="http://schemas.microsoft.com/office/drawing/2014/main" id="{BDC79D09-2CFC-4621-C1E8-395523759C3A}"/>
+          <p:cNvPr id="12" name="Picture 11" descr="A screenshot of a computer&#10;&#10;AI-generated content may be incorrect.">
+            <a:extLst>
+              <a:ext uri="{FF2B5EF4-FFF2-40B4-BE49-F238E27FC236}">
+                <a16:creationId xmlns:a16="http://schemas.microsoft.com/office/drawing/2014/main" id="{315F3446-41BF-DC47-CB93-3386574E986F}"/>
               </a:ext>
             </a:extLst>
           </p:cNvPr>
@@ -7798,100 +8381,31 @@
           <p:nvPr/>
         </p:nvPicPr>
         <p:blipFill>
-          <a:blip r:embed="rId3"/>
+          <a:blip r:embed="rId3">
+            <a:extLst>
+              <a:ext uri="{28A0092B-C50C-407E-A947-70E740481C1C}">
+                <a14:useLocalDpi xmlns:a14="http://schemas.microsoft.com/office/drawing/2010/main" val="0"/>
+              </a:ext>
+            </a:extLst>
+          </a:blip>
           <a:stretch>
             <a:fillRect/>
           </a:stretch>
         </p:blipFill>
         <p:spPr>
           <a:xfrm>
-            <a:off x="452120" y="2108009"/>
-            <a:ext cx="9288171" cy="1706476"/>
+            <a:off x="4514898" y="-192794"/>
+            <a:ext cx="7677102" cy="7416554"/>
           </a:xfrm>
           <a:prstGeom prst="rect">
             <a:avLst/>
           </a:prstGeom>
         </p:spPr>
       </p:pic>
-      <p:pic>
-        <p:nvPicPr>
-          <p:cNvPr id="13" name="Picture 12">
-            <a:extLst>
-              <a:ext uri="{FF2B5EF4-FFF2-40B4-BE49-F238E27FC236}">
-                <a16:creationId xmlns:a16="http://schemas.microsoft.com/office/drawing/2014/main" id="{C1729159-3F2A-59DB-C874-DC1A914A14BB}"/>
-              </a:ext>
-            </a:extLst>
-          </p:cNvPr>
-          <p:cNvPicPr>
-            <a:picLocks noChangeAspect="1"/>
-          </p:cNvPicPr>
-          <p:nvPr/>
-        </p:nvPicPr>
-        <p:blipFill>
-          <a:blip r:embed="rId4"/>
-          <a:stretch>
-            <a:fillRect/>
-          </a:stretch>
-        </p:blipFill>
-        <p:spPr>
-          <a:xfrm>
-            <a:off x="2454460" y="4393926"/>
-            <a:ext cx="7802064" cy="1962424"/>
-          </a:xfrm>
-          <a:prstGeom prst="rect">
-            <a:avLst/>
-          </a:prstGeom>
-        </p:spPr>
-      </p:pic>
-      <p:sp>
-        <p:nvSpPr>
-          <p:cNvPr id="8" name="TextBox 6">
-            <a:extLst>
-              <a:ext uri="{FF2B5EF4-FFF2-40B4-BE49-F238E27FC236}">
-                <a16:creationId xmlns:a16="http://schemas.microsoft.com/office/drawing/2014/main" id="{5448683C-A6B5-44CF-B2B2-C3CEBC0D0EDA}"/>
-              </a:ext>
-            </a:extLst>
-          </p:cNvPr>
-          <p:cNvSpPr txBox="1"/>
-          <p:nvPr/>
-        </p:nvSpPr>
-        <p:spPr>
-          <a:xfrm>
-            <a:off x="838200" y="4047941"/>
-            <a:ext cx="1561646" cy="523220"/>
-          </a:xfrm>
-          <a:prstGeom prst="rect">
-            <a:avLst/>
-          </a:prstGeom>
-          <a:noFill/>
-        </p:spPr>
-        <p:txBody>
-          <a:bodyPr wrap="none" rtlCol="0">
-            <a:spAutoFit/>
-          </a:bodyPr>
-          <a:lstStyle/>
-          <a:p>
-            <a:pPr marL="457200" indent="-457200">
-              <a:buClr>
-                <a:schemeClr val="accent1"/>
-              </a:buClr>
-              <a:buFont typeface="Arial" panose="020B0604020202020204" pitchFamily="34" charset="0"/>
-              <a:buChar char="•"/>
-            </a:pPr>
-            <a:r>
-              <a:rPr lang="en-US" sz="2800" dirty="0">
-                <a:latin typeface="Times New Roman" panose="02020603050405020304" pitchFamily="18" charset="0"/>
-                <a:cs typeface="Times New Roman" panose="02020603050405020304" pitchFamily="18" charset="0"/>
-              </a:rPr>
-              <a:t>Result</a:t>
-            </a:r>
-          </a:p>
-        </p:txBody>
-      </p:sp>
     </p:spTree>
     <p:extLst>
       <p:ext uri="{BB962C8B-B14F-4D97-AF65-F5344CB8AC3E}">
-        <p14:creationId xmlns:p14="http://schemas.microsoft.com/office/powerpoint/2010/main" val="2123536810"/>
+        <p14:creationId xmlns:p14="http://schemas.microsoft.com/office/powerpoint/2010/main" val="3375129394"/>
       </p:ext>
     </p:extLst>
   </p:cSld>
@@ -7971,7 +8485,7 @@
           <a:p>
             <a:r>
               <a:rPr lang="en-US" dirty="0"/>
-              <a:t>Introduction of Data Warehouse Implementation</a:t>
+              <a:t>Introduction to Data Warehouse Implementation</a:t>
             </a:r>
           </a:p>
           <a:p>
@@ -7983,12 +8497,6 @@
           <a:p>
             <a:r>
               <a:rPr lang="en-US" dirty="0"/>
-              <a:t>Er-Model</a:t>
-            </a:r>
-          </a:p>
-          <a:p>
-            <a:r>
-              <a:rPr lang="en-US" dirty="0"/>
               <a:t>DFM Model</a:t>
             </a:r>
           </a:p>
@@ -8001,7 +8509,13 @@
           <a:p>
             <a:r>
               <a:rPr lang="en-US" dirty="0"/>
-              <a:t>DFM schema (star schema…)</a:t>
+              <a:t>DFM Schema</a:t>
+            </a:r>
+          </a:p>
+          <a:p>
+            <a:r>
+              <a:rPr lang="en-US" dirty="0"/>
+              <a:t>DW Schema Diagram</a:t>
             </a:r>
           </a:p>
           <a:p>
@@ -8062,7 +8576,13 @@
   <p:cSld>
     <p:spTree>
       <p:nvGrpSpPr>
-        <p:cNvPr id="1" name=""/>
+        <p:cNvPr id="1" name="">
+          <a:extLst>
+            <a:ext uri="{FF2B5EF4-FFF2-40B4-BE49-F238E27FC236}">
+              <a16:creationId xmlns:a16="http://schemas.microsoft.com/office/drawing/2014/main" id="{0ADC56AB-CA10-D953-4113-96E5C05D88A6}"/>
+            </a:ext>
+          </a:extLst>
+        </p:cNvPr>
         <p:cNvGrpSpPr/>
         <p:nvPr/>
       </p:nvGrpSpPr>
@@ -8079,7 +8599,7 @@
           <p:cNvPr id="2" name="Title 1">
             <a:extLst>
               <a:ext uri="{FF2B5EF4-FFF2-40B4-BE49-F238E27FC236}">
-                <a16:creationId xmlns:a16="http://schemas.microsoft.com/office/drawing/2014/main" id="{CB97B485-A17C-3AE4-7238-F362056CBDC3}"/>
+                <a16:creationId xmlns:a16="http://schemas.microsoft.com/office/drawing/2014/main" id="{0D7832C3-B2D2-9861-702D-2A192DD19458}"/>
               </a:ext>
             </a:extLst>
           </p:cNvPr>
@@ -8107,7 +8627,7 @@
           <p:cNvPr id="4" name="Slide Number Placeholder 3">
             <a:extLst>
               <a:ext uri="{FF2B5EF4-FFF2-40B4-BE49-F238E27FC236}">
-                <a16:creationId xmlns:a16="http://schemas.microsoft.com/office/drawing/2014/main" id="{DB08394F-4A6E-19CA-56DC-AEC0C59521AE}"/>
+                <a16:creationId xmlns:a16="http://schemas.microsoft.com/office/drawing/2014/main" id="{9875FB41-7C34-9AD0-7E9E-6511E2EA3682}"/>
               </a:ext>
             </a:extLst>
           </p:cNvPr>
@@ -8127,16 +8647,111 @@
               <a:rPr lang="en-US" smtClean="0"/>
               <a:t>20</a:t>
             </a:fld>
+            <a:endParaRPr lang="en-US"/>
+          </a:p>
+        </p:txBody>
+      </p:sp>
+      <p:sp>
+        <p:nvSpPr>
+          <p:cNvPr id="8" name="TextBox 6">
+            <a:extLst>
+              <a:ext uri="{FF2B5EF4-FFF2-40B4-BE49-F238E27FC236}">
+                <a16:creationId xmlns:a16="http://schemas.microsoft.com/office/drawing/2014/main" id="{EA1FFF0F-9AC3-D53A-773C-C474B8508636}"/>
+              </a:ext>
+            </a:extLst>
+          </p:cNvPr>
+          <p:cNvSpPr txBox="1"/>
+          <p:nvPr/>
+        </p:nvSpPr>
+        <p:spPr>
+          <a:xfrm>
+            <a:off x="838200" y="4047941"/>
+            <a:ext cx="1561646" cy="523220"/>
+          </a:xfrm>
+          <a:prstGeom prst="rect">
+            <a:avLst/>
+          </a:prstGeom>
+          <a:noFill/>
+        </p:spPr>
+        <p:txBody>
+          <a:bodyPr wrap="none" rtlCol="0">
+            <a:spAutoFit/>
+          </a:bodyPr>
+          <a:lstStyle/>
+          <a:p>
+            <a:pPr marL="457200" indent="-457200">
+              <a:buClr>
+                <a:schemeClr val="accent1"/>
+              </a:buClr>
+              <a:buFont typeface="Arial" panose="020B0604020202020204" pitchFamily="34" charset="0"/>
+              <a:buChar char="•"/>
+            </a:pPr>
+            <a:r>
+              <a:rPr lang="en-US" sz="2800" dirty="0">
+                <a:latin typeface="Times New Roman" panose="02020603050405020304" pitchFamily="18" charset="0"/>
+                <a:cs typeface="Times New Roman" panose="02020603050405020304" pitchFamily="18" charset="0"/>
+              </a:rPr>
+              <a:t>Result</a:t>
+            </a:r>
+          </a:p>
+        </p:txBody>
+      </p:sp>
+      <p:sp>
+        <p:nvSpPr>
+          <p:cNvPr id="12" name="Content Placeholder 2">
+            <a:extLst>
+              <a:ext uri="{FF2B5EF4-FFF2-40B4-BE49-F238E27FC236}">
+                <a16:creationId xmlns:a16="http://schemas.microsoft.com/office/drawing/2014/main" id="{4F48D604-6835-000F-058C-A51D81B43ED7}"/>
+              </a:ext>
+            </a:extLst>
+          </p:cNvPr>
+          <p:cNvSpPr>
+            <a:spLocks noGrp="1"/>
+          </p:cNvSpPr>
+          <p:nvPr>
+            <p:ph idx="1"/>
+          </p:nvPr>
+        </p:nvSpPr>
+        <p:spPr>
+          <a:xfrm>
+            <a:off x="455815" y="1511708"/>
+            <a:ext cx="10515600" cy="1104937"/>
+          </a:xfrm>
+        </p:spPr>
+        <p:txBody>
+          <a:bodyPr>
+            <a:normAutofit/>
+          </a:bodyPr>
+          <a:lstStyle/>
+          <a:p>
+            <a:r>
+              <a:rPr lang="en-US" dirty="0"/>
+              <a:t>  Query of building basic cube</a:t>
+            </a:r>
+          </a:p>
+          <a:p>
+            <a:pPr marL="0" indent="0">
+              <a:buNone/>
+            </a:pPr>
+            <a:endParaRPr lang="en-US" dirty="0">
+              <a:latin typeface="Times New Roman" panose="02020603050405020304" pitchFamily="18" charset="0"/>
+              <a:cs typeface="Times New Roman" panose="02020603050405020304" pitchFamily="18" charset="0"/>
+            </a:endParaRPr>
+          </a:p>
+          <a:p>
+            <a:pPr marL="0" indent="0">
+              <a:buNone/>
+            </a:pPr>
             <a:endParaRPr lang="en-US" dirty="0"/>
           </a:p>
         </p:txBody>
       </p:sp>
       <p:pic>
         <p:nvPicPr>
-          <p:cNvPr id="6" name="Picture 5">
-            <a:extLst>
-              <a:ext uri="{FF2B5EF4-FFF2-40B4-BE49-F238E27FC236}">
-                <a16:creationId xmlns:a16="http://schemas.microsoft.com/office/drawing/2014/main" id="{AC6223BA-7813-6610-A068-613B100F1D7A}"/>
+          <p:cNvPr id="3" name="Picture 2">
+            <a:extLst>
+              <a:ext uri="{FF2B5EF4-FFF2-40B4-BE49-F238E27FC236}">
+                <a16:creationId xmlns:a16="http://schemas.microsoft.com/office/drawing/2014/main" id="{C4E1C43A-B2D5-DA09-758E-1D2E671C8F74}"/>
               </a:ext>
             </a:extLst>
           </p:cNvPr>
@@ -8153,8 +8768,8 @@
         </p:blipFill>
         <p:spPr>
           <a:xfrm>
-            <a:off x="465975" y="2742513"/>
-            <a:ext cx="10515600" cy="1372973"/>
+            <a:off x="838200" y="2263745"/>
+            <a:ext cx="6020640" cy="1390844"/>
           </a:xfrm>
           <a:prstGeom prst="rect">
             <a:avLst/>
@@ -8163,10 +8778,10 @@
       </p:pic>
       <p:pic>
         <p:nvPicPr>
-          <p:cNvPr id="8" name="Picture 7">
-            <a:extLst>
-              <a:ext uri="{FF2B5EF4-FFF2-40B4-BE49-F238E27FC236}">
-                <a16:creationId xmlns:a16="http://schemas.microsoft.com/office/drawing/2014/main" id="{FFDA0B3C-F80F-ACC4-993C-78AF81C1ECC0}"/>
+          <p:cNvPr id="5" name="Picture 4">
+            <a:extLst>
+              <a:ext uri="{FF2B5EF4-FFF2-40B4-BE49-F238E27FC236}">
+                <a16:creationId xmlns:a16="http://schemas.microsoft.com/office/drawing/2014/main" id="{5D05F87C-B1F5-FB6F-1143-7801C13D2ECB}"/>
               </a:ext>
             </a:extLst>
           </p:cNvPr>
@@ -8183,122 +8798,18 @@
         </p:blipFill>
         <p:spPr>
           <a:xfrm>
-            <a:off x="1676400" y="4632123"/>
-            <a:ext cx="10515600" cy="1648055"/>
+            <a:off x="505968" y="4855333"/>
+            <a:ext cx="11180064" cy="1344953"/>
           </a:xfrm>
           <a:prstGeom prst="rect">
             <a:avLst/>
           </a:prstGeom>
         </p:spPr>
       </p:pic>
-      <p:sp>
-        <p:nvSpPr>
-          <p:cNvPr id="7" name="TextBox 6">
-            <a:extLst>
-              <a:ext uri="{FF2B5EF4-FFF2-40B4-BE49-F238E27FC236}">
-                <a16:creationId xmlns:a16="http://schemas.microsoft.com/office/drawing/2014/main" id="{4A28FA88-82C9-447C-95F1-C8010723BB4B}"/>
-              </a:ext>
-            </a:extLst>
-          </p:cNvPr>
-          <p:cNvSpPr txBox="1"/>
-          <p:nvPr/>
-        </p:nvSpPr>
-        <p:spPr>
-          <a:xfrm>
-            <a:off x="838200" y="4047941"/>
-            <a:ext cx="1561646" cy="523220"/>
-          </a:xfrm>
-          <a:prstGeom prst="rect">
-            <a:avLst/>
-          </a:prstGeom>
-          <a:noFill/>
-        </p:spPr>
-        <p:txBody>
-          <a:bodyPr wrap="none" rtlCol="0">
-            <a:spAutoFit/>
-          </a:bodyPr>
-          <a:lstStyle/>
-          <a:p>
-            <a:pPr marL="457200" indent="-457200">
-              <a:buClr>
-                <a:schemeClr val="accent1"/>
-              </a:buClr>
-              <a:buFont typeface="Arial" panose="020B0604020202020204" pitchFamily="34" charset="0"/>
-              <a:buChar char="•"/>
-            </a:pPr>
-            <a:r>
-              <a:rPr lang="en-US" sz="2800" dirty="0">
-                <a:latin typeface="Times New Roman" panose="02020603050405020304" pitchFamily="18" charset="0"/>
-                <a:cs typeface="Times New Roman" panose="02020603050405020304" pitchFamily="18" charset="0"/>
-              </a:rPr>
-              <a:t>Result</a:t>
-            </a:r>
-          </a:p>
-        </p:txBody>
-      </p:sp>
-      <p:sp>
-        <p:nvSpPr>
-          <p:cNvPr id="12" name="Content Placeholder 2">
-            <a:extLst>
-              <a:ext uri="{FF2B5EF4-FFF2-40B4-BE49-F238E27FC236}">
-                <a16:creationId xmlns:a16="http://schemas.microsoft.com/office/drawing/2014/main" id="{1996443A-F8E4-464A-805F-B1588781D9FD}"/>
-              </a:ext>
-            </a:extLst>
-          </p:cNvPr>
-          <p:cNvSpPr>
-            <a:spLocks noGrp="1"/>
-          </p:cNvSpPr>
-          <p:nvPr>
-            <p:ph idx="1"/>
-          </p:nvPr>
-        </p:nvSpPr>
-        <p:spPr>
-          <a:xfrm>
-            <a:off x="465975" y="1396999"/>
-            <a:ext cx="10058400" cy="4023360"/>
-          </a:xfrm>
-        </p:spPr>
-        <p:txBody>
-          <a:bodyPr>
-            <a:normAutofit/>
-          </a:bodyPr>
-          <a:lstStyle/>
-          <a:p>
-            <a:r>
-              <a:rPr lang="en-US" dirty="0"/>
-              <a:t> DICE : filter based on the year and the team abbreviation (ALL game played by the Cavaliers in the year 2022)</a:t>
-            </a:r>
-          </a:p>
-          <a:p>
-            <a:pPr marL="0" indent="0">
-              <a:buNone/>
-            </a:pPr>
-            <a:endParaRPr lang="en-US" dirty="0"/>
-          </a:p>
-          <a:p>
-            <a:pPr marL="0" indent="0">
-              <a:buNone/>
-            </a:pPr>
-            <a:endParaRPr lang="en-US" dirty="0"/>
-          </a:p>
-          <a:p>
-            <a:pPr marL="0" indent="0">
-              <a:buNone/>
-            </a:pPr>
-            <a:endParaRPr lang="en-US" dirty="0"/>
-          </a:p>
-          <a:p>
-            <a:pPr marL="0" indent="0">
-              <a:buNone/>
-            </a:pPr>
-            <a:endParaRPr lang="en-US" dirty="0"/>
-          </a:p>
-        </p:txBody>
-      </p:sp>
     </p:spTree>
     <p:extLst>
       <p:ext uri="{BB962C8B-B14F-4D97-AF65-F5344CB8AC3E}">
-        <p14:creationId xmlns:p14="http://schemas.microsoft.com/office/powerpoint/2010/main" val="753472263"/>
+        <p14:creationId xmlns:p14="http://schemas.microsoft.com/office/powerpoint/2010/main" val="3665276743"/>
       </p:ext>
     </p:extLst>
   </p:cSld>
@@ -8330,7 +8841,7 @@
           <p:cNvPr id="2" name="Title 1">
             <a:extLst>
               <a:ext uri="{FF2B5EF4-FFF2-40B4-BE49-F238E27FC236}">
-                <a16:creationId xmlns:a16="http://schemas.microsoft.com/office/drawing/2014/main" id="{EDF23EFF-1022-1F94-C5EF-AF6217EADF15}"/>
+                <a16:creationId xmlns:a16="http://schemas.microsoft.com/office/drawing/2014/main" id="{011BAB65-31F8-4EAA-953B-55AC45723143}"/>
               </a:ext>
             </a:extLst>
           </p:cNvPr>
@@ -8353,21 +8864,48 @@
           </a:p>
         </p:txBody>
       </p:sp>
+      <p:sp>
+        <p:nvSpPr>
+          <p:cNvPr id="4" name="Slide Number Placeholder 3">
+            <a:extLst>
+              <a:ext uri="{FF2B5EF4-FFF2-40B4-BE49-F238E27FC236}">
+                <a16:creationId xmlns:a16="http://schemas.microsoft.com/office/drawing/2014/main" id="{542FFB60-E96F-8DF4-F700-34DB2DE1DDBA}"/>
+              </a:ext>
+            </a:extLst>
+          </p:cNvPr>
+          <p:cNvSpPr>
+            <a:spLocks noGrp="1"/>
+          </p:cNvSpPr>
+          <p:nvPr>
+            <p:ph type="sldNum" sz="quarter" idx="12"/>
+          </p:nvPr>
+        </p:nvSpPr>
+        <p:spPr/>
+        <p:txBody>
+          <a:bodyPr/>
+          <a:lstStyle/>
+          <a:p>
+            <a:fld id="{A9BE3F49-EAFF-40F7-B956-2B48D3C53978}" type="slidenum">
+              <a:rPr lang="en-US" smtClean="0"/>
+              <a:t>21</a:t>
+            </a:fld>
+            <a:endParaRPr lang="en-US"/>
+          </a:p>
+        </p:txBody>
+      </p:sp>
       <p:pic>
         <p:nvPicPr>
-          <p:cNvPr id="6" name="Content Placeholder 5">
-            <a:extLst>
-              <a:ext uri="{FF2B5EF4-FFF2-40B4-BE49-F238E27FC236}">
-                <a16:creationId xmlns:a16="http://schemas.microsoft.com/office/drawing/2014/main" id="{02C32FDF-CEBD-C584-A2E4-6816458D32C5}"/>
+          <p:cNvPr id="6" name="Picture 5">
+            <a:extLst>
+              <a:ext uri="{FF2B5EF4-FFF2-40B4-BE49-F238E27FC236}">
+                <a16:creationId xmlns:a16="http://schemas.microsoft.com/office/drawing/2014/main" id="{80212B23-809C-B7E1-6682-CD2565255670}"/>
               </a:ext>
             </a:extLst>
           </p:cNvPr>
           <p:cNvPicPr>
-            <a:picLocks noGrp="1" noChangeAspect="1"/>
+            <a:picLocks noChangeAspect="1"/>
           </p:cNvPicPr>
-          <p:nvPr>
-            <p:ph idx="1"/>
-          </p:nvPr>
+          <p:nvPr/>
         </p:nvPicPr>
         <p:blipFill>
           <a:blip r:embed="rId2"/>
@@ -8377,46 +8915,50 @@
         </p:blipFill>
         <p:spPr>
           <a:xfrm>
-            <a:off x="1066800" y="2446529"/>
-            <a:ext cx="10058400" cy="3275724"/>
-          </a:xfrm>
+            <a:off x="455815" y="2431244"/>
+            <a:ext cx="10184684" cy="1616697"/>
+          </a:xfrm>
+          <a:prstGeom prst="rect">
+            <a:avLst/>
+          </a:prstGeom>
         </p:spPr>
       </p:pic>
-      <p:sp>
-        <p:nvSpPr>
-          <p:cNvPr id="4" name="Slide Number Placeholder 3">
-            <a:extLst>
-              <a:ext uri="{FF2B5EF4-FFF2-40B4-BE49-F238E27FC236}">
-                <a16:creationId xmlns:a16="http://schemas.microsoft.com/office/drawing/2014/main" id="{1624A698-0826-1175-32D2-CB16F0D27167}"/>
-              </a:ext>
-            </a:extLst>
-          </p:cNvPr>
-          <p:cNvSpPr>
-            <a:spLocks noGrp="1"/>
-          </p:cNvSpPr>
-          <p:nvPr>
-            <p:ph type="sldNum" sz="quarter" idx="12"/>
-          </p:nvPr>
-        </p:nvSpPr>
-        <p:spPr/>
-        <p:txBody>
-          <a:bodyPr/>
-          <a:lstStyle/>
-          <a:p>
-            <a:fld id="{A9BE3F49-EAFF-40F7-B956-2B48D3C53978}" type="slidenum">
-              <a:rPr lang="en-US" smtClean="0"/>
-              <a:t>21</a:t>
-            </a:fld>
-            <a:endParaRPr lang="en-US"/>
-          </a:p>
-        </p:txBody>
-      </p:sp>
-      <p:sp>
-        <p:nvSpPr>
-          <p:cNvPr id="3" name="ZoneTexte 2">
-            <a:extLst>
-              <a:ext uri="{FF2B5EF4-FFF2-40B4-BE49-F238E27FC236}">
-                <a16:creationId xmlns:a16="http://schemas.microsoft.com/office/drawing/2014/main" id="{3FA43E64-1823-4488-864F-516B677572BE}"/>
+      <p:pic>
+        <p:nvPicPr>
+          <p:cNvPr id="9" name="Picture 8">
+            <a:extLst>
+              <a:ext uri="{FF2B5EF4-FFF2-40B4-BE49-F238E27FC236}">
+                <a16:creationId xmlns:a16="http://schemas.microsoft.com/office/drawing/2014/main" id="{6CAC5412-AD04-F4B7-4771-2C487588EFF9}"/>
+              </a:ext>
+            </a:extLst>
+          </p:cNvPr>
+          <p:cNvPicPr>
+            <a:picLocks noChangeAspect="1"/>
+          </p:cNvPicPr>
+          <p:nvPr/>
+        </p:nvPicPr>
+        <p:blipFill>
+          <a:blip r:embed="rId3"/>
+          <a:stretch>
+            <a:fillRect/>
+          </a:stretch>
+        </p:blipFill>
+        <p:spPr>
+          <a:xfrm>
+            <a:off x="2505565" y="4559030"/>
+            <a:ext cx="8848235" cy="1933845"/>
+          </a:xfrm>
+          <a:prstGeom prst="rect">
+            <a:avLst/>
+          </a:prstGeom>
+        </p:spPr>
+      </p:pic>
+      <p:sp>
+        <p:nvSpPr>
+          <p:cNvPr id="8" name="TextBox 6">
+            <a:extLst>
+              <a:ext uri="{FF2B5EF4-FFF2-40B4-BE49-F238E27FC236}">
+                <a16:creationId xmlns:a16="http://schemas.microsoft.com/office/drawing/2014/main" id="{3DA11AC8-FD23-49FD-9F3B-81ED62A6A696}"/>
               </a:ext>
             </a:extLst>
           </p:cNvPr>
@@ -8425,8 +8967,8 @@
         </p:nvSpPr>
         <p:spPr>
           <a:xfrm>
-            <a:off x="355600" y="1492422"/>
-            <a:ext cx="10883107" cy="954107"/>
+            <a:off x="838200" y="4047941"/>
+            <a:ext cx="1561646" cy="523220"/>
           </a:xfrm>
           <a:prstGeom prst="rect">
             <a:avLst/>
@@ -8439,41 +8981,90 @@
           </a:bodyPr>
           <a:lstStyle/>
           <a:p>
-            <a:pPr marL="285750" indent="-285750">
+            <a:pPr marL="457200" indent="-457200">
               <a:buClr>
                 <a:schemeClr val="accent1"/>
               </a:buClr>
-              <a:buFont typeface="Wingdings" panose="05000000000000000000" pitchFamily="2" charset="2"/>
-              <a:buChar char="q"/>
+              <a:buFont typeface="Arial" panose="020B0604020202020204" pitchFamily="34" charset="0"/>
+              <a:buChar char="•"/>
             </a:pPr>
             <a:r>
               <a:rPr lang="en-US" sz="2800" dirty="0">
                 <a:latin typeface="Times New Roman" panose="02020603050405020304" pitchFamily="18" charset="0"/>
                 <a:cs typeface="Times New Roman" panose="02020603050405020304" pitchFamily="18" charset="0"/>
               </a:rPr>
-              <a:t>A</a:t>
-            </a:r>
-            <a:r>
-              <a:rPr lang="en-US" sz="2800" b="0" dirty="0">
+              <a:t>Result</a:t>
+            </a:r>
+          </a:p>
+        </p:txBody>
+      </p:sp>
+      <p:sp>
+        <p:nvSpPr>
+          <p:cNvPr id="12" name="Content Placeholder 2">
+            <a:extLst>
+              <a:ext uri="{FF2B5EF4-FFF2-40B4-BE49-F238E27FC236}">
+                <a16:creationId xmlns:a16="http://schemas.microsoft.com/office/drawing/2014/main" id="{7D86248A-B99F-477F-B09D-E3E1E3F0BBC1}"/>
+              </a:ext>
+            </a:extLst>
+          </p:cNvPr>
+          <p:cNvSpPr>
+            <a:spLocks noGrp="1"/>
+          </p:cNvSpPr>
+          <p:nvPr>
+            <p:ph idx="1"/>
+          </p:nvPr>
+        </p:nvSpPr>
+        <p:spPr>
+          <a:xfrm>
+            <a:off x="455815" y="1511708"/>
+            <a:ext cx="10515600" cy="1104937"/>
+          </a:xfrm>
+        </p:spPr>
+        <p:txBody>
+          <a:bodyPr>
+            <a:normAutofit/>
+          </a:bodyPr>
+          <a:lstStyle/>
+          <a:p>
+            <a:pPr>
+              <a:lnSpc>
+                <a:spcPct val="110000"/>
+              </a:lnSpc>
+            </a:pPr>
+            <a:r>
+              <a:rPr lang="en-US" dirty="0"/>
+              <a:t> Roll up: </a:t>
+            </a:r>
+            <a:r>
+              <a:rPr lang="en-US" b="0" dirty="0">
                 <a:effectLst/>
                 <a:latin typeface="Times New Roman" panose="02020603050405020304" pitchFamily="18" charset="0"/>
                 <a:cs typeface="Times New Roman" panose="02020603050405020304" pitchFamily="18" charset="0"/>
               </a:rPr>
-              <a:t>nalyze how win rates evolve per month over the seasons for each team</a:t>
-            </a:r>
-          </a:p>
-          <a:p>
-            <a:endParaRPr lang="en-US" sz="2800" dirty="0">
+              <a:t>Compute the Monthly Home Team Performance This means the sum of the points scored by each team in each month.</a:t>
+            </a:r>
+          </a:p>
+          <a:p>
+            <a:pPr marL="0" indent="0">
+              <a:buNone/>
+            </a:pPr>
+            <a:endParaRPr lang="en-US" dirty="0">
               <a:latin typeface="Times New Roman" panose="02020603050405020304" pitchFamily="18" charset="0"/>
               <a:cs typeface="Times New Roman" panose="02020603050405020304" pitchFamily="18" charset="0"/>
             </a:endParaRPr>
           </a:p>
+          <a:p>
+            <a:pPr marL="0" indent="0">
+              <a:buNone/>
+            </a:pPr>
+            <a:endParaRPr lang="en-US" dirty="0"/>
+          </a:p>
         </p:txBody>
       </p:sp>
     </p:spTree>
     <p:extLst>
       <p:ext uri="{BB962C8B-B14F-4D97-AF65-F5344CB8AC3E}">
-        <p14:creationId xmlns:p14="http://schemas.microsoft.com/office/powerpoint/2010/main" val="3288276239"/>
+        <p14:creationId xmlns:p14="http://schemas.microsoft.com/office/powerpoint/2010/main" val="60791255"/>
       </p:ext>
     </p:extLst>
   </p:cSld>
@@ -8502,10 +9093,10 @@
       </p:grpSpPr>
       <p:sp>
         <p:nvSpPr>
-          <p:cNvPr id="8" name="Title 1">
-            <a:extLst>
-              <a:ext uri="{FF2B5EF4-FFF2-40B4-BE49-F238E27FC236}">
-                <a16:creationId xmlns:a16="http://schemas.microsoft.com/office/drawing/2014/main" id="{6FC6BD94-6F6D-DF92-068B-3EFD4413C971}"/>
+          <p:cNvPr id="2" name="Title 1">
+            <a:extLst>
+              <a:ext uri="{FF2B5EF4-FFF2-40B4-BE49-F238E27FC236}">
+                <a16:creationId xmlns:a16="http://schemas.microsoft.com/office/drawing/2014/main" id="{A4EE97F3-1205-AE6C-F741-7A274C26F27F}"/>
               </a:ext>
             </a:extLst>
           </p:cNvPr>
@@ -8530,10 +9121,43 @@
       </p:sp>
       <p:sp>
         <p:nvSpPr>
+          <p:cNvPr id="3" name="Content Placeholder 2">
+            <a:extLst>
+              <a:ext uri="{FF2B5EF4-FFF2-40B4-BE49-F238E27FC236}">
+                <a16:creationId xmlns:a16="http://schemas.microsoft.com/office/drawing/2014/main" id="{37138B85-7408-6CED-68C6-B13DA6AEF629}"/>
+              </a:ext>
+            </a:extLst>
+          </p:cNvPr>
+          <p:cNvSpPr>
+            <a:spLocks noGrp="1"/>
+          </p:cNvSpPr>
+          <p:nvPr>
+            <p:ph idx="1"/>
+          </p:nvPr>
+        </p:nvSpPr>
+        <p:spPr>
+          <a:xfrm>
+            <a:off x="452120" y="1398567"/>
+            <a:ext cx="10515600" cy="700121"/>
+          </a:xfrm>
+        </p:spPr>
+        <p:txBody>
+          <a:bodyPr/>
+          <a:lstStyle/>
+          <a:p>
+            <a:r>
+              <a:rPr lang="en-US" dirty="0"/>
+              <a:t> SLICE: Compute the query to get all the games in the season </a:t>
+            </a:r>
+          </a:p>
+        </p:txBody>
+      </p:sp>
+      <p:sp>
+        <p:nvSpPr>
           <p:cNvPr id="4" name="Slide Number Placeholder 3">
             <a:extLst>
               <a:ext uri="{FF2B5EF4-FFF2-40B4-BE49-F238E27FC236}">
-                <a16:creationId xmlns:a16="http://schemas.microsoft.com/office/drawing/2014/main" id="{A11D5C31-4C7E-5F37-10BC-AD567E554DC2}"/>
+                <a16:creationId xmlns:a16="http://schemas.microsoft.com/office/drawing/2014/main" id="{165D4266-9303-AAE4-B042-A18E546B28B3}"/>
               </a:ext>
             </a:extLst>
           </p:cNvPr>
@@ -8553,16 +9177,16 @@
               <a:rPr lang="en-US" smtClean="0"/>
               <a:t>22</a:t>
             </a:fld>
-            <a:endParaRPr lang="en-US" dirty="0"/>
+            <a:endParaRPr lang="en-US"/>
           </a:p>
         </p:txBody>
       </p:sp>
       <p:pic>
         <p:nvPicPr>
-          <p:cNvPr id="12" name="Picture 11">
-            <a:extLst>
-              <a:ext uri="{FF2B5EF4-FFF2-40B4-BE49-F238E27FC236}">
-                <a16:creationId xmlns:a16="http://schemas.microsoft.com/office/drawing/2014/main" id="{AE241518-6818-348E-391D-23249A4562F2}"/>
+          <p:cNvPr id="11" name="Picture 10">
+            <a:extLst>
+              <a:ext uri="{FF2B5EF4-FFF2-40B4-BE49-F238E27FC236}">
+                <a16:creationId xmlns:a16="http://schemas.microsoft.com/office/drawing/2014/main" id="{BDC79D09-2CFC-4621-C1E8-395523759C3A}"/>
               </a:ext>
             </a:extLst>
           </p:cNvPr>
@@ -8572,84 +9196,100 @@
           <p:nvPr/>
         </p:nvPicPr>
         <p:blipFill>
-          <a:blip r:embed="rId2"/>
+          <a:blip r:embed="rId3"/>
           <a:stretch>
             <a:fillRect/>
           </a:stretch>
         </p:blipFill>
         <p:spPr>
           <a:xfrm>
-            <a:off x="2123520" y="2465748"/>
-            <a:ext cx="7944959" cy="2276793"/>
+            <a:off x="452120" y="2108009"/>
+            <a:ext cx="9288171" cy="1706476"/>
           </a:xfrm>
           <a:prstGeom prst="rect">
             <a:avLst/>
           </a:prstGeom>
         </p:spPr>
       </p:pic>
-      <p:sp>
-        <p:nvSpPr>
-          <p:cNvPr id="9" name="Content Placeholder 2">
-            <a:extLst>
-              <a:ext uri="{FF2B5EF4-FFF2-40B4-BE49-F238E27FC236}">
-                <a16:creationId xmlns:a16="http://schemas.microsoft.com/office/drawing/2014/main" id="{2CE2BF15-2455-4781-9178-19D1A0E54FA0}"/>
-              </a:ext>
-            </a:extLst>
-          </p:cNvPr>
-          <p:cNvSpPr>
-            <a:spLocks noGrp="1"/>
-          </p:cNvSpPr>
-          <p:nvPr>
-            <p:ph idx="1"/>
-          </p:nvPr>
-        </p:nvSpPr>
+      <p:pic>
+        <p:nvPicPr>
+          <p:cNvPr id="13" name="Picture 12">
+            <a:extLst>
+              <a:ext uri="{FF2B5EF4-FFF2-40B4-BE49-F238E27FC236}">
+                <a16:creationId xmlns:a16="http://schemas.microsoft.com/office/drawing/2014/main" id="{C1729159-3F2A-59DB-C874-DC1A914A14BB}"/>
+              </a:ext>
+            </a:extLst>
+          </p:cNvPr>
+          <p:cNvPicPr>
+            <a:picLocks noChangeAspect="1"/>
+          </p:cNvPicPr>
+          <p:nvPr/>
+        </p:nvPicPr>
+        <p:blipFill>
+          <a:blip r:embed="rId4"/>
+          <a:stretch>
+            <a:fillRect/>
+          </a:stretch>
+        </p:blipFill>
         <p:spPr>
           <a:xfrm>
-            <a:off x="465975" y="1396999"/>
-            <a:ext cx="10058400" cy="4023360"/>
-          </a:xfrm>
-        </p:spPr>
-        <p:txBody>
-          <a:bodyPr>
-            <a:normAutofit/>
+            <a:off x="2454460" y="4393926"/>
+            <a:ext cx="7802064" cy="1962424"/>
+          </a:xfrm>
+          <a:prstGeom prst="rect">
+            <a:avLst/>
+          </a:prstGeom>
+        </p:spPr>
+      </p:pic>
+      <p:sp>
+        <p:nvSpPr>
+          <p:cNvPr id="8" name="TextBox 6">
+            <a:extLst>
+              <a:ext uri="{FF2B5EF4-FFF2-40B4-BE49-F238E27FC236}">
+                <a16:creationId xmlns:a16="http://schemas.microsoft.com/office/drawing/2014/main" id="{5448683C-A6B5-44CF-B2B2-C3CEBC0D0EDA}"/>
+              </a:ext>
+            </a:extLst>
+          </p:cNvPr>
+          <p:cNvSpPr txBox="1"/>
+          <p:nvPr/>
+        </p:nvSpPr>
+        <p:spPr>
+          <a:xfrm>
+            <a:off x="838200" y="4047941"/>
+            <a:ext cx="1561646" cy="523220"/>
+          </a:xfrm>
+          <a:prstGeom prst="rect">
+            <a:avLst/>
+          </a:prstGeom>
+          <a:noFill/>
+        </p:spPr>
+        <p:txBody>
+          <a:bodyPr wrap="none" rtlCol="0">
+            <a:spAutoFit/>
           </a:bodyPr>
           <a:lstStyle/>
           <a:p>
-            <a:r>
-              <a:rPr lang="en-US" dirty="0"/>
-              <a:t> Result</a:t>
-            </a:r>
-          </a:p>
-          <a:p>
-            <a:pPr marL="0" indent="0">
-              <a:buNone/>
+            <a:pPr marL="457200" indent="-457200">
+              <a:buClr>
+                <a:schemeClr val="accent1"/>
+              </a:buClr>
+              <a:buFont typeface="Arial" panose="020B0604020202020204" pitchFamily="34" charset="0"/>
+              <a:buChar char="•"/>
             </a:pPr>
-            <a:endParaRPr lang="en-US" dirty="0"/>
-          </a:p>
-          <a:p>
-            <a:pPr marL="0" indent="0">
-              <a:buNone/>
-            </a:pPr>
-            <a:endParaRPr lang="en-US" dirty="0"/>
-          </a:p>
-          <a:p>
-            <a:pPr marL="0" indent="0">
-              <a:buNone/>
-            </a:pPr>
-            <a:endParaRPr lang="en-US" dirty="0"/>
-          </a:p>
-          <a:p>
-            <a:pPr marL="0" indent="0">
-              <a:buNone/>
-            </a:pPr>
-            <a:endParaRPr lang="en-US" dirty="0"/>
+            <a:r>
+              <a:rPr lang="en-US" sz="2800" dirty="0">
+                <a:latin typeface="Times New Roman" panose="02020603050405020304" pitchFamily="18" charset="0"/>
+                <a:cs typeface="Times New Roman" panose="02020603050405020304" pitchFamily="18" charset="0"/>
+              </a:rPr>
+              <a:t>Result</a:t>
+            </a:r>
           </a:p>
         </p:txBody>
       </p:sp>
     </p:spTree>
     <p:extLst>
       <p:ext uri="{BB962C8B-B14F-4D97-AF65-F5344CB8AC3E}">
-        <p14:creationId xmlns:p14="http://schemas.microsoft.com/office/powerpoint/2010/main" val="3641490201"/>
+        <p14:creationId xmlns:p14="http://schemas.microsoft.com/office/powerpoint/2010/main" val="2123536810"/>
       </p:ext>
     </p:extLst>
   </p:cSld>
@@ -8664,13 +9304,7 @@
   <p:cSld>
     <p:spTree>
       <p:nvGrpSpPr>
-        <p:cNvPr id="1" name="">
-          <a:extLst>
-            <a:ext uri="{FF2B5EF4-FFF2-40B4-BE49-F238E27FC236}">
-              <a16:creationId xmlns:a16="http://schemas.microsoft.com/office/drawing/2014/main" id="{58A4F26E-39D4-8360-6D4C-9DE079F2CA19}"/>
-            </a:ext>
-          </a:extLst>
-        </p:cNvPr>
+        <p:cNvPr id="1" name=""/>
         <p:cNvGrpSpPr/>
         <p:nvPr/>
       </p:nvGrpSpPr>
@@ -8687,7 +9321,7 @@
           <p:cNvPr id="2" name="Title 1">
             <a:extLst>
               <a:ext uri="{FF2B5EF4-FFF2-40B4-BE49-F238E27FC236}">
-                <a16:creationId xmlns:a16="http://schemas.microsoft.com/office/drawing/2014/main" id="{18206D14-847F-9018-19D9-4510B1415E6D}"/>
+                <a16:creationId xmlns:a16="http://schemas.microsoft.com/office/drawing/2014/main" id="{CB97B485-A17C-3AE4-7238-F362056CBDC3}"/>
               </a:ext>
             </a:extLst>
           </p:cNvPr>
@@ -8715,7 +9349,7 @@
           <p:cNvPr id="4" name="Slide Number Placeholder 3">
             <a:extLst>
               <a:ext uri="{FF2B5EF4-FFF2-40B4-BE49-F238E27FC236}">
-                <a16:creationId xmlns:a16="http://schemas.microsoft.com/office/drawing/2014/main" id="{E1E24E7F-80D7-7EA3-0192-21E1F09ABF6E}"/>
+                <a16:creationId xmlns:a16="http://schemas.microsoft.com/office/drawing/2014/main" id="{DB08394F-4A6E-19CA-56DC-AEC0C59521AE}"/>
               </a:ext>
             </a:extLst>
           </p:cNvPr>
@@ -8735,61 +9369,16 @@
               <a:rPr lang="en-US" smtClean="0"/>
               <a:t>23</a:t>
             </a:fld>
-            <a:endParaRPr lang="en-US"/>
-          </a:p>
-        </p:txBody>
-      </p:sp>
-      <p:sp>
-        <p:nvSpPr>
-          <p:cNvPr id="7" name="TextBox 6">
-            <a:extLst>
-              <a:ext uri="{FF2B5EF4-FFF2-40B4-BE49-F238E27FC236}">
-                <a16:creationId xmlns:a16="http://schemas.microsoft.com/office/drawing/2014/main" id="{A3CA899F-BD91-2A04-B4F3-3B25FBDF1D74}"/>
-              </a:ext>
-            </a:extLst>
-          </p:cNvPr>
-          <p:cNvSpPr txBox="1"/>
-          <p:nvPr/>
-        </p:nvSpPr>
-        <p:spPr>
-          <a:xfrm>
-            <a:off x="364375" y="1502436"/>
-            <a:ext cx="10515600" cy="523220"/>
-          </a:xfrm>
-          <a:prstGeom prst="rect">
-            <a:avLst/>
-          </a:prstGeom>
-          <a:noFill/>
-        </p:spPr>
-        <p:txBody>
-          <a:bodyPr wrap="square" rtlCol="0">
-            <a:spAutoFit/>
-          </a:bodyPr>
-          <a:lstStyle/>
-          <a:p>
-            <a:pPr marL="457200" indent="-457200">
-              <a:buClr>
-                <a:schemeClr val="accent1"/>
-              </a:buClr>
-              <a:buFont typeface="Wingdings" panose="05000000000000000000" pitchFamily="2" charset="2"/>
-              <a:buChar char="q"/>
-            </a:pPr>
-            <a:r>
-              <a:rPr lang="en-US" sz="2800" dirty="0">
-                <a:latin typeface="Times New Roman" panose="02020603050405020304" pitchFamily="18" charset="0"/>
-                <a:cs typeface="Times New Roman" panose="02020603050405020304" pitchFamily="18" charset="0"/>
-              </a:rPr>
-              <a:t>Returns the most efficient scorers over a season / over all seasons</a:t>
-            </a:r>
+            <a:endParaRPr lang="en-US" dirty="0"/>
           </a:p>
         </p:txBody>
       </p:sp>
       <p:pic>
         <p:nvPicPr>
-          <p:cNvPr id="11" name="Picture 10">
-            <a:extLst>
-              <a:ext uri="{FF2B5EF4-FFF2-40B4-BE49-F238E27FC236}">
-                <a16:creationId xmlns:a16="http://schemas.microsoft.com/office/drawing/2014/main" id="{37E9FAF4-BA8F-551B-937A-997B6848FC14}"/>
+          <p:cNvPr id="6" name="Picture 5">
+            <a:extLst>
+              <a:ext uri="{FF2B5EF4-FFF2-40B4-BE49-F238E27FC236}">
+                <a16:creationId xmlns:a16="http://schemas.microsoft.com/office/drawing/2014/main" id="{AC6223BA-7813-6610-A068-613B100F1D7A}"/>
               </a:ext>
             </a:extLst>
           </p:cNvPr>
@@ -8806,65 +9395,20 @@
         </p:blipFill>
         <p:spPr>
           <a:xfrm>
-            <a:off x="364375" y="2358906"/>
-            <a:ext cx="10305288" cy="1976128"/>
+            <a:off x="465975" y="2742513"/>
+            <a:ext cx="10515600" cy="1372973"/>
           </a:xfrm>
           <a:prstGeom prst="rect">
             <a:avLst/>
           </a:prstGeom>
         </p:spPr>
       </p:pic>
-      <p:sp>
-        <p:nvSpPr>
-          <p:cNvPr id="12" name="TextBox 11">
-            <a:extLst>
-              <a:ext uri="{FF2B5EF4-FFF2-40B4-BE49-F238E27FC236}">
-                <a16:creationId xmlns:a16="http://schemas.microsoft.com/office/drawing/2014/main" id="{D7EFB364-A062-2EDD-3ECA-B4488F0646F6}"/>
-              </a:ext>
-            </a:extLst>
-          </p:cNvPr>
-          <p:cNvSpPr txBox="1"/>
-          <p:nvPr/>
-        </p:nvSpPr>
-        <p:spPr>
-          <a:xfrm>
-            <a:off x="816685" y="4473261"/>
-            <a:ext cx="2874733" cy="523220"/>
-          </a:xfrm>
-          <a:prstGeom prst="rect">
-            <a:avLst/>
-          </a:prstGeom>
-          <a:noFill/>
-        </p:spPr>
-        <p:txBody>
-          <a:bodyPr wrap="square" rtlCol="0">
-            <a:spAutoFit/>
-          </a:bodyPr>
-          <a:lstStyle/>
-          <a:p>
-            <a:pPr marL="457200" indent="-457200">
-              <a:buClr>
-                <a:schemeClr val="accent1"/>
-              </a:buClr>
-              <a:buFont typeface="Arial" panose="020B0604020202020204" pitchFamily="34" charset="0"/>
-              <a:buChar char="•"/>
-            </a:pPr>
-            <a:r>
-              <a:rPr lang="en-US" sz="2800" dirty="0">
-                <a:latin typeface="Times New Roman" panose="02020603050405020304" pitchFamily="18" charset="0"/>
-                <a:cs typeface="Times New Roman" panose="02020603050405020304" pitchFamily="18" charset="0"/>
-              </a:rPr>
-              <a:t>Result</a:t>
-            </a:r>
-          </a:p>
-        </p:txBody>
-      </p:sp>
       <p:pic>
         <p:nvPicPr>
-          <p:cNvPr id="14" name="Picture 13">
-            <a:extLst>
-              <a:ext uri="{FF2B5EF4-FFF2-40B4-BE49-F238E27FC236}">
-                <a16:creationId xmlns:a16="http://schemas.microsoft.com/office/drawing/2014/main" id="{3701BB7B-B927-ED2E-4D4F-E7B88C171B9E}"/>
+          <p:cNvPr id="8" name="Picture 7">
+            <a:extLst>
+              <a:ext uri="{FF2B5EF4-FFF2-40B4-BE49-F238E27FC236}">
+                <a16:creationId xmlns:a16="http://schemas.microsoft.com/office/drawing/2014/main" id="{FFDA0B3C-F80F-ACC4-993C-78AF81C1ECC0}"/>
               </a:ext>
             </a:extLst>
           </p:cNvPr>
@@ -8881,18 +9425,122 @@
         </p:blipFill>
         <p:spPr>
           <a:xfrm>
-            <a:off x="4370925" y="3999925"/>
-            <a:ext cx="6687483" cy="2248214"/>
+            <a:off x="1676400" y="4632123"/>
+            <a:ext cx="10515600" cy="1648055"/>
           </a:xfrm>
           <a:prstGeom prst="rect">
             <a:avLst/>
           </a:prstGeom>
         </p:spPr>
       </p:pic>
+      <p:sp>
+        <p:nvSpPr>
+          <p:cNvPr id="7" name="TextBox 6">
+            <a:extLst>
+              <a:ext uri="{FF2B5EF4-FFF2-40B4-BE49-F238E27FC236}">
+                <a16:creationId xmlns:a16="http://schemas.microsoft.com/office/drawing/2014/main" id="{4A28FA88-82C9-447C-95F1-C8010723BB4B}"/>
+              </a:ext>
+            </a:extLst>
+          </p:cNvPr>
+          <p:cNvSpPr txBox="1"/>
+          <p:nvPr/>
+        </p:nvSpPr>
+        <p:spPr>
+          <a:xfrm>
+            <a:off x="838200" y="4047941"/>
+            <a:ext cx="1561646" cy="523220"/>
+          </a:xfrm>
+          <a:prstGeom prst="rect">
+            <a:avLst/>
+          </a:prstGeom>
+          <a:noFill/>
+        </p:spPr>
+        <p:txBody>
+          <a:bodyPr wrap="none" rtlCol="0">
+            <a:spAutoFit/>
+          </a:bodyPr>
+          <a:lstStyle/>
+          <a:p>
+            <a:pPr marL="457200" indent="-457200">
+              <a:buClr>
+                <a:schemeClr val="accent1"/>
+              </a:buClr>
+              <a:buFont typeface="Arial" panose="020B0604020202020204" pitchFamily="34" charset="0"/>
+              <a:buChar char="•"/>
+            </a:pPr>
+            <a:r>
+              <a:rPr lang="en-US" sz="2800" dirty="0">
+                <a:latin typeface="Times New Roman" panose="02020603050405020304" pitchFamily="18" charset="0"/>
+                <a:cs typeface="Times New Roman" panose="02020603050405020304" pitchFamily="18" charset="0"/>
+              </a:rPr>
+              <a:t>Result</a:t>
+            </a:r>
+          </a:p>
+        </p:txBody>
+      </p:sp>
+      <p:sp>
+        <p:nvSpPr>
+          <p:cNvPr id="12" name="Content Placeholder 2">
+            <a:extLst>
+              <a:ext uri="{FF2B5EF4-FFF2-40B4-BE49-F238E27FC236}">
+                <a16:creationId xmlns:a16="http://schemas.microsoft.com/office/drawing/2014/main" id="{1996443A-F8E4-464A-805F-B1588781D9FD}"/>
+              </a:ext>
+            </a:extLst>
+          </p:cNvPr>
+          <p:cNvSpPr>
+            <a:spLocks noGrp="1"/>
+          </p:cNvSpPr>
+          <p:nvPr>
+            <p:ph idx="1"/>
+          </p:nvPr>
+        </p:nvSpPr>
+        <p:spPr>
+          <a:xfrm>
+            <a:off x="465975" y="1396999"/>
+            <a:ext cx="10058400" cy="4023360"/>
+          </a:xfrm>
+        </p:spPr>
+        <p:txBody>
+          <a:bodyPr>
+            <a:normAutofit/>
+          </a:bodyPr>
+          <a:lstStyle/>
+          <a:p>
+            <a:r>
+              <a:rPr lang="en-US" dirty="0"/>
+              <a:t> DICE : filter based on the year and the team abbreviation (ALL game played by the Cavaliers in the year 2022)</a:t>
+            </a:r>
+          </a:p>
+          <a:p>
+            <a:pPr marL="0" indent="0">
+              <a:buNone/>
+            </a:pPr>
+            <a:endParaRPr lang="en-US" dirty="0"/>
+          </a:p>
+          <a:p>
+            <a:pPr marL="0" indent="0">
+              <a:buNone/>
+            </a:pPr>
+            <a:endParaRPr lang="en-US" dirty="0"/>
+          </a:p>
+          <a:p>
+            <a:pPr marL="0" indent="0">
+              <a:buNone/>
+            </a:pPr>
+            <a:endParaRPr lang="en-US" dirty="0"/>
+          </a:p>
+          <a:p>
+            <a:pPr marL="0" indent="0">
+              <a:buNone/>
+            </a:pPr>
+            <a:endParaRPr lang="en-US" dirty="0"/>
+          </a:p>
+        </p:txBody>
+      </p:sp>
     </p:spTree>
     <p:extLst>
       <p:ext uri="{BB962C8B-B14F-4D97-AF65-F5344CB8AC3E}">
-        <p14:creationId xmlns:p14="http://schemas.microsoft.com/office/powerpoint/2010/main" val="1878887017"/>
+        <p14:creationId xmlns:p14="http://schemas.microsoft.com/office/powerpoint/2010/main" val="753472263"/>
       </p:ext>
     </p:extLst>
   </p:cSld>
@@ -8924,7 +9572,7 @@
           <p:cNvPr id="2" name="Title 1">
             <a:extLst>
               <a:ext uri="{FF2B5EF4-FFF2-40B4-BE49-F238E27FC236}">
-                <a16:creationId xmlns:a16="http://schemas.microsoft.com/office/drawing/2014/main" id="{69943238-CFCA-8B5C-6620-312437F3264B}"/>
+                <a16:creationId xmlns:a16="http://schemas.microsoft.com/office/drawing/2014/main" id="{EDF23EFF-1022-1F94-C5EF-AF6217EADF15}"/>
               </a:ext>
             </a:extLst>
           </p:cNvPr>
@@ -8942,42 +9590,46 @@
           <a:p>
             <a:r>
               <a:rPr lang="en-US" dirty="0"/>
-              <a:t>Conclusion</a:t>
-            </a:r>
-          </a:p>
-        </p:txBody>
-      </p:sp>
-      <p:sp>
-        <p:nvSpPr>
-          <p:cNvPr id="3" name="Content Placeholder 2">
-            <a:extLst>
-              <a:ext uri="{FF2B5EF4-FFF2-40B4-BE49-F238E27FC236}">
-                <a16:creationId xmlns:a16="http://schemas.microsoft.com/office/drawing/2014/main" id="{FF844D84-4D74-8B53-A893-CE1FBE1145C9}"/>
-              </a:ext>
-            </a:extLst>
-          </p:cNvPr>
-          <p:cNvSpPr>
-            <a:spLocks noGrp="1"/>
-          </p:cNvSpPr>
+              <a:t>OLAP Queries</a:t>
+            </a:r>
+          </a:p>
+        </p:txBody>
+      </p:sp>
+      <p:pic>
+        <p:nvPicPr>
+          <p:cNvPr id="6" name="Content Placeholder 5">
+            <a:extLst>
+              <a:ext uri="{FF2B5EF4-FFF2-40B4-BE49-F238E27FC236}">
+                <a16:creationId xmlns:a16="http://schemas.microsoft.com/office/drawing/2014/main" id="{02C32FDF-CEBD-C584-A2E4-6816458D32C5}"/>
+              </a:ext>
+            </a:extLst>
+          </p:cNvPr>
+          <p:cNvPicPr>
+            <a:picLocks noGrp="1" noChangeAspect="1"/>
+          </p:cNvPicPr>
           <p:nvPr>
             <p:ph idx="1"/>
           </p:nvPr>
-        </p:nvSpPr>
-        <p:spPr/>
-        <p:txBody>
-          <a:bodyPr/>
-          <a:lstStyle/>
-          <a:p>
-            <a:endParaRPr lang="en-US"/>
-          </a:p>
-        </p:txBody>
-      </p:sp>
+        </p:nvPicPr>
+        <p:blipFill>
+          <a:blip r:embed="rId2"/>
+          <a:stretch>
+            <a:fillRect/>
+          </a:stretch>
+        </p:blipFill>
+        <p:spPr>
+          <a:xfrm>
+            <a:off x="1066800" y="2446529"/>
+            <a:ext cx="10058400" cy="3275724"/>
+          </a:xfrm>
+        </p:spPr>
+      </p:pic>
       <p:sp>
         <p:nvSpPr>
           <p:cNvPr id="4" name="Slide Number Placeholder 3">
             <a:extLst>
               <a:ext uri="{FF2B5EF4-FFF2-40B4-BE49-F238E27FC236}">
-                <a16:creationId xmlns:a16="http://schemas.microsoft.com/office/drawing/2014/main" id="{0C87B322-DA21-8CA3-C996-9DB067FB8FE4}"/>
+                <a16:creationId xmlns:a16="http://schemas.microsoft.com/office/drawing/2014/main" id="{1624A698-0826-1175-32D2-CB16F0D27167}"/>
               </a:ext>
             </a:extLst>
           </p:cNvPr>
@@ -9001,10 +9653,69 @@
           </a:p>
         </p:txBody>
       </p:sp>
+      <p:sp>
+        <p:nvSpPr>
+          <p:cNvPr id="3" name="ZoneTexte 2">
+            <a:extLst>
+              <a:ext uri="{FF2B5EF4-FFF2-40B4-BE49-F238E27FC236}">
+                <a16:creationId xmlns:a16="http://schemas.microsoft.com/office/drawing/2014/main" id="{3FA43E64-1823-4488-864F-516B677572BE}"/>
+              </a:ext>
+            </a:extLst>
+          </p:cNvPr>
+          <p:cNvSpPr txBox="1"/>
+          <p:nvPr/>
+        </p:nvSpPr>
+        <p:spPr>
+          <a:xfrm>
+            <a:off x="355600" y="1492422"/>
+            <a:ext cx="10883107" cy="954107"/>
+          </a:xfrm>
+          <a:prstGeom prst="rect">
+            <a:avLst/>
+          </a:prstGeom>
+          <a:noFill/>
+        </p:spPr>
+        <p:txBody>
+          <a:bodyPr wrap="none" rtlCol="0">
+            <a:spAutoFit/>
+          </a:bodyPr>
+          <a:lstStyle/>
+          <a:p>
+            <a:pPr marL="285750" indent="-285750">
+              <a:buClr>
+                <a:schemeClr val="accent1"/>
+              </a:buClr>
+              <a:buFont typeface="Wingdings" panose="05000000000000000000" pitchFamily="2" charset="2"/>
+              <a:buChar char="q"/>
+            </a:pPr>
+            <a:r>
+              <a:rPr lang="en-US" sz="2800" dirty="0">
+                <a:latin typeface="Times New Roman" panose="02020603050405020304" pitchFamily="18" charset="0"/>
+                <a:cs typeface="Times New Roman" panose="02020603050405020304" pitchFamily="18" charset="0"/>
+              </a:rPr>
+              <a:t>A</a:t>
+            </a:r>
+            <a:r>
+              <a:rPr lang="en-US" sz="2800" b="0" dirty="0">
+                <a:effectLst/>
+                <a:latin typeface="Times New Roman" panose="02020603050405020304" pitchFamily="18" charset="0"/>
+                <a:cs typeface="Times New Roman" panose="02020603050405020304" pitchFamily="18" charset="0"/>
+              </a:rPr>
+              <a:t>nalyze how win rates evolve per month over the seasons for each team</a:t>
+            </a:r>
+          </a:p>
+          <a:p>
+            <a:endParaRPr lang="en-US" sz="2800" dirty="0">
+              <a:latin typeface="Times New Roman" panose="02020603050405020304" pitchFamily="18" charset="0"/>
+              <a:cs typeface="Times New Roman" panose="02020603050405020304" pitchFamily="18" charset="0"/>
+            </a:endParaRPr>
+          </a:p>
+        </p:txBody>
+      </p:sp>
     </p:spTree>
     <p:extLst>
       <p:ext uri="{BB962C8B-B14F-4D97-AF65-F5344CB8AC3E}">
-        <p14:creationId xmlns:p14="http://schemas.microsoft.com/office/powerpoint/2010/main" val="1990251934"/>
+        <p14:creationId xmlns:p14="http://schemas.microsoft.com/office/powerpoint/2010/main" val="3288276239"/>
       </p:ext>
     </p:extLst>
   </p:cSld>
@@ -9033,10 +9744,10 @@
       </p:grpSpPr>
       <p:sp>
         <p:nvSpPr>
-          <p:cNvPr id="2" name="Title 1">
-            <a:extLst>
-              <a:ext uri="{FF2B5EF4-FFF2-40B4-BE49-F238E27FC236}">
-                <a16:creationId xmlns:a16="http://schemas.microsoft.com/office/drawing/2014/main" id="{6117AEB9-CF15-EA70-9BC1-9144CB5CC476}"/>
+          <p:cNvPr id="8" name="Title 1">
+            <a:extLst>
+              <a:ext uri="{FF2B5EF4-FFF2-40B4-BE49-F238E27FC236}">
+                <a16:creationId xmlns:a16="http://schemas.microsoft.com/office/drawing/2014/main" id="{6FC6BD94-6F6D-DF92-068B-3EFD4413C971}"/>
               </a:ext>
             </a:extLst>
           </p:cNvPr>
@@ -9054,87 +9765,8 @@
           <a:p>
             <a:r>
               <a:rPr lang="en-US" dirty="0"/>
-              <a:t>References</a:t>
-            </a:r>
-          </a:p>
-        </p:txBody>
-      </p:sp>
-      <p:sp>
-        <p:nvSpPr>
-          <p:cNvPr id="3" name="Content Placeholder 2">
-            <a:extLst>
-              <a:ext uri="{FF2B5EF4-FFF2-40B4-BE49-F238E27FC236}">
-                <a16:creationId xmlns:a16="http://schemas.microsoft.com/office/drawing/2014/main" id="{D625A857-11A6-2DCA-043A-371210AAFFE2}"/>
-              </a:ext>
-            </a:extLst>
-          </p:cNvPr>
-          <p:cNvSpPr>
-            <a:spLocks noGrp="1"/>
-          </p:cNvSpPr>
-          <p:nvPr>
-            <p:ph idx="1"/>
-          </p:nvPr>
-        </p:nvSpPr>
-        <p:spPr/>
-        <p:txBody>
-          <a:bodyPr>
-            <a:normAutofit/>
-          </a:bodyPr>
-          <a:lstStyle/>
-          <a:p>
-            <a:r>
-              <a:rPr lang="en-US" dirty="0">
-                <a:hlinkClick r:id="rId2"/>
-              </a:rPr>
-              <a:t>https://www.researchgate.net/publication/237622501_Chapter_I_Conceptual_Modeling_Solutions_for_the_Data_Warehouse</a:t>
-            </a:r>
-            <a:r>
-              <a:rPr lang="en-US" dirty="0"/>
-              <a:t> </a:t>
-            </a:r>
-            <a:r>
-              <a:rPr lang="en-US" b="0" i="0" dirty="0">
-                <a:solidFill>
-                  <a:srgbClr val="555555"/>
-                </a:solidFill>
-                <a:effectLst/>
-                <a:latin typeface="Roboto" panose="02000000000000000000" pitchFamily="2" charset="0"/>
-              </a:rPr>
-              <a:t>DOI:</a:t>
-            </a:r>
-            <a:r>
-              <a:rPr lang="en-US" b="0" i="0" u="sng" dirty="0">
-                <a:effectLst/>
-                <a:latin typeface="Roboto" panose="02000000000000000000" pitchFamily="2" charset="0"/>
-                <a:hlinkClick r:id="rId3"/>
-              </a:rPr>
-              <a:t>10.4018/978-1-60566-232-9.ch002</a:t>
-            </a:r>
-            <a:endParaRPr lang="en-US" dirty="0"/>
-          </a:p>
-          <a:p>
-            <a:r>
-              <a:rPr lang="en-US" dirty="0">
-                <a:hlinkClick r:id="rId4"/>
-              </a:rPr>
-              <a:t>https://www.kaggle.com/datasets/nathanlauga/nba-games?resource=download&amp;select=games.csv</a:t>
-            </a:r>
-            <a:endParaRPr lang="en-US" dirty="0"/>
-          </a:p>
-          <a:p>
-            <a:r>
-              <a:rPr lang="en-US" dirty="0">
-                <a:hlinkClick r:id="rId5"/>
-              </a:rPr>
-              <a:t>https://www.kaggle.com/datasets/justinas/nba-players-data</a:t>
-            </a:r>
-            <a:endParaRPr lang="en-US" dirty="0"/>
-          </a:p>
-          <a:p>
-            <a:endParaRPr lang="en-US" dirty="0"/>
-          </a:p>
-          <a:p>
-            <a:endParaRPr lang="en-US" dirty="0"/>
+              <a:t>OLAP Queries</a:t>
+            </a:r>
           </a:p>
         </p:txBody>
       </p:sp>
@@ -9143,7 +9775,7 @@
           <p:cNvPr id="4" name="Slide Number Placeholder 3">
             <a:extLst>
               <a:ext uri="{FF2B5EF4-FFF2-40B4-BE49-F238E27FC236}">
-                <a16:creationId xmlns:a16="http://schemas.microsoft.com/office/drawing/2014/main" id="{ABF49566-1D05-53DC-F576-42B15DF17FA4}"/>
+                <a16:creationId xmlns:a16="http://schemas.microsoft.com/office/drawing/2014/main" id="{A11D5C31-4C7E-5F37-10BC-AD567E554DC2}"/>
               </a:ext>
             </a:extLst>
           </p:cNvPr>
@@ -9163,14 +9795,791 @@
               <a:rPr lang="en-US" smtClean="0"/>
               <a:t>25</a:t>
             </a:fld>
-            <a:endParaRPr lang="en-US"/>
+            <a:endParaRPr lang="en-US" dirty="0"/>
+          </a:p>
+        </p:txBody>
+      </p:sp>
+      <p:pic>
+        <p:nvPicPr>
+          <p:cNvPr id="12" name="Picture 11">
+            <a:extLst>
+              <a:ext uri="{FF2B5EF4-FFF2-40B4-BE49-F238E27FC236}">
+                <a16:creationId xmlns:a16="http://schemas.microsoft.com/office/drawing/2014/main" id="{AE241518-6818-348E-391D-23249A4562F2}"/>
+              </a:ext>
+            </a:extLst>
+          </p:cNvPr>
+          <p:cNvPicPr>
+            <a:picLocks noChangeAspect="1"/>
+          </p:cNvPicPr>
+          <p:nvPr/>
+        </p:nvPicPr>
+        <p:blipFill>
+          <a:blip r:embed="rId2"/>
+          <a:stretch>
+            <a:fillRect/>
+          </a:stretch>
+        </p:blipFill>
+        <p:spPr>
+          <a:xfrm>
+            <a:off x="2123520" y="2465748"/>
+            <a:ext cx="7944959" cy="2276793"/>
+          </a:xfrm>
+          <a:prstGeom prst="rect">
+            <a:avLst/>
+          </a:prstGeom>
+        </p:spPr>
+      </p:pic>
+      <p:sp>
+        <p:nvSpPr>
+          <p:cNvPr id="9" name="Content Placeholder 2">
+            <a:extLst>
+              <a:ext uri="{FF2B5EF4-FFF2-40B4-BE49-F238E27FC236}">
+                <a16:creationId xmlns:a16="http://schemas.microsoft.com/office/drawing/2014/main" id="{2CE2BF15-2455-4781-9178-19D1A0E54FA0}"/>
+              </a:ext>
+            </a:extLst>
+          </p:cNvPr>
+          <p:cNvSpPr>
+            <a:spLocks noGrp="1"/>
+          </p:cNvSpPr>
+          <p:nvPr>
+            <p:ph idx="1"/>
+          </p:nvPr>
+        </p:nvSpPr>
+        <p:spPr>
+          <a:xfrm>
+            <a:off x="465975" y="1396999"/>
+            <a:ext cx="10058400" cy="4023360"/>
+          </a:xfrm>
+        </p:spPr>
+        <p:txBody>
+          <a:bodyPr>
+            <a:normAutofit/>
+          </a:bodyPr>
+          <a:lstStyle/>
+          <a:p>
+            <a:r>
+              <a:rPr lang="en-US" dirty="0"/>
+              <a:t> Result</a:t>
+            </a:r>
+          </a:p>
+          <a:p>
+            <a:pPr marL="0" indent="0">
+              <a:buNone/>
+            </a:pPr>
+            <a:endParaRPr lang="en-US" dirty="0"/>
+          </a:p>
+          <a:p>
+            <a:pPr marL="0" indent="0">
+              <a:buNone/>
+            </a:pPr>
+            <a:endParaRPr lang="en-US" dirty="0"/>
+          </a:p>
+          <a:p>
+            <a:pPr marL="0" indent="0">
+              <a:buNone/>
+            </a:pPr>
+            <a:endParaRPr lang="en-US" dirty="0"/>
+          </a:p>
+          <a:p>
+            <a:pPr marL="0" indent="0">
+              <a:buNone/>
+            </a:pPr>
+            <a:endParaRPr lang="en-US" dirty="0"/>
           </a:p>
         </p:txBody>
       </p:sp>
     </p:spTree>
     <p:extLst>
       <p:ext uri="{BB962C8B-B14F-4D97-AF65-F5344CB8AC3E}">
-        <p14:creationId xmlns:p14="http://schemas.microsoft.com/office/powerpoint/2010/main" val="250651862"/>
+        <p14:creationId xmlns:p14="http://schemas.microsoft.com/office/powerpoint/2010/main" val="3641490201"/>
+      </p:ext>
+    </p:extLst>
+  </p:cSld>
+  <p:clrMapOvr>
+    <a:masterClrMapping/>
+  </p:clrMapOvr>
+</p:sld>
+</file>
+
+<file path=ppt/slides/slide26.xml><?xml version="1.0" encoding="utf-8"?>
+<p:sld xmlns:a="http://schemas.openxmlformats.org/drawingml/2006/main" xmlns:r="http://schemas.openxmlformats.org/officeDocument/2006/relationships" xmlns:p="http://schemas.openxmlformats.org/presentationml/2006/main">
+  <p:cSld>
+    <p:spTree>
+      <p:nvGrpSpPr>
+        <p:cNvPr id="1" name="">
+          <a:extLst>
+            <a:ext uri="{FF2B5EF4-FFF2-40B4-BE49-F238E27FC236}">
+              <a16:creationId xmlns:a16="http://schemas.microsoft.com/office/drawing/2014/main" id="{58A4F26E-39D4-8360-6D4C-9DE079F2CA19}"/>
+            </a:ext>
+          </a:extLst>
+        </p:cNvPr>
+        <p:cNvGrpSpPr/>
+        <p:nvPr/>
+      </p:nvGrpSpPr>
+      <p:grpSpPr>
+        <a:xfrm>
+          <a:off x="0" y="0"/>
+          <a:ext cx="0" cy="0"/>
+          <a:chOff x="0" y="0"/>
+          <a:chExt cx="0" cy="0"/>
+        </a:xfrm>
+      </p:grpSpPr>
+      <p:sp>
+        <p:nvSpPr>
+          <p:cNvPr id="2" name="Title 1">
+            <a:extLst>
+              <a:ext uri="{FF2B5EF4-FFF2-40B4-BE49-F238E27FC236}">
+                <a16:creationId xmlns:a16="http://schemas.microsoft.com/office/drawing/2014/main" id="{18206D14-847F-9018-19D9-4510B1415E6D}"/>
+              </a:ext>
+            </a:extLst>
+          </p:cNvPr>
+          <p:cNvSpPr>
+            <a:spLocks noGrp="1"/>
+          </p:cNvSpPr>
+          <p:nvPr>
+            <p:ph type="title"/>
+          </p:nvPr>
+        </p:nvSpPr>
+        <p:spPr/>
+        <p:txBody>
+          <a:bodyPr/>
+          <a:lstStyle/>
+          <a:p>
+            <a:r>
+              <a:rPr lang="en-US" dirty="0"/>
+              <a:t>OLAP Queries</a:t>
+            </a:r>
+          </a:p>
+        </p:txBody>
+      </p:sp>
+      <p:sp>
+        <p:nvSpPr>
+          <p:cNvPr id="4" name="Slide Number Placeholder 3">
+            <a:extLst>
+              <a:ext uri="{FF2B5EF4-FFF2-40B4-BE49-F238E27FC236}">
+                <a16:creationId xmlns:a16="http://schemas.microsoft.com/office/drawing/2014/main" id="{E1E24E7F-80D7-7EA3-0192-21E1F09ABF6E}"/>
+              </a:ext>
+            </a:extLst>
+          </p:cNvPr>
+          <p:cNvSpPr>
+            <a:spLocks noGrp="1"/>
+          </p:cNvSpPr>
+          <p:nvPr>
+            <p:ph type="sldNum" sz="quarter" idx="12"/>
+          </p:nvPr>
+        </p:nvSpPr>
+        <p:spPr/>
+        <p:txBody>
+          <a:bodyPr/>
+          <a:lstStyle/>
+          <a:p>
+            <a:fld id="{A9BE3F49-EAFF-40F7-B956-2B48D3C53978}" type="slidenum">
+              <a:rPr lang="en-US" smtClean="0"/>
+              <a:t>26</a:t>
+            </a:fld>
+            <a:endParaRPr lang="en-US"/>
+          </a:p>
+        </p:txBody>
+      </p:sp>
+      <p:sp>
+        <p:nvSpPr>
+          <p:cNvPr id="7" name="TextBox 6">
+            <a:extLst>
+              <a:ext uri="{FF2B5EF4-FFF2-40B4-BE49-F238E27FC236}">
+                <a16:creationId xmlns:a16="http://schemas.microsoft.com/office/drawing/2014/main" id="{A3CA899F-BD91-2A04-B4F3-3B25FBDF1D74}"/>
+              </a:ext>
+            </a:extLst>
+          </p:cNvPr>
+          <p:cNvSpPr txBox="1"/>
+          <p:nvPr/>
+        </p:nvSpPr>
+        <p:spPr>
+          <a:xfrm>
+            <a:off x="364375" y="1502436"/>
+            <a:ext cx="10515600" cy="523220"/>
+          </a:xfrm>
+          <a:prstGeom prst="rect">
+            <a:avLst/>
+          </a:prstGeom>
+          <a:noFill/>
+        </p:spPr>
+        <p:txBody>
+          <a:bodyPr wrap="square" rtlCol="0">
+            <a:spAutoFit/>
+          </a:bodyPr>
+          <a:lstStyle/>
+          <a:p>
+            <a:pPr marL="457200" indent="-457200">
+              <a:buClr>
+                <a:schemeClr val="accent1"/>
+              </a:buClr>
+              <a:buFont typeface="Wingdings" panose="05000000000000000000" pitchFamily="2" charset="2"/>
+              <a:buChar char="q"/>
+            </a:pPr>
+            <a:r>
+              <a:rPr lang="en-US" sz="2800" dirty="0">
+                <a:latin typeface="Times New Roman" panose="02020603050405020304" pitchFamily="18" charset="0"/>
+                <a:cs typeface="Times New Roman" panose="02020603050405020304" pitchFamily="18" charset="0"/>
+              </a:rPr>
+              <a:t>Returns the most efficient scorers over a season / over all seasons</a:t>
+            </a:r>
+          </a:p>
+        </p:txBody>
+      </p:sp>
+      <p:pic>
+        <p:nvPicPr>
+          <p:cNvPr id="11" name="Picture 10">
+            <a:extLst>
+              <a:ext uri="{FF2B5EF4-FFF2-40B4-BE49-F238E27FC236}">
+                <a16:creationId xmlns:a16="http://schemas.microsoft.com/office/drawing/2014/main" id="{37E9FAF4-BA8F-551B-937A-997B6848FC14}"/>
+              </a:ext>
+            </a:extLst>
+          </p:cNvPr>
+          <p:cNvPicPr>
+            <a:picLocks noChangeAspect="1"/>
+          </p:cNvPicPr>
+          <p:nvPr/>
+        </p:nvPicPr>
+        <p:blipFill>
+          <a:blip r:embed="rId2"/>
+          <a:stretch>
+            <a:fillRect/>
+          </a:stretch>
+        </p:blipFill>
+        <p:spPr>
+          <a:xfrm>
+            <a:off x="364375" y="2358906"/>
+            <a:ext cx="10305288" cy="1976128"/>
+          </a:xfrm>
+          <a:prstGeom prst="rect">
+            <a:avLst/>
+          </a:prstGeom>
+        </p:spPr>
+      </p:pic>
+      <p:sp>
+        <p:nvSpPr>
+          <p:cNvPr id="12" name="TextBox 11">
+            <a:extLst>
+              <a:ext uri="{FF2B5EF4-FFF2-40B4-BE49-F238E27FC236}">
+                <a16:creationId xmlns:a16="http://schemas.microsoft.com/office/drawing/2014/main" id="{D7EFB364-A062-2EDD-3ECA-B4488F0646F6}"/>
+              </a:ext>
+            </a:extLst>
+          </p:cNvPr>
+          <p:cNvSpPr txBox="1"/>
+          <p:nvPr/>
+        </p:nvSpPr>
+        <p:spPr>
+          <a:xfrm>
+            <a:off x="816685" y="4473261"/>
+            <a:ext cx="2874733" cy="523220"/>
+          </a:xfrm>
+          <a:prstGeom prst="rect">
+            <a:avLst/>
+          </a:prstGeom>
+          <a:noFill/>
+        </p:spPr>
+        <p:txBody>
+          <a:bodyPr wrap="square" rtlCol="0">
+            <a:spAutoFit/>
+          </a:bodyPr>
+          <a:lstStyle/>
+          <a:p>
+            <a:pPr marL="457200" indent="-457200">
+              <a:buClr>
+                <a:schemeClr val="accent1"/>
+              </a:buClr>
+              <a:buFont typeface="Arial" panose="020B0604020202020204" pitchFamily="34" charset="0"/>
+              <a:buChar char="•"/>
+            </a:pPr>
+            <a:r>
+              <a:rPr lang="en-US" sz="2800" dirty="0">
+                <a:latin typeface="Times New Roman" panose="02020603050405020304" pitchFamily="18" charset="0"/>
+                <a:cs typeface="Times New Roman" panose="02020603050405020304" pitchFamily="18" charset="0"/>
+              </a:rPr>
+              <a:t>Result</a:t>
+            </a:r>
+          </a:p>
+        </p:txBody>
+      </p:sp>
+      <p:pic>
+        <p:nvPicPr>
+          <p:cNvPr id="14" name="Picture 13">
+            <a:extLst>
+              <a:ext uri="{FF2B5EF4-FFF2-40B4-BE49-F238E27FC236}">
+                <a16:creationId xmlns:a16="http://schemas.microsoft.com/office/drawing/2014/main" id="{3701BB7B-B927-ED2E-4D4F-E7B88C171B9E}"/>
+              </a:ext>
+            </a:extLst>
+          </p:cNvPr>
+          <p:cNvPicPr>
+            <a:picLocks noChangeAspect="1"/>
+          </p:cNvPicPr>
+          <p:nvPr/>
+        </p:nvPicPr>
+        <p:blipFill>
+          <a:blip r:embed="rId3"/>
+          <a:stretch>
+            <a:fillRect/>
+          </a:stretch>
+        </p:blipFill>
+        <p:spPr>
+          <a:xfrm>
+            <a:off x="4370925" y="3999925"/>
+            <a:ext cx="6687483" cy="2248214"/>
+          </a:xfrm>
+          <a:prstGeom prst="rect">
+            <a:avLst/>
+          </a:prstGeom>
+        </p:spPr>
+      </p:pic>
+    </p:spTree>
+    <p:extLst>
+      <p:ext uri="{BB962C8B-B14F-4D97-AF65-F5344CB8AC3E}">
+        <p14:creationId xmlns:p14="http://schemas.microsoft.com/office/powerpoint/2010/main" val="1878887017"/>
+      </p:ext>
+    </p:extLst>
+  </p:cSld>
+  <p:clrMapOvr>
+    <a:masterClrMapping/>
+  </p:clrMapOvr>
+</p:sld>
+</file>
+
+<file path=ppt/slides/slide27.xml><?xml version="1.0" encoding="utf-8"?>
+<p:sld xmlns:a="http://schemas.openxmlformats.org/drawingml/2006/main" xmlns:r="http://schemas.openxmlformats.org/officeDocument/2006/relationships" xmlns:p="http://schemas.openxmlformats.org/presentationml/2006/main">
+  <p:cSld>
+    <p:spTree>
+      <p:nvGrpSpPr>
+        <p:cNvPr id="1" name=""/>
+        <p:cNvGrpSpPr/>
+        <p:nvPr/>
+      </p:nvGrpSpPr>
+      <p:grpSpPr>
+        <a:xfrm>
+          <a:off x="0" y="0"/>
+          <a:ext cx="0" cy="0"/>
+          <a:chOff x="0" y="0"/>
+          <a:chExt cx="0" cy="0"/>
+        </a:xfrm>
+      </p:grpSpPr>
+      <p:sp>
+        <p:nvSpPr>
+          <p:cNvPr id="2" name="Title 1">
+            <a:extLst>
+              <a:ext uri="{FF2B5EF4-FFF2-40B4-BE49-F238E27FC236}">
+                <a16:creationId xmlns:a16="http://schemas.microsoft.com/office/drawing/2014/main" id="{69943238-CFCA-8B5C-6620-312437F3264B}"/>
+              </a:ext>
+            </a:extLst>
+          </p:cNvPr>
+          <p:cNvSpPr>
+            <a:spLocks noGrp="1"/>
+          </p:cNvSpPr>
+          <p:nvPr>
+            <p:ph type="title"/>
+          </p:nvPr>
+        </p:nvSpPr>
+        <p:spPr/>
+        <p:txBody>
+          <a:bodyPr/>
+          <a:lstStyle/>
+          <a:p>
+            <a:r>
+              <a:rPr lang="en-US" dirty="0"/>
+              <a:t>Conclusion</a:t>
+            </a:r>
+          </a:p>
+        </p:txBody>
+      </p:sp>
+      <p:sp>
+        <p:nvSpPr>
+          <p:cNvPr id="3" name="Content Placeholder 2">
+            <a:extLst>
+              <a:ext uri="{FF2B5EF4-FFF2-40B4-BE49-F238E27FC236}">
+                <a16:creationId xmlns:a16="http://schemas.microsoft.com/office/drawing/2014/main" id="{FF844D84-4D74-8B53-A893-CE1FBE1145C9}"/>
+              </a:ext>
+            </a:extLst>
+          </p:cNvPr>
+          <p:cNvSpPr>
+            <a:spLocks noGrp="1"/>
+          </p:cNvSpPr>
+          <p:nvPr>
+            <p:ph idx="1"/>
+          </p:nvPr>
+        </p:nvSpPr>
+        <p:spPr/>
+        <p:txBody>
+          <a:bodyPr/>
+          <a:lstStyle/>
+          <a:p>
+            <a:r>
+              <a:rPr lang="en-US" dirty="0">
+                <a:solidFill>
+                  <a:srgbClr val="000000"/>
+                </a:solidFill>
+                <a:effectLst/>
+                <a:latin typeface="Arial" panose="020B0604020202020204" pitchFamily="34" charset="0"/>
+              </a:rPr>
+              <a:t> Successful Integration of Diverse Datasets, ensuring data consistency and integrity across sources</a:t>
+            </a:r>
+          </a:p>
+          <a:p>
+            <a:r>
+              <a:rPr lang="en-US" dirty="0">
+                <a:solidFill>
+                  <a:srgbClr val="000000"/>
+                </a:solidFill>
+                <a:effectLst/>
+                <a:latin typeface="Arial" panose="020B0604020202020204" pitchFamily="34" charset="0"/>
+              </a:rPr>
+              <a:t> Implemented a scalable ETL process to extract data from heterogeneous sources, transform it (e.g., cleaning, normalization, aggregation), and load it into the data warehouse</a:t>
+            </a:r>
+          </a:p>
+          <a:p>
+            <a:endParaRPr lang="en-US" dirty="0">
+              <a:solidFill>
+                <a:srgbClr val="000000"/>
+              </a:solidFill>
+              <a:effectLst/>
+              <a:latin typeface="Arial" panose="020B0604020202020204" pitchFamily="34" charset="0"/>
+            </a:endParaRPr>
+          </a:p>
+          <a:p>
+            <a:endParaRPr lang="en-US" dirty="0">
+              <a:solidFill>
+                <a:srgbClr val="000000"/>
+              </a:solidFill>
+              <a:effectLst/>
+              <a:latin typeface="Arial" panose="020B0604020202020204" pitchFamily="34" charset="0"/>
+            </a:endParaRPr>
+          </a:p>
+          <a:p>
+            <a:endParaRPr lang="en-US" dirty="0"/>
+          </a:p>
+        </p:txBody>
+      </p:sp>
+      <p:sp>
+        <p:nvSpPr>
+          <p:cNvPr id="4" name="Slide Number Placeholder 3">
+            <a:extLst>
+              <a:ext uri="{FF2B5EF4-FFF2-40B4-BE49-F238E27FC236}">
+                <a16:creationId xmlns:a16="http://schemas.microsoft.com/office/drawing/2014/main" id="{0C87B322-DA21-8CA3-C996-9DB067FB8FE4}"/>
+              </a:ext>
+            </a:extLst>
+          </p:cNvPr>
+          <p:cNvSpPr>
+            <a:spLocks noGrp="1"/>
+          </p:cNvSpPr>
+          <p:nvPr>
+            <p:ph type="sldNum" sz="quarter" idx="12"/>
+          </p:nvPr>
+        </p:nvSpPr>
+        <p:spPr/>
+        <p:txBody>
+          <a:bodyPr/>
+          <a:lstStyle/>
+          <a:p>
+            <a:fld id="{A9BE3F49-EAFF-40F7-B956-2B48D3C53978}" type="slidenum">
+              <a:rPr lang="en-US" smtClean="0"/>
+              <a:t>27</a:t>
+            </a:fld>
+            <a:endParaRPr lang="en-US"/>
+          </a:p>
+        </p:txBody>
+      </p:sp>
+    </p:spTree>
+    <p:extLst>
+      <p:ext uri="{BB962C8B-B14F-4D97-AF65-F5344CB8AC3E}">
+        <p14:creationId xmlns:p14="http://schemas.microsoft.com/office/powerpoint/2010/main" val="1990251934"/>
+      </p:ext>
+    </p:extLst>
+  </p:cSld>
+  <p:clrMapOvr>
+    <a:masterClrMapping/>
+  </p:clrMapOvr>
+</p:sld>
+</file>
+
+<file path=ppt/slides/slide28.xml><?xml version="1.0" encoding="utf-8"?>
+<p:sld xmlns:a="http://schemas.openxmlformats.org/drawingml/2006/main" xmlns:r="http://schemas.openxmlformats.org/officeDocument/2006/relationships" xmlns:p="http://schemas.openxmlformats.org/presentationml/2006/main">
+  <p:cSld>
+    <p:spTree>
+      <p:nvGrpSpPr>
+        <p:cNvPr id="1" name="">
+          <a:extLst>
+            <a:ext uri="{FF2B5EF4-FFF2-40B4-BE49-F238E27FC236}">
+              <a16:creationId xmlns:a16="http://schemas.microsoft.com/office/drawing/2014/main" id="{8D6A912E-7B8B-8C0D-6297-E21BF6838A21}"/>
+            </a:ext>
+          </a:extLst>
+        </p:cNvPr>
+        <p:cNvGrpSpPr/>
+        <p:nvPr/>
+      </p:nvGrpSpPr>
+      <p:grpSpPr>
+        <a:xfrm>
+          <a:off x="0" y="0"/>
+          <a:ext cx="0" cy="0"/>
+          <a:chOff x="0" y="0"/>
+          <a:chExt cx="0" cy="0"/>
+        </a:xfrm>
+      </p:grpSpPr>
+      <p:sp>
+        <p:nvSpPr>
+          <p:cNvPr id="2" name="Title 1">
+            <a:extLst>
+              <a:ext uri="{FF2B5EF4-FFF2-40B4-BE49-F238E27FC236}">
+                <a16:creationId xmlns:a16="http://schemas.microsoft.com/office/drawing/2014/main" id="{EA9D2BDC-25B8-63E6-0976-74D38068F8EF}"/>
+              </a:ext>
+            </a:extLst>
+          </p:cNvPr>
+          <p:cNvSpPr>
+            <a:spLocks noGrp="1"/>
+          </p:cNvSpPr>
+          <p:nvPr>
+            <p:ph type="title"/>
+          </p:nvPr>
+        </p:nvSpPr>
+        <p:spPr/>
+        <p:txBody>
+          <a:bodyPr/>
+          <a:lstStyle/>
+          <a:p>
+            <a:r>
+              <a:rPr lang="en-US" dirty="0"/>
+              <a:t>Conclusion</a:t>
+            </a:r>
+          </a:p>
+        </p:txBody>
+      </p:sp>
+      <p:sp>
+        <p:nvSpPr>
+          <p:cNvPr id="3" name="Content Placeholder 2">
+            <a:extLst>
+              <a:ext uri="{FF2B5EF4-FFF2-40B4-BE49-F238E27FC236}">
+                <a16:creationId xmlns:a16="http://schemas.microsoft.com/office/drawing/2014/main" id="{D6DF5450-DE04-F7AF-3ECE-3D62E917962D}"/>
+              </a:ext>
+            </a:extLst>
+          </p:cNvPr>
+          <p:cNvSpPr>
+            <a:spLocks noGrp="1"/>
+          </p:cNvSpPr>
+          <p:nvPr>
+            <p:ph idx="1"/>
+          </p:nvPr>
+        </p:nvSpPr>
+        <p:spPr/>
+        <p:txBody>
+          <a:bodyPr/>
+          <a:lstStyle/>
+          <a:p>
+            <a:r>
+              <a:rPr lang="en-US" dirty="0">
+                <a:solidFill>
+                  <a:srgbClr val="000000"/>
+                </a:solidFill>
+                <a:effectLst/>
+                <a:latin typeface="Arial" panose="020B0604020202020204" pitchFamily="34" charset="0"/>
+              </a:rPr>
+              <a:t> Designed a hybrid snowflake/star schema to balance query performance and storage efficiency</a:t>
+            </a:r>
+          </a:p>
+          <a:p>
+            <a:r>
+              <a:rPr lang="en-US" dirty="0">
+                <a:solidFill>
+                  <a:srgbClr val="000000"/>
+                </a:solidFill>
+                <a:effectLst/>
+                <a:latin typeface="Arial" panose="020B0604020202020204" pitchFamily="34" charset="0"/>
+              </a:rPr>
+              <a:t> Executed complex OLAP session queries to support multidimensional analysis (e.g., slice-and-dice, drill-down)</a:t>
+            </a:r>
+          </a:p>
+          <a:p>
+            <a:endParaRPr lang="en-US" dirty="0">
+              <a:solidFill>
+                <a:srgbClr val="000000"/>
+              </a:solidFill>
+              <a:effectLst/>
+              <a:latin typeface="Arial" panose="020B0604020202020204" pitchFamily="34" charset="0"/>
+            </a:endParaRPr>
+          </a:p>
+          <a:p>
+            <a:endParaRPr lang="en-US" dirty="0">
+              <a:solidFill>
+                <a:srgbClr val="000000"/>
+              </a:solidFill>
+              <a:effectLst/>
+              <a:latin typeface="Arial" panose="020B0604020202020204" pitchFamily="34" charset="0"/>
+            </a:endParaRPr>
+          </a:p>
+          <a:p>
+            <a:endParaRPr lang="en-US" dirty="0"/>
+          </a:p>
+        </p:txBody>
+      </p:sp>
+      <p:sp>
+        <p:nvSpPr>
+          <p:cNvPr id="4" name="Slide Number Placeholder 3">
+            <a:extLst>
+              <a:ext uri="{FF2B5EF4-FFF2-40B4-BE49-F238E27FC236}">
+                <a16:creationId xmlns:a16="http://schemas.microsoft.com/office/drawing/2014/main" id="{CB187927-C031-0105-C39A-87D4106ADAA9}"/>
+              </a:ext>
+            </a:extLst>
+          </p:cNvPr>
+          <p:cNvSpPr>
+            <a:spLocks noGrp="1"/>
+          </p:cNvSpPr>
+          <p:nvPr>
+            <p:ph type="sldNum" sz="quarter" idx="12"/>
+          </p:nvPr>
+        </p:nvSpPr>
+        <p:spPr/>
+        <p:txBody>
+          <a:bodyPr/>
+          <a:lstStyle/>
+          <a:p>
+            <a:fld id="{A9BE3F49-EAFF-40F7-B956-2B48D3C53978}" type="slidenum">
+              <a:rPr lang="en-US" smtClean="0"/>
+              <a:t>28</a:t>
+            </a:fld>
+            <a:endParaRPr lang="en-US"/>
+          </a:p>
+        </p:txBody>
+      </p:sp>
+    </p:spTree>
+    <p:extLst>
+      <p:ext uri="{BB962C8B-B14F-4D97-AF65-F5344CB8AC3E}">
+        <p14:creationId xmlns:p14="http://schemas.microsoft.com/office/powerpoint/2010/main" val="4216306563"/>
+      </p:ext>
+    </p:extLst>
+  </p:cSld>
+  <p:clrMapOvr>
+    <a:masterClrMapping/>
+  </p:clrMapOvr>
+</p:sld>
+</file>
+
+<file path=ppt/slides/slide29.xml><?xml version="1.0" encoding="utf-8"?>
+<p:sld xmlns:a="http://schemas.openxmlformats.org/drawingml/2006/main" xmlns:r="http://schemas.openxmlformats.org/officeDocument/2006/relationships" xmlns:p="http://schemas.openxmlformats.org/presentationml/2006/main">
+  <p:cSld>
+    <p:spTree>
+      <p:nvGrpSpPr>
+        <p:cNvPr id="1" name="">
+          <a:extLst>
+            <a:ext uri="{FF2B5EF4-FFF2-40B4-BE49-F238E27FC236}">
+              <a16:creationId xmlns:a16="http://schemas.microsoft.com/office/drawing/2014/main" id="{BAAB7A9F-1760-5434-FF1B-4B459BB068A8}"/>
+            </a:ext>
+          </a:extLst>
+        </p:cNvPr>
+        <p:cNvGrpSpPr/>
+        <p:nvPr/>
+      </p:nvGrpSpPr>
+      <p:grpSpPr>
+        <a:xfrm>
+          <a:off x="0" y="0"/>
+          <a:ext cx="0" cy="0"/>
+          <a:chOff x="0" y="0"/>
+          <a:chExt cx="0" cy="0"/>
+        </a:xfrm>
+      </p:grpSpPr>
+      <p:sp>
+        <p:nvSpPr>
+          <p:cNvPr id="2" name="Title 1">
+            <a:extLst>
+              <a:ext uri="{FF2B5EF4-FFF2-40B4-BE49-F238E27FC236}">
+                <a16:creationId xmlns:a16="http://schemas.microsoft.com/office/drawing/2014/main" id="{739097F9-5DDD-1E2C-3496-FBCFCE0C9377}"/>
+              </a:ext>
+            </a:extLst>
+          </p:cNvPr>
+          <p:cNvSpPr>
+            <a:spLocks noGrp="1"/>
+          </p:cNvSpPr>
+          <p:nvPr>
+            <p:ph type="title"/>
+          </p:nvPr>
+        </p:nvSpPr>
+        <p:spPr/>
+        <p:txBody>
+          <a:bodyPr/>
+          <a:lstStyle/>
+          <a:p>
+            <a:r>
+              <a:rPr lang="en-US" dirty="0"/>
+              <a:t>Conclusion</a:t>
+            </a:r>
+          </a:p>
+        </p:txBody>
+      </p:sp>
+      <p:sp>
+        <p:nvSpPr>
+          <p:cNvPr id="3" name="Content Placeholder 2">
+            <a:extLst>
+              <a:ext uri="{FF2B5EF4-FFF2-40B4-BE49-F238E27FC236}">
+                <a16:creationId xmlns:a16="http://schemas.microsoft.com/office/drawing/2014/main" id="{4DD7C0E4-5025-DA73-4951-80E14448DDF0}"/>
+              </a:ext>
+            </a:extLst>
+          </p:cNvPr>
+          <p:cNvSpPr>
+            <a:spLocks noGrp="1"/>
+          </p:cNvSpPr>
+          <p:nvPr>
+            <p:ph idx="1"/>
+          </p:nvPr>
+        </p:nvSpPr>
+        <p:spPr>
+          <a:xfrm>
+            <a:off x="1066800" y="2817530"/>
+            <a:ext cx="10058400" cy="1222940"/>
+          </a:xfrm>
+        </p:spPr>
+        <p:txBody>
+          <a:bodyPr>
+            <a:normAutofit lnSpcReduction="10000"/>
+          </a:bodyPr>
+          <a:lstStyle/>
+          <a:p>
+            <a:pPr marL="0" indent="0" algn="ctr">
+              <a:buNone/>
+            </a:pPr>
+            <a:r>
+              <a:rPr lang="en-US" sz="2800" dirty="0"/>
+              <a:t>We now have a unified and fully homogenized NBA game analytics data warehouse covering the seasons from 2003 to 2022.</a:t>
+            </a:r>
+          </a:p>
+        </p:txBody>
+      </p:sp>
+      <p:sp>
+        <p:nvSpPr>
+          <p:cNvPr id="4" name="Slide Number Placeholder 3">
+            <a:extLst>
+              <a:ext uri="{FF2B5EF4-FFF2-40B4-BE49-F238E27FC236}">
+                <a16:creationId xmlns:a16="http://schemas.microsoft.com/office/drawing/2014/main" id="{D77CACD3-6EBC-48D8-1C72-8532F285911A}"/>
+              </a:ext>
+            </a:extLst>
+          </p:cNvPr>
+          <p:cNvSpPr>
+            <a:spLocks noGrp="1"/>
+          </p:cNvSpPr>
+          <p:nvPr>
+            <p:ph type="sldNum" sz="quarter" idx="12"/>
+          </p:nvPr>
+        </p:nvSpPr>
+        <p:spPr/>
+        <p:txBody>
+          <a:bodyPr/>
+          <a:lstStyle/>
+          <a:p>
+            <a:fld id="{A9BE3F49-EAFF-40F7-B956-2B48D3C53978}" type="slidenum">
+              <a:rPr lang="en-US" smtClean="0"/>
+              <a:t>29</a:t>
+            </a:fld>
+            <a:endParaRPr lang="en-US"/>
+          </a:p>
+        </p:txBody>
+      </p:sp>
+    </p:spTree>
+    <p:extLst>
+      <p:ext uri="{BB962C8B-B14F-4D97-AF65-F5344CB8AC3E}">
+        <p14:creationId xmlns:p14="http://schemas.microsoft.com/office/powerpoint/2010/main" val="2845032865"/>
       </p:ext>
     </p:extLst>
   </p:cSld>
@@ -9253,32 +10662,26 @@
             </a:pPr>
             <a:r>
               <a:rPr lang="en-US" dirty="0"/>
-              <a:t>Use of Data warehouse:</a:t>
+              <a:t>Use of Data Warehouse:</a:t>
             </a:r>
           </a:p>
           <a:p>
             <a:r>
               <a:rPr lang="en-US" dirty="0"/>
-              <a:t> Centralized Data Storage</a:t>
+              <a:t> Historical Data Storage</a:t>
             </a:r>
           </a:p>
           <a:p>
             <a:r>
               <a:rPr lang="en-US" dirty="0"/>
-              <a:t> Improved Data Quality &amp; Consistency</a:t>
+              <a:t> Data Consistency</a:t>
             </a:r>
           </a:p>
           <a:p>
             <a:r>
               <a:rPr lang="en-US" dirty="0"/>
-              <a:t> Multidimensional View of Data</a:t>
-            </a:r>
-          </a:p>
-          <a:p>
-            <a:pPr marL="0" indent="0">
-              <a:buNone/>
-            </a:pPr>
-            <a:endParaRPr lang="en-US" dirty="0"/>
+              <a:t> Analytics and Modeling</a:t>
+            </a:r>
           </a:p>
           <a:p>
             <a:pPr>
@@ -9408,7 +10811,7 @@
                 <a:latin typeface="Times New Roman" panose="02020603050405020304" pitchFamily="18" charset="0"/>
                 <a:cs typeface="Times New Roman" panose="02020603050405020304" pitchFamily="18" charset="0"/>
               </a:rPr>
-              <a:t>This project focus on:</a:t>
+              <a:t>This project focuses on:</a:t>
             </a:r>
           </a:p>
           <a:p>
@@ -9418,7 +10821,7 @@
                 <a:latin typeface="Times New Roman" panose="02020603050405020304" pitchFamily="18" charset="0"/>
                 <a:cs typeface="Times New Roman" panose="02020603050405020304" pitchFamily="18" charset="0"/>
               </a:rPr>
-              <a:t>integrating multiple NBA-related datasets into a unified Data Warehouse</a:t>
+              <a:t>Integrating multiple NBA-related datasets into a unified Data Warehouse</a:t>
             </a:r>
           </a:p>
           <a:p>
@@ -9521,6 +10924,903 @@
 </p:sld>
 </file>
 
+<file path=ppt/slides/slide30.xml><?xml version="1.0" encoding="utf-8"?>
+<p:sld xmlns:a="http://schemas.openxmlformats.org/drawingml/2006/main" xmlns:r="http://schemas.openxmlformats.org/officeDocument/2006/relationships" xmlns:p="http://schemas.openxmlformats.org/presentationml/2006/main">
+  <p:cSld>
+    <p:spTree>
+      <p:nvGrpSpPr>
+        <p:cNvPr id="1" name="">
+          <a:extLst>
+            <a:ext uri="{FF2B5EF4-FFF2-40B4-BE49-F238E27FC236}">
+              <a16:creationId xmlns:a16="http://schemas.microsoft.com/office/drawing/2014/main" id="{3A55D1E0-325B-4DCE-1451-70D19F0BD4C0}"/>
+            </a:ext>
+          </a:extLst>
+        </p:cNvPr>
+        <p:cNvGrpSpPr/>
+        <p:nvPr/>
+      </p:nvGrpSpPr>
+      <p:grpSpPr>
+        <a:xfrm>
+          <a:off x="0" y="0"/>
+          <a:ext cx="0" cy="0"/>
+          <a:chOff x="0" y="0"/>
+          <a:chExt cx="0" cy="0"/>
+        </a:xfrm>
+      </p:grpSpPr>
+      <p:sp>
+        <p:nvSpPr>
+          <p:cNvPr id="4" name="Slide Number Placeholder 3">
+            <a:extLst>
+              <a:ext uri="{FF2B5EF4-FFF2-40B4-BE49-F238E27FC236}">
+                <a16:creationId xmlns:a16="http://schemas.microsoft.com/office/drawing/2014/main" id="{87FA0F45-9665-B52B-8EC5-29317F7475B8}"/>
+              </a:ext>
+            </a:extLst>
+          </p:cNvPr>
+          <p:cNvSpPr>
+            <a:spLocks noGrp="1"/>
+          </p:cNvSpPr>
+          <p:nvPr>
+            <p:ph type="sldNum" sz="quarter" idx="12"/>
+          </p:nvPr>
+        </p:nvSpPr>
+        <p:spPr/>
+        <p:txBody>
+          <a:bodyPr/>
+          <a:lstStyle/>
+          <a:p>
+            <a:fld id="{A9BE3F49-EAFF-40F7-B956-2B48D3C53978}" type="slidenum">
+              <a:rPr lang="en-US" smtClean="0"/>
+              <a:t>30</a:t>
+            </a:fld>
+            <a:endParaRPr lang="en-US"/>
+          </a:p>
+        </p:txBody>
+      </p:sp>
+      <p:sp>
+        <p:nvSpPr>
+          <p:cNvPr id="3" name="Content Placeholder 2">
+            <a:extLst>
+              <a:ext uri="{FF2B5EF4-FFF2-40B4-BE49-F238E27FC236}">
+                <a16:creationId xmlns:a16="http://schemas.microsoft.com/office/drawing/2014/main" id="{37B7D9E1-5D1A-D599-129B-BF4BA4FB02F0}"/>
+              </a:ext>
+            </a:extLst>
+          </p:cNvPr>
+          <p:cNvSpPr>
+            <a:spLocks noGrp="1"/>
+          </p:cNvSpPr>
+          <p:nvPr>
+            <p:ph idx="4294967295"/>
+          </p:nvPr>
+        </p:nvSpPr>
+        <p:spPr>
+          <a:xfrm>
+            <a:off x="3171893" y="1417637"/>
+            <a:ext cx="5848213" cy="4022725"/>
+          </a:xfrm>
+        </p:spPr>
+        <p:txBody>
+          <a:bodyPr>
+            <a:normAutofit/>
+          </a:bodyPr>
+          <a:lstStyle/>
+          <a:p>
+            <a:endParaRPr lang="en-US" dirty="0"/>
+          </a:p>
+          <a:p>
+            <a:endParaRPr lang="en-US" dirty="0"/>
+          </a:p>
+        </p:txBody>
+      </p:sp>
+      <p:sp>
+        <p:nvSpPr>
+          <p:cNvPr id="6" name="TextBox 5">
+            <a:extLst>
+              <a:ext uri="{FF2B5EF4-FFF2-40B4-BE49-F238E27FC236}">
+                <a16:creationId xmlns:a16="http://schemas.microsoft.com/office/drawing/2014/main" id="{094AA0CE-CB50-7883-F966-D5698838DE6E}"/>
+              </a:ext>
+            </a:extLst>
+          </p:cNvPr>
+          <p:cNvSpPr txBox="1"/>
+          <p:nvPr/>
+        </p:nvSpPr>
+        <p:spPr>
+          <a:xfrm>
+            <a:off x="3752121" y="2105561"/>
+            <a:ext cx="4687758" cy="1323439"/>
+          </a:xfrm>
+          <a:prstGeom prst="rect">
+            <a:avLst/>
+          </a:prstGeom>
+          <a:noFill/>
+        </p:spPr>
+        <p:txBody>
+          <a:bodyPr wrap="none" rtlCol="0">
+            <a:spAutoFit/>
+          </a:bodyPr>
+          <a:lstStyle/>
+          <a:p>
+            <a:r>
+              <a:rPr lang="en-US" sz="8000" dirty="0">
+                <a:latin typeface="Times New Roman" panose="02020603050405020304" pitchFamily="18" charset="0"/>
+                <a:cs typeface="Times New Roman" panose="02020603050405020304" pitchFamily="18" charset="0"/>
+              </a:rPr>
+              <a:t>Thank You</a:t>
+            </a:r>
+          </a:p>
+        </p:txBody>
+      </p:sp>
+    </p:spTree>
+    <p:extLst>
+      <p:ext uri="{BB962C8B-B14F-4D97-AF65-F5344CB8AC3E}">
+        <p14:creationId xmlns:p14="http://schemas.microsoft.com/office/powerpoint/2010/main" val="3802244345"/>
+      </p:ext>
+    </p:extLst>
+  </p:cSld>
+  <p:clrMapOvr>
+    <a:masterClrMapping/>
+  </p:clrMapOvr>
+</p:sld>
+</file>
+
+<file path=ppt/slides/slide31.xml><?xml version="1.0" encoding="utf-8"?>
+<p:sld xmlns:a="http://schemas.openxmlformats.org/drawingml/2006/main" xmlns:r="http://schemas.openxmlformats.org/officeDocument/2006/relationships" xmlns:p="http://schemas.openxmlformats.org/presentationml/2006/main">
+  <p:cSld>
+    <p:spTree>
+      <p:nvGrpSpPr>
+        <p:cNvPr id="1" name=""/>
+        <p:cNvGrpSpPr/>
+        <p:nvPr/>
+      </p:nvGrpSpPr>
+      <p:grpSpPr>
+        <a:xfrm>
+          <a:off x="0" y="0"/>
+          <a:ext cx="0" cy="0"/>
+          <a:chOff x="0" y="0"/>
+          <a:chExt cx="0" cy="0"/>
+        </a:xfrm>
+      </p:grpSpPr>
+      <p:sp>
+        <p:nvSpPr>
+          <p:cNvPr id="2" name="Title 1">
+            <a:extLst>
+              <a:ext uri="{FF2B5EF4-FFF2-40B4-BE49-F238E27FC236}">
+                <a16:creationId xmlns:a16="http://schemas.microsoft.com/office/drawing/2014/main" id="{6117AEB9-CF15-EA70-9BC1-9144CB5CC476}"/>
+              </a:ext>
+            </a:extLst>
+          </p:cNvPr>
+          <p:cNvSpPr>
+            <a:spLocks noGrp="1"/>
+          </p:cNvSpPr>
+          <p:nvPr>
+            <p:ph type="title"/>
+          </p:nvPr>
+        </p:nvSpPr>
+        <p:spPr/>
+        <p:txBody>
+          <a:bodyPr/>
+          <a:lstStyle/>
+          <a:p>
+            <a:r>
+              <a:rPr lang="en-US" dirty="0"/>
+              <a:t>References</a:t>
+            </a:r>
+          </a:p>
+        </p:txBody>
+      </p:sp>
+      <p:sp>
+        <p:nvSpPr>
+          <p:cNvPr id="3" name="Content Placeholder 2">
+            <a:extLst>
+              <a:ext uri="{FF2B5EF4-FFF2-40B4-BE49-F238E27FC236}">
+                <a16:creationId xmlns:a16="http://schemas.microsoft.com/office/drawing/2014/main" id="{D625A857-11A6-2DCA-043A-371210AAFFE2}"/>
+              </a:ext>
+            </a:extLst>
+          </p:cNvPr>
+          <p:cNvSpPr>
+            <a:spLocks noGrp="1"/>
+          </p:cNvSpPr>
+          <p:nvPr>
+            <p:ph idx="1"/>
+          </p:nvPr>
+        </p:nvSpPr>
+        <p:spPr/>
+        <p:txBody>
+          <a:bodyPr>
+            <a:normAutofit/>
+          </a:bodyPr>
+          <a:lstStyle/>
+          <a:p>
+            <a:r>
+              <a:rPr lang="en-US" dirty="0">
+                <a:hlinkClick r:id="rId2"/>
+              </a:rPr>
+              <a:t>https://www.researchgate.net/publication/237622501_Chapter_I_Conceptual_Modeling_Solutions_for_the_Data_Warehouse</a:t>
+            </a:r>
+            <a:r>
+              <a:rPr lang="en-US" dirty="0"/>
+              <a:t> </a:t>
+            </a:r>
+            <a:r>
+              <a:rPr lang="en-US" b="0" i="0" dirty="0">
+                <a:solidFill>
+                  <a:srgbClr val="555555"/>
+                </a:solidFill>
+                <a:effectLst/>
+                <a:latin typeface="Roboto" panose="02000000000000000000" pitchFamily="2" charset="0"/>
+              </a:rPr>
+              <a:t>DOI:</a:t>
+            </a:r>
+            <a:r>
+              <a:rPr lang="en-US" b="0" i="0" u="sng" dirty="0">
+                <a:effectLst/>
+                <a:latin typeface="Roboto" panose="02000000000000000000" pitchFamily="2" charset="0"/>
+                <a:hlinkClick r:id="rId3"/>
+              </a:rPr>
+              <a:t>10.4018/978-1-60566-232-9.ch002</a:t>
+            </a:r>
+            <a:endParaRPr lang="en-US" dirty="0"/>
+          </a:p>
+          <a:p>
+            <a:r>
+              <a:rPr lang="en-US" dirty="0">
+                <a:hlinkClick r:id="rId4"/>
+              </a:rPr>
+              <a:t>https://www.kaggle.com/datasets/nathanlauga/nba-games?resource=download&amp;select=games.csv</a:t>
+            </a:r>
+            <a:endParaRPr lang="en-US" dirty="0"/>
+          </a:p>
+          <a:p>
+            <a:r>
+              <a:rPr lang="en-US" dirty="0">
+                <a:hlinkClick r:id="rId5"/>
+              </a:rPr>
+              <a:t>https://www.kaggle.com/datasets/justinas/nba-players-data</a:t>
+            </a:r>
+            <a:endParaRPr lang="en-US" dirty="0"/>
+          </a:p>
+          <a:p>
+            <a:endParaRPr lang="en-US" dirty="0"/>
+          </a:p>
+          <a:p>
+            <a:endParaRPr lang="en-US" dirty="0"/>
+          </a:p>
+        </p:txBody>
+      </p:sp>
+      <p:sp>
+        <p:nvSpPr>
+          <p:cNvPr id="4" name="Slide Number Placeholder 3">
+            <a:extLst>
+              <a:ext uri="{FF2B5EF4-FFF2-40B4-BE49-F238E27FC236}">
+                <a16:creationId xmlns:a16="http://schemas.microsoft.com/office/drawing/2014/main" id="{ABF49566-1D05-53DC-F576-42B15DF17FA4}"/>
+              </a:ext>
+            </a:extLst>
+          </p:cNvPr>
+          <p:cNvSpPr>
+            <a:spLocks noGrp="1"/>
+          </p:cNvSpPr>
+          <p:nvPr>
+            <p:ph type="sldNum" sz="quarter" idx="12"/>
+          </p:nvPr>
+        </p:nvSpPr>
+        <p:spPr/>
+        <p:txBody>
+          <a:bodyPr/>
+          <a:lstStyle/>
+          <a:p>
+            <a:fld id="{A9BE3F49-EAFF-40F7-B956-2B48D3C53978}" type="slidenum">
+              <a:rPr lang="en-US" smtClean="0"/>
+              <a:t>31</a:t>
+            </a:fld>
+            <a:endParaRPr lang="en-US"/>
+          </a:p>
+        </p:txBody>
+      </p:sp>
+    </p:spTree>
+    <p:extLst>
+      <p:ext uri="{BB962C8B-B14F-4D97-AF65-F5344CB8AC3E}">
+        <p14:creationId xmlns:p14="http://schemas.microsoft.com/office/powerpoint/2010/main" val="250651862"/>
+      </p:ext>
+    </p:extLst>
+  </p:cSld>
+  <p:clrMapOvr>
+    <a:masterClrMapping/>
+  </p:clrMapOvr>
+</p:sld>
+</file>
+
+<file path=ppt/slides/slide32.xml><?xml version="1.0" encoding="utf-8"?>
+<p:sld xmlns:a="http://schemas.openxmlformats.org/drawingml/2006/main" xmlns:r="http://schemas.openxmlformats.org/officeDocument/2006/relationships" xmlns:p="http://schemas.openxmlformats.org/presentationml/2006/main">
+  <p:cSld>
+    <p:spTree>
+      <p:nvGrpSpPr>
+        <p:cNvPr id="1" name="">
+          <a:extLst>
+            <a:ext uri="{FF2B5EF4-FFF2-40B4-BE49-F238E27FC236}">
+              <a16:creationId xmlns:a16="http://schemas.microsoft.com/office/drawing/2014/main" id="{E5ECF9CD-4EB1-19B2-497A-45130B9343CF}"/>
+            </a:ext>
+          </a:extLst>
+        </p:cNvPr>
+        <p:cNvGrpSpPr/>
+        <p:nvPr/>
+      </p:nvGrpSpPr>
+      <p:grpSpPr>
+        <a:xfrm>
+          <a:off x="0" y="0"/>
+          <a:ext cx="0" cy="0"/>
+          <a:chOff x="0" y="0"/>
+          <a:chExt cx="0" cy="0"/>
+        </a:xfrm>
+      </p:grpSpPr>
+      <p:sp>
+        <p:nvSpPr>
+          <p:cNvPr id="2" name="Title 1">
+            <a:extLst>
+              <a:ext uri="{FF2B5EF4-FFF2-40B4-BE49-F238E27FC236}">
+                <a16:creationId xmlns:a16="http://schemas.microsoft.com/office/drawing/2014/main" id="{87E5E1F6-9E8D-9A03-8DA7-74B83B430446}"/>
+              </a:ext>
+            </a:extLst>
+          </p:cNvPr>
+          <p:cNvSpPr>
+            <a:spLocks noGrp="1"/>
+          </p:cNvSpPr>
+          <p:nvPr>
+            <p:ph type="title"/>
+          </p:nvPr>
+        </p:nvSpPr>
+        <p:spPr/>
+        <p:txBody>
+          <a:bodyPr/>
+          <a:lstStyle/>
+          <a:p>
+            <a:r>
+              <a:rPr lang="en-US" dirty="0"/>
+              <a:t>Appendix</a:t>
+            </a:r>
+          </a:p>
+        </p:txBody>
+      </p:sp>
+      <p:sp>
+        <p:nvSpPr>
+          <p:cNvPr id="3" name="Content Placeholder 2">
+            <a:extLst>
+              <a:ext uri="{FF2B5EF4-FFF2-40B4-BE49-F238E27FC236}">
+                <a16:creationId xmlns:a16="http://schemas.microsoft.com/office/drawing/2014/main" id="{697FC817-8886-9646-C3B4-B6865E8C0715}"/>
+              </a:ext>
+            </a:extLst>
+          </p:cNvPr>
+          <p:cNvSpPr>
+            <a:spLocks noGrp="1"/>
+          </p:cNvSpPr>
+          <p:nvPr>
+            <p:ph idx="1"/>
+          </p:nvPr>
+        </p:nvSpPr>
+        <p:spPr/>
+        <p:txBody>
+          <a:bodyPr>
+            <a:normAutofit/>
+          </a:bodyPr>
+          <a:lstStyle/>
+          <a:p>
+            <a:endParaRPr lang="en-US" dirty="0"/>
+          </a:p>
+          <a:p>
+            <a:endParaRPr lang="en-US" dirty="0"/>
+          </a:p>
+        </p:txBody>
+      </p:sp>
+      <p:sp>
+        <p:nvSpPr>
+          <p:cNvPr id="4" name="Slide Number Placeholder 3">
+            <a:extLst>
+              <a:ext uri="{FF2B5EF4-FFF2-40B4-BE49-F238E27FC236}">
+                <a16:creationId xmlns:a16="http://schemas.microsoft.com/office/drawing/2014/main" id="{63775CCB-3C7E-6B40-B3EB-C7B57206B7CB}"/>
+              </a:ext>
+            </a:extLst>
+          </p:cNvPr>
+          <p:cNvSpPr>
+            <a:spLocks noGrp="1"/>
+          </p:cNvSpPr>
+          <p:nvPr>
+            <p:ph type="sldNum" sz="quarter" idx="12"/>
+          </p:nvPr>
+        </p:nvSpPr>
+        <p:spPr/>
+        <p:txBody>
+          <a:bodyPr/>
+          <a:lstStyle/>
+          <a:p>
+            <a:fld id="{A9BE3F49-EAFF-40F7-B956-2B48D3C53978}" type="slidenum">
+              <a:rPr lang="en-US" smtClean="0"/>
+              <a:t>32</a:t>
+            </a:fld>
+            <a:endParaRPr lang="en-US"/>
+          </a:p>
+        </p:txBody>
+      </p:sp>
+      <p:sp>
+        <p:nvSpPr>
+          <p:cNvPr id="5" name="Content Placeholder 2">
+            <a:extLst>
+              <a:ext uri="{FF2B5EF4-FFF2-40B4-BE49-F238E27FC236}">
+                <a16:creationId xmlns:a16="http://schemas.microsoft.com/office/drawing/2014/main" id="{E74CAEBC-BD1B-2483-7A8D-29B526626A2B}"/>
+              </a:ext>
+            </a:extLst>
+          </p:cNvPr>
+          <p:cNvSpPr txBox="1">
+            <a:spLocks/>
+          </p:cNvSpPr>
+          <p:nvPr/>
+        </p:nvSpPr>
+        <p:spPr>
+          <a:xfrm>
+            <a:off x="1097280" y="2026389"/>
+            <a:ext cx="10058400" cy="4023360"/>
+          </a:xfrm>
+          <a:prstGeom prst="rect">
+            <a:avLst/>
+          </a:prstGeom>
+        </p:spPr>
+        <p:txBody>
+          <a:bodyPr vert="horz" lIns="0" tIns="45720" rIns="0" bIns="45720" rtlCol="0">
+            <a:normAutofit/>
+          </a:bodyPr>
+          <a:lstStyle>
+            <a:lvl1pPr marL="91440" indent="-91440" algn="l" defTabSz="914400" rtl="0" eaLnBrk="1" latinLnBrk="0" hangingPunct="1">
+              <a:lnSpc>
+                <a:spcPct val="150000"/>
+              </a:lnSpc>
+              <a:spcBef>
+                <a:spcPts val="1200"/>
+              </a:spcBef>
+              <a:spcAft>
+                <a:spcPts val="200"/>
+              </a:spcAft>
+              <a:buClr>
+                <a:schemeClr val="accent1"/>
+              </a:buClr>
+              <a:buSzPct val="100000"/>
+              <a:buFont typeface="Wingdings" panose="05000000000000000000" pitchFamily="2" charset="2"/>
+              <a:buChar char="q"/>
+              <a:defRPr sz="2400" kern="1200">
+                <a:solidFill>
+                  <a:schemeClr val="tx1">
+                    <a:lumMod val="75000"/>
+                    <a:lumOff val="25000"/>
+                  </a:schemeClr>
+                </a:solidFill>
+                <a:latin typeface="Times New Roman" panose="02020603050405020304" pitchFamily="18" charset="0"/>
+                <a:ea typeface="+mn-ea"/>
+                <a:cs typeface="Times New Roman" panose="02020603050405020304" pitchFamily="18" charset="0"/>
+              </a:defRPr>
+            </a:lvl1pPr>
+            <a:lvl2pPr marL="384048" indent="-182880" algn="l" defTabSz="914400" rtl="0" eaLnBrk="1" latinLnBrk="0" hangingPunct="1">
+              <a:lnSpc>
+                <a:spcPct val="150000"/>
+              </a:lnSpc>
+              <a:spcBef>
+                <a:spcPts val="200"/>
+              </a:spcBef>
+              <a:spcAft>
+                <a:spcPts val="400"/>
+              </a:spcAft>
+              <a:buClr>
+                <a:schemeClr val="accent1"/>
+              </a:buClr>
+              <a:buFont typeface="Wingdings" panose="05000000000000000000" pitchFamily="2" charset="2"/>
+              <a:buChar char="q"/>
+              <a:defRPr sz="2000" kern="1200">
+                <a:solidFill>
+                  <a:schemeClr val="tx1">
+                    <a:lumMod val="75000"/>
+                    <a:lumOff val="25000"/>
+                  </a:schemeClr>
+                </a:solidFill>
+                <a:latin typeface="Times New Roman" panose="02020603050405020304" pitchFamily="18" charset="0"/>
+                <a:ea typeface="+mn-ea"/>
+                <a:cs typeface="Times New Roman" panose="02020603050405020304" pitchFamily="18" charset="0"/>
+              </a:defRPr>
+            </a:lvl2pPr>
+            <a:lvl3pPr marL="566928" indent="-182880" algn="l" defTabSz="914400" rtl="0" eaLnBrk="1" latinLnBrk="0" hangingPunct="1">
+              <a:lnSpc>
+                <a:spcPct val="150000"/>
+              </a:lnSpc>
+              <a:spcBef>
+                <a:spcPts val="200"/>
+              </a:spcBef>
+              <a:spcAft>
+                <a:spcPts val="400"/>
+              </a:spcAft>
+              <a:buClr>
+                <a:schemeClr val="accent1"/>
+              </a:buClr>
+              <a:buFont typeface="Wingdings" panose="05000000000000000000" pitchFamily="2" charset="2"/>
+              <a:buChar char="q"/>
+              <a:defRPr sz="1600" kern="1200">
+                <a:solidFill>
+                  <a:schemeClr val="tx1">
+                    <a:lumMod val="75000"/>
+                    <a:lumOff val="25000"/>
+                  </a:schemeClr>
+                </a:solidFill>
+                <a:latin typeface="Times New Roman" panose="02020603050405020304" pitchFamily="18" charset="0"/>
+                <a:ea typeface="+mn-ea"/>
+                <a:cs typeface="Times New Roman" panose="02020603050405020304" pitchFamily="18" charset="0"/>
+              </a:defRPr>
+            </a:lvl3pPr>
+            <a:lvl4pPr marL="749808" indent="-182880" algn="l" defTabSz="914400" rtl="0" eaLnBrk="1" latinLnBrk="0" hangingPunct="1">
+              <a:lnSpc>
+                <a:spcPct val="150000"/>
+              </a:lnSpc>
+              <a:spcBef>
+                <a:spcPts val="200"/>
+              </a:spcBef>
+              <a:spcAft>
+                <a:spcPts val="400"/>
+              </a:spcAft>
+              <a:buClr>
+                <a:schemeClr val="accent1"/>
+              </a:buClr>
+              <a:buFont typeface="Wingdings" panose="05000000000000000000" pitchFamily="2" charset="2"/>
+              <a:buChar char="q"/>
+              <a:defRPr sz="1600" kern="1200">
+                <a:solidFill>
+                  <a:schemeClr val="tx1">
+                    <a:lumMod val="75000"/>
+                    <a:lumOff val="25000"/>
+                  </a:schemeClr>
+                </a:solidFill>
+                <a:latin typeface="Times New Roman" panose="02020603050405020304" pitchFamily="18" charset="0"/>
+                <a:ea typeface="+mn-ea"/>
+                <a:cs typeface="Times New Roman" panose="02020603050405020304" pitchFamily="18" charset="0"/>
+              </a:defRPr>
+            </a:lvl4pPr>
+            <a:lvl5pPr marL="932688" indent="-182880" algn="l" defTabSz="914400" rtl="0" eaLnBrk="1" latinLnBrk="0" hangingPunct="1">
+              <a:lnSpc>
+                <a:spcPct val="150000"/>
+              </a:lnSpc>
+              <a:spcBef>
+                <a:spcPts val="200"/>
+              </a:spcBef>
+              <a:spcAft>
+                <a:spcPts val="400"/>
+              </a:spcAft>
+              <a:buClr>
+                <a:schemeClr val="accent1"/>
+              </a:buClr>
+              <a:buFont typeface="Wingdings" panose="05000000000000000000" pitchFamily="2" charset="2"/>
+              <a:buChar char="q"/>
+              <a:defRPr sz="1600" kern="1200">
+                <a:solidFill>
+                  <a:schemeClr val="tx1">
+                    <a:lumMod val="75000"/>
+                    <a:lumOff val="25000"/>
+                  </a:schemeClr>
+                </a:solidFill>
+                <a:latin typeface="Times New Roman" panose="02020603050405020304" pitchFamily="18" charset="0"/>
+                <a:ea typeface="+mn-ea"/>
+                <a:cs typeface="Times New Roman" panose="02020603050405020304" pitchFamily="18" charset="0"/>
+              </a:defRPr>
+            </a:lvl5pPr>
+            <a:lvl6pPr marL="1100000" indent="-228600" algn="l" defTabSz="914400" rtl="0" eaLnBrk="1" latinLnBrk="0" hangingPunct="1">
+              <a:lnSpc>
+                <a:spcPct val="90000"/>
+              </a:lnSpc>
+              <a:spcBef>
+                <a:spcPts val="200"/>
+              </a:spcBef>
+              <a:spcAft>
+                <a:spcPts val="400"/>
+              </a:spcAft>
+              <a:buClr>
+                <a:schemeClr val="accent1"/>
+              </a:buClr>
+              <a:buFont typeface="Calibri" pitchFamily="34" charset="0"/>
+              <a:buChar char="◦"/>
+              <a:defRPr sz="1400" kern="1200">
+                <a:solidFill>
+                  <a:schemeClr val="tx1">
+                    <a:lumMod val="75000"/>
+                    <a:lumOff val="25000"/>
+                  </a:schemeClr>
+                </a:solidFill>
+                <a:latin typeface="+mn-lt"/>
+                <a:ea typeface="+mn-ea"/>
+                <a:cs typeface="+mn-cs"/>
+              </a:defRPr>
+            </a:lvl6pPr>
+            <a:lvl7pPr marL="1300000" indent="-228600" algn="l" defTabSz="914400" rtl="0" eaLnBrk="1" latinLnBrk="0" hangingPunct="1">
+              <a:lnSpc>
+                <a:spcPct val="90000"/>
+              </a:lnSpc>
+              <a:spcBef>
+                <a:spcPts val="200"/>
+              </a:spcBef>
+              <a:spcAft>
+                <a:spcPts val="400"/>
+              </a:spcAft>
+              <a:buClr>
+                <a:schemeClr val="accent1"/>
+              </a:buClr>
+              <a:buFont typeface="Calibri" pitchFamily="34" charset="0"/>
+              <a:buChar char="◦"/>
+              <a:defRPr sz="1400" kern="1200">
+                <a:solidFill>
+                  <a:schemeClr val="tx1">
+                    <a:lumMod val="75000"/>
+                    <a:lumOff val="25000"/>
+                  </a:schemeClr>
+                </a:solidFill>
+                <a:latin typeface="+mn-lt"/>
+                <a:ea typeface="+mn-ea"/>
+                <a:cs typeface="+mn-cs"/>
+              </a:defRPr>
+            </a:lvl7pPr>
+            <a:lvl8pPr marL="1500000" indent="-228600" algn="l" defTabSz="914400" rtl="0" eaLnBrk="1" latinLnBrk="0" hangingPunct="1">
+              <a:lnSpc>
+                <a:spcPct val="90000"/>
+              </a:lnSpc>
+              <a:spcBef>
+                <a:spcPts val="200"/>
+              </a:spcBef>
+              <a:spcAft>
+                <a:spcPts val="400"/>
+              </a:spcAft>
+              <a:buClr>
+                <a:schemeClr val="accent1"/>
+              </a:buClr>
+              <a:buFont typeface="Calibri" pitchFamily="34" charset="0"/>
+              <a:buChar char="◦"/>
+              <a:defRPr sz="1400" kern="1200">
+                <a:solidFill>
+                  <a:schemeClr val="tx1">
+                    <a:lumMod val="75000"/>
+                    <a:lumOff val="25000"/>
+                  </a:schemeClr>
+                </a:solidFill>
+                <a:latin typeface="+mn-lt"/>
+                <a:ea typeface="+mn-ea"/>
+                <a:cs typeface="+mn-cs"/>
+              </a:defRPr>
+            </a:lvl8pPr>
+            <a:lvl9pPr marL="1700000" indent="-228600" algn="l" defTabSz="914400" rtl="0" eaLnBrk="1" latinLnBrk="0" hangingPunct="1">
+              <a:lnSpc>
+                <a:spcPct val="90000"/>
+              </a:lnSpc>
+              <a:spcBef>
+                <a:spcPts val="200"/>
+              </a:spcBef>
+              <a:spcAft>
+                <a:spcPts val="400"/>
+              </a:spcAft>
+              <a:buClr>
+                <a:schemeClr val="accent1"/>
+              </a:buClr>
+              <a:buFont typeface="Calibri" pitchFamily="34" charset="0"/>
+              <a:buChar char="◦"/>
+              <a:defRPr sz="1400" kern="1200">
+                <a:solidFill>
+                  <a:schemeClr val="tx1">
+                    <a:lumMod val="75000"/>
+                    <a:lumOff val="25000"/>
+                  </a:schemeClr>
+                </a:solidFill>
+                <a:latin typeface="+mn-lt"/>
+                <a:ea typeface="+mn-ea"/>
+                <a:cs typeface="+mn-cs"/>
+              </a:defRPr>
+            </a:lvl9pPr>
+          </a:lstStyle>
+          <a:p>
+            <a:r>
+              <a:rPr lang="en-US" dirty="0"/>
+              <a:t> </a:t>
+            </a:r>
+            <a:r>
+              <a:rPr lang="en-US" dirty="0" err="1"/>
+              <a:t>Github</a:t>
+            </a:r>
+            <a:r>
+              <a:rPr lang="en-US" dirty="0"/>
+              <a:t> Project Link</a:t>
+            </a:r>
+          </a:p>
+          <a:p>
+            <a:pPr marL="0" indent="0">
+              <a:buNone/>
+            </a:pPr>
+            <a:r>
+              <a:rPr lang="en-US" dirty="0"/>
+              <a:t> </a:t>
+            </a:r>
+            <a:r>
+              <a:rPr lang="en-US" dirty="0">
+                <a:hlinkClick r:id="rId2"/>
+              </a:rPr>
+              <a:t>https://github.com/najeh-halawani/NBA-Data-Warehouse</a:t>
+            </a:r>
+            <a:endParaRPr lang="en-US" dirty="0"/>
+          </a:p>
+          <a:p>
+            <a:pPr marL="0" indent="0">
+              <a:buNone/>
+            </a:pPr>
+            <a:endParaRPr lang="en-US" dirty="0"/>
+          </a:p>
+          <a:p>
+            <a:endParaRPr lang="en-US" dirty="0"/>
+          </a:p>
+        </p:txBody>
+      </p:sp>
+    </p:spTree>
+    <p:extLst>
+      <p:ext uri="{BB962C8B-B14F-4D97-AF65-F5344CB8AC3E}">
+        <p14:creationId xmlns:p14="http://schemas.microsoft.com/office/powerpoint/2010/main" val="1215879948"/>
+      </p:ext>
+    </p:extLst>
+  </p:cSld>
+  <p:clrMapOvr>
+    <a:masterClrMapping/>
+  </p:clrMapOvr>
+</p:sld>
+</file>
+
+<file path=ppt/slides/slide33.xml><?xml version="1.0" encoding="utf-8"?>
+<p:sld xmlns:a="http://schemas.openxmlformats.org/drawingml/2006/main" xmlns:r="http://schemas.openxmlformats.org/officeDocument/2006/relationships" xmlns:p="http://schemas.openxmlformats.org/presentationml/2006/main" show="0">
+  <p:cSld>
+    <p:spTree>
+      <p:nvGrpSpPr>
+        <p:cNvPr id="1" name=""/>
+        <p:cNvGrpSpPr/>
+        <p:nvPr/>
+      </p:nvGrpSpPr>
+      <p:grpSpPr>
+        <a:xfrm>
+          <a:off x="0" y="0"/>
+          <a:ext cx="0" cy="0"/>
+          <a:chOff x="0" y="0"/>
+          <a:chExt cx="0" cy="0"/>
+        </a:xfrm>
+      </p:grpSpPr>
+      <p:sp>
+        <p:nvSpPr>
+          <p:cNvPr id="2" name="Title 1">
+            <a:extLst>
+              <a:ext uri="{FF2B5EF4-FFF2-40B4-BE49-F238E27FC236}">
+                <a16:creationId xmlns:a16="http://schemas.microsoft.com/office/drawing/2014/main" id="{26CED1F0-8852-8166-2B9B-290BB4DD7A7A}"/>
+              </a:ext>
+            </a:extLst>
+          </p:cNvPr>
+          <p:cNvSpPr>
+            <a:spLocks noGrp="1"/>
+          </p:cNvSpPr>
+          <p:nvPr>
+            <p:ph type="title"/>
+          </p:nvPr>
+        </p:nvSpPr>
+        <p:spPr/>
+        <p:txBody>
+          <a:bodyPr/>
+          <a:lstStyle/>
+          <a:p>
+            <a:r>
+              <a:rPr lang="en-US" dirty="0"/>
+              <a:t>ER-Model</a:t>
+            </a:r>
+          </a:p>
+        </p:txBody>
+      </p:sp>
+      <p:sp>
+        <p:nvSpPr>
+          <p:cNvPr id="3" name="Content Placeholder 2">
+            <a:extLst>
+              <a:ext uri="{FF2B5EF4-FFF2-40B4-BE49-F238E27FC236}">
+                <a16:creationId xmlns:a16="http://schemas.microsoft.com/office/drawing/2014/main" id="{1FAEEAC5-B5C7-0A76-B5EE-D655072CB6F6}"/>
+              </a:ext>
+            </a:extLst>
+          </p:cNvPr>
+          <p:cNvSpPr>
+            <a:spLocks noGrp="1"/>
+          </p:cNvSpPr>
+          <p:nvPr>
+            <p:ph idx="1"/>
+          </p:nvPr>
+        </p:nvSpPr>
+        <p:spPr/>
+        <p:txBody>
+          <a:bodyPr/>
+          <a:lstStyle/>
+          <a:p>
+            <a:r>
+              <a:rPr lang="en-US" dirty="0"/>
+              <a:t>put</a:t>
+            </a:r>
+          </a:p>
+        </p:txBody>
+      </p:sp>
+      <p:sp>
+        <p:nvSpPr>
+          <p:cNvPr id="6" name="Slide Number Placeholder 5">
+            <a:extLst>
+              <a:ext uri="{FF2B5EF4-FFF2-40B4-BE49-F238E27FC236}">
+                <a16:creationId xmlns:a16="http://schemas.microsoft.com/office/drawing/2014/main" id="{68B162D6-C671-AFC7-D99A-51761C6695C6}"/>
+              </a:ext>
+            </a:extLst>
+          </p:cNvPr>
+          <p:cNvSpPr>
+            <a:spLocks noGrp="1"/>
+          </p:cNvSpPr>
+          <p:nvPr>
+            <p:ph type="sldNum" sz="quarter" idx="12"/>
+          </p:nvPr>
+        </p:nvSpPr>
+        <p:spPr/>
+        <p:txBody>
+          <a:bodyPr/>
+          <a:lstStyle/>
+          <a:p>
+            <a:fld id="{A9BE3F49-EAFF-40F7-B956-2B48D3C53978}" type="slidenum">
+              <a:rPr lang="en-US" smtClean="0"/>
+              <a:t>33</a:t>
+            </a:fld>
+            <a:endParaRPr lang="en-US"/>
+          </a:p>
+        </p:txBody>
+      </p:sp>
+      <p:pic>
+        <p:nvPicPr>
+          <p:cNvPr id="7" name="Picture 6" descr="A diagram of a flowchart&#10;&#10;AI-generated content may be incorrect.">
+            <a:extLst>
+              <a:ext uri="{FF2B5EF4-FFF2-40B4-BE49-F238E27FC236}">
+                <a16:creationId xmlns:a16="http://schemas.microsoft.com/office/drawing/2014/main" id="{6D8C3F21-4928-B543-EBC1-C6068A4E2F00}"/>
+              </a:ext>
+            </a:extLst>
+          </p:cNvPr>
+          <p:cNvPicPr>
+            <a:picLocks noChangeAspect="1"/>
+          </p:cNvPicPr>
+          <p:nvPr/>
+        </p:nvPicPr>
+        <p:blipFill>
+          <a:blip r:embed="rId4">
+            <a:extLst>
+              <a:ext uri="{28A0092B-C50C-407E-A947-70E740481C1C}">
+                <a14:useLocalDpi xmlns:a14="http://schemas.microsoft.com/office/drawing/2010/main" val="0"/>
+              </a:ext>
+            </a:extLst>
+          </a:blip>
+          <a:stretch>
+            <a:fillRect/>
+          </a:stretch>
+        </p:blipFill>
+        <p:spPr>
+          <a:xfrm>
+            <a:off x="0" y="1169186"/>
+            <a:ext cx="12192000" cy="5688814"/>
+          </a:xfrm>
+          <a:prstGeom prst="rect">
+            <a:avLst/>
+          </a:prstGeom>
+        </p:spPr>
+      </p:pic>
+    </p:spTree>
+    <p:extLst>
+      <p:ext uri="{BB962C8B-B14F-4D97-AF65-F5344CB8AC3E}">
+        <p14:creationId xmlns:p14="http://schemas.microsoft.com/office/powerpoint/2010/main" val="2296060625"/>
+      </p:ext>
+    </p:extLst>
+  </p:cSld>
+  <p:clrMapOvr>
+    <a:masterClrMapping/>
+  </p:clrMapOvr>
+  <p:extLst>
+    <p:ext uri="{6950BFC3-D8DA-4A85-94F7-54DA5524770B}">
+      <p188:commentRel xmlns:p188="http://schemas.microsoft.com/office/powerpoint/2018/8/main" r:id="rId3"/>
+    </p:ext>
+  </p:extLst>
+</p:sld>
+</file>
+
 <file path=ppt/slides/slide4.xml><?xml version="1.0" encoding="utf-8"?>
 <p:sld xmlns:a="http://schemas.openxmlformats.org/drawingml/2006/main" xmlns:r="http://schemas.openxmlformats.org/officeDocument/2006/relationships" xmlns:p="http://schemas.openxmlformats.org/presentationml/2006/main">
   <p:cSld>
@@ -9662,7 +11962,7 @@
               <a:rPr lang="en-US" dirty="0">
                 <a:effectLst/>
               </a:rPr>
-              <a:t>ranking of NBA given a day (split into west and east on CONFERENCE column)</a:t>
+              <a:t>ranking of NBA given a day (split into west and east on conference column)</a:t>
             </a:r>
             <a:endParaRPr lang="en-US" dirty="0"/>
           </a:p>
@@ -9698,7 +11998,6 @@
             <a:r>
               <a:rPr lang="en-US" b="0" i="0" dirty="0">
                 <a:effectLst/>
-                <a:latin typeface="Inter"/>
               </a:rPr>
               <a:t>data on each player who has been part of an NBA teams</a:t>
             </a:r>
@@ -9768,97 +12067,12 @@
           <a:chExt cx="0" cy="0"/>
         </a:xfrm>
       </p:grpSpPr>
-      <p:sp>
-        <p:nvSpPr>
-          <p:cNvPr id="2" name="Title 1">
-            <a:extLst>
-              <a:ext uri="{FF2B5EF4-FFF2-40B4-BE49-F238E27FC236}">
-                <a16:creationId xmlns:a16="http://schemas.microsoft.com/office/drawing/2014/main" id="{26CED1F0-8852-8166-2B9B-290BB4DD7A7A}"/>
-              </a:ext>
-            </a:extLst>
-          </p:cNvPr>
-          <p:cNvSpPr>
-            <a:spLocks noGrp="1"/>
-          </p:cNvSpPr>
-          <p:nvPr>
-            <p:ph type="title"/>
-          </p:nvPr>
-        </p:nvSpPr>
-        <p:spPr/>
-        <p:txBody>
-          <a:bodyPr/>
-          <a:lstStyle/>
-          <a:p>
-            <a:r>
-              <a:rPr lang="en-US" dirty="0"/>
-              <a:t>ER-Model</a:t>
-            </a:r>
-          </a:p>
-        </p:txBody>
-      </p:sp>
-      <p:sp>
-        <p:nvSpPr>
-          <p:cNvPr id="3" name="Content Placeholder 2">
-            <a:extLst>
-              <a:ext uri="{FF2B5EF4-FFF2-40B4-BE49-F238E27FC236}">
-                <a16:creationId xmlns:a16="http://schemas.microsoft.com/office/drawing/2014/main" id="{1FAEEAC5-B5C7-0A76-B5EE-D655072CB6F6}"/>
-              </a:ext>
-            </a:extLst>
-          </p:cNvPr>
-          <p:cNvSpPr>
-            <a:spLocks noGrp="1"/>
-          </p:cNvSpPr>
-          <p:nvPr>
-            <p:ph idx="1"/>
-          </p:nvPr>
-        </p:nvSpPr>
-        <p:spPr/>
-        <p:txBody>
-          <a:bodyPr/>
-          <a:lstStyle/>
-          <a:p>
-            <a:r>
-              <a:rPr lang="en-US" dirty="0"/>
-              <a:t>put</a:t>
-            </a:r>
-          </a:p>
-        </p:txBody>
-      </p:sp>
-      <p:sp>
-        <p:nvSpPr>
-          <p:cNvPr id="6" name="Slide Number Placeholder 5">
-            <a:extLst>
-              <a:ext uri="{FF2B5EF4-FFF2-40B4-BE49-F238E27FC236}">
-                <a16:creationId xmlns:a16="http://schemas.microsoft.com/office/drawing/2014/main" id="{68B162D6-C671-AFC7-D99A-51761C6695C6}"/>
-              </a:ext>
-            </a:extLst>
-          </p:cNvPr>
-          <p:cNvSpPr>
-            <a:spLocks noGrp="1"/>
-          </p:cNvSpPr>
-          <p:nvPr>
-            <p:ph type="sldNum" sz="quarter" idx="12"/>
-          </p:nvPr>
-        </p:nvSpPr>
-        <p:spPr/>
-        <p:txBody>
-          <a:bodyPr/>
-          <a:lstStyle/>
-          <a:p>
-            <a:fld id="{A9BE3F49-EAFF-40F7-B956-2B48D3C53978}" type="slidenum">
-              <a:rPr lang="en-US" smtClean="0"/>
-              <a:t>5</a:t>
-            </a:fld>
-            <a:endParaRPr lang="en-US"/>
-          </a:p>
-        </p:txBody>
-      </p:sp>
       <p:pic>
         <p:nvPicPr>
-          <p:cNvPr id="5" name="Picture 4" descr="A diagram of a flowchart&#10;&#10;AI-generated content may be incorrect.">
-            <a:extLst>
-              <a:ext uri="{FF2B5EF4-FFF2-40B4-BE49-F238E27FC236}">
-                <a16:creationId xmlns:a16="http://schemas.microsoft.com/office/drawing/2014/main" id="{D32E90C6-9939-ED90-3A22-F9EA9D90BFC3}"/>
+          <p:cNvPr id="4" name="Picture 3" descr="A diagram of a network&#10;&#10;AI-generated content may be incorrect.">
+            <a:extLst>
+              <a:ext uri="{FF2B5EF4-FFF2-40B4-BE49-F238E27FC236}">
+                <a16:creationId xmlns:a16="http://schemas.microsoft.com/office/drawing/2014/main" id="{255AC259-A99A-4A47-FE04-572EDCA728AB}"/>
               </a:ext>
             </a:extLst>
           </p:cNvPr>
@@ -9868,7 +12082,7 @@
           <p:nvPr/>
         </p:nvPicPr>
         <p:blipFill>
-          <a:blip r:embed="rId4">
+          <a:blip r:embed="rId3">
             <a:extLst>
               <a:ext uri="{28A0092B-C50C-407E-A947-70E740481C1C}">
                 <a14:useLocalDpi xmlns:a14="http://schemas.microsoft.com/office/drawing/2010/main" val="0"/>
@@ -9881,29 +12095,191 @@
         </p:blipFill>
         <p:spPr>
           <a:xfrm>
-            <a:off x="0" y="1337056"/>
-            <a:ext cx="12192000" cy="5358384"/>
+            <a:off x="4410635" y="560832"/>
+            <a:ext cx="7659445" cy="5736336"/>
           </a:xfrm>
           <a:prstGeom prst="rect">
             <a:avLst/>
           </a:prstGeom>
         </p:spPr>
       </p:pic>
+      <p:sp>
+        <p:nvSpPr>
+          <p:cNvPr id="2" name="Title 1">
+            <a:extLst>
+              <a:ext uri="{FF2B5EF4-FFF2-40B4-BE49-F238E27FC236}">
+                <a16:creationId xmlns:a16="http://schemas.microsoft.com/office/drawing/2014/main" id="{E747250F-5F33-09A0-9C21-110EF1582CD6}"/>
+              </a:ext>
+            </a:extLst>
+          </p:cNvPr>
+          <p:cNvSpPr>
+            <a:spLocks noGrp="1"/>
+          </p:cNvSpPr>
+          <p:nvPr>
+            <p:ph type="title"/>
+          </p:nvPr>
+        </p:nvSpPr>
+        <p:spPr/>
+        <p:txBody>
+          <a:bodyPr/>
+          <a:lstStyle/>
+          <a:p>
+            <a:r>
+              <a:rPr lang="en-US" dirty="0"/>
+              <a:t>DFM Model</a:t>
+            </a:r>
+          </a:p>
+        </p:txBody>
+      </p:sp>
+      <p:sp>
+        <p:nvSpPr>
+          <p:cNvPr id="6" name="Slide Number Placeholder 5">
+            <a:extLst>
+              <a:ext uri="{FF2B5EF4-FFF2-40B4-BE49-F238E27FC236}">
+                <a16:creationId xmlns:a16="http://schemas.microsoft.com/office/drawing/2014/main" id="{1343D2EB-F092-05EE-3625-864BF59C878A}"/>
+              </a:ext>
+            </a:extLst>
+          </p:cNvPr>
+          <p:cNvSpPr>
+            <a:spLocks noGrp="1"/>
+          </p:cNvSpPr>
+          <p:nvPr>
+            <p:ph type="sldNum" sz="quarter" idx="12"/>
+          </p:nvPr>
+        </p:nvSpPr>
+        <p:spPr/>
+        <p:txBody>
+          <a:bodyPr/>
+          <a:lstStyle/>
+          <a:p>
+            <a:fld id="{A9BE3F49-EAFF-40F7-B956-2B48D3C53978}" type="slidenum">
+              <a:rPr lang="en-US" smtClean="0"/>
+              <a:t>5</a:t>
+            </a:fld>
+            <a:endParaRPr lang="en-US"/>
+          </a:p>
+        </p:txBody>
+      </p:sp>
+      <p:sp>
+        <p:nvSpPr>
+          <p:cNvPr id="7" name="Espace réservé du contenu 6">
+            <a:extLst>
+              <a:ext uri="{FF2B5EF4-FFF2-40B4-BE49-F238E27FC236}">
+                <a16:creationId xmlns:a16="http://schemas.microsoft.com/office/drawing/2014/main" id="{09E175A8-AF59-4633-8247-69051C0DD676}"/>
+              </a:ext>
+            </a:extLst>
+          </p:cNvPr>
+          <p:cNvSpPr>
+            <a:spLocks noGrp="1"/>
+          </p:cNvSpPr>
+          <p:nvPr>
+            <p:ph idx="1"/>
+          </p:nvPr>
+        </p:nvSpPr>
+        <p:spPr>
+          <a:xfrm>
+            <a:off x="1164380" y="1267968"/>
+            <a:ext cx="9991300" cy="5029200"/>
+          </a:xfrm>
+        </p:spPr>
+        <p:txBody>
+          <a:bodyPr>
+            <a:normAutofit fontScale="92500" lnSpcReduction="10000"/>
+          </a:bodyPr>
+          <a:lstStyle/>
+          <a:p>
+            <a:r>
+              <a:rPr lang="en-US" dirty="0"/>
+              <a:t> Fact : Game</a:t>
+            </a:r>
+          </a:p>
+          <a:p>
+            <a:r>
+              <a:rPr lang="en-US" dirty="0"/>
+              <a:t> Dimensions:</a:t>
+            </a:r>
+          </a:p>
+          <a:p>
+            <a:pPr marL="566928" lvl="3" indent="0">
+              <a:buNone/>
+            </a:pPr>
+            <a:r>
+              <a:rPr lang="en-US" sz="1800" dirty="0"/>
+              <a:t> Home Team</a:t>
+            </a:r>
+          </a:p>
+          <a:p>
+            <a:pPr marL="566928" lvl="3" indent="0">
+              <a:buNone/>
+            </a:pPr>
+            <a:r>
+              <a:rPr lang="en-US" sz="1800" dirty="0"/>
+              <a:t> Away Team</a:t>
+            </a:r>
+          </a:p>
+          <a:p>
+            <a:pPr marL="566928" lvl="3" indent="0">
+              <a:buNone/>
+            </a:pPr>
+            <a:r>
+              <a:rPr lang="en-US" sz="1800" dirty="0"/>
+              <a:t> Date</a:t>
+            </a:r>
+          </a:p>
+          <a:p>
+            <a:pPr marL="566928" lvl="3" indent="0">
+              <a:buNone/>
+            </a:pPr>
+            <a:r>
+              <a:rPr lang="en-US" sz="1800" dirty="0"/>
+              <a:t> Season</a:t>
+            </a:r>
+          </a:p>
+          <a:p>
+            <a:r>
+              <a:rPr lang="en-US" dirty="0"/>
+              <a:t> Cross dimensions:</a:t>
+            </a:r>
+          </a:p>
+          <a:p>
+            <a:pPr marL="566928" lvl="3" indent="0">
+              <a:buNone/>
+            </a:pPr>
+            <a:r>
+              <a:rPr lang="en-US" sz="1800" dirty="0"/>
+              <a:t> Ranking</a:t>
+            </a:r>
+          </a:p>
+          <a:p>
+            <a:pPr marL="566928" lvl="3" indent="0">
+              <a:buNone/>
+            </a:pPr>
+            <a:r>
+              <a:rPr lang="en-US" sz="1800" dirty="0"/>
+              <a:t> Player</a:t>
+            </a:r>
+          </a:p>
+          <a:p>
+            <a:pPr marL="566928" lvl="3" indent="0">
+              <a:buNone/>
+            </a:pPr>
+            <a:r>
+              <a:rPr lang="en-US" sz="1800" dirty="0"/>
+              <a:t> Player Performance</a:t>
+            </a:r>
+          </a:p>
+        </p:txBody>
+      </p:sp>
     </p:spTree>
     <p:extLst>
       <p:ext uri="{BB962C8B-B14F-4D97-AF65-F5344CB8AC3E}">
-        <p14:creationId xmlns:p14="http://schemas.microsoft.com/office/powerpoint/2010/main" val="2296060625"/>
+        <p14:creationId xmlns:p14="http://schemas.microsoft.com/office/powerpoint/2010/main" val="3301810158"/>
       </p:ext>
     </p:extLst>
   </p:cSld>
   <p:clrMapOvr>
     <a:masterClrMapping/>
   </p:clrMapOvr>
-  <p:extLst>
-    <p:ext uri="{6950BFC3-D8DA-4A85-94F7-54DA5524770B}">
-      <p188:commentRel xmlns:p188="http://schemas.microsoft.com/office/powerpoint/2018/8/main" r:id="rId3"/>
-    </p:ext>
-  </p:extLst>
 </p:sld>
 </file>
 
@@ -9924,66 +12300,85 @@
           <a:chExt cx="0" cy="0"/>
         </a:xfrm>
       </p:grpSpPr>
-      <p:pic>
-        <p:nvPicPr>
-          <p:cNvPr id="4" name="Picture 3" descr="A diagram of a network&#10;&#10;AI-generated content may be incorrect.">
-            <a:extLst>
-              <a:ext uri="{FF2B5EF4-FFF2-40B4-BE49-F238E27FC236}">
-                <a16:creationId xmlns:a16="http://schemas.microsoft.com/office/drawing/2014/main" id="{255AC259-A99A-4A47-FE04-572EDCA728AB}"/>
-              </a:ext>
-            </a:extLst>
-          </p:cNvPr>
-          <p:cNvPicPr>
-            <a:picLocks noChangeAspect="1"/>
-          </p:cNvPicPr>
-          <p:nvPr/>
-        </p:nvPicPr>
-        <p:blipFill>
-          <a:blip r:embed="rId3">
-            <a:extLst>
-              <a:ext uri="{28A0092B-C50C-407E-A947-70E740481C1C}">
-                <a14:useLocalDpi xmlns:a14="http://schemas.microsoft.com/office/drawing/2010/main" val="0"/>
-              </a:ext>
-            </a:extLst>
-          </a:blip>
-          <a:stretch>
-            <a:fillRect/>
-          </a:stretch>
-        </p:blipFill>
+      <p:sp>
+        <p:nvSpPr>
+          <p:cNvPr id="2" name="Title 1">
+            <a:extLst>
+              <a:ext uri="{FF2B5EF4-FFF2-40B4-BE49-F238E27FC236}">
+                <a16:creationId xmlns:a16="http://schemas.microsoft.com/office/drawing/2014/main" id="{54A18187-5286-AF84-3EDF-261DE45E9F6C}"/>
+              </a:ext>
+            </a:extLst>
+          </p:cNvPr>
+          <p:cNvSpPr>
+            <a:spLocks noGrp="1"/>
+          </p:cNvSpPr>
+          <p:nvPr>
+            <p:ph type="title"/>
+          </p:nvPr>
+        </p:nvSpPr>
+        <p:spPr/>
+        <p:txBody>
+          <a:bodyPr>
+            <a:normAutofit/>
+          </a:bodyPr>
+          <a:lstStyle/>
+          <a:p>
+            <a:r>
+              <a:rPr lang="en-US" dirty="0"/>
+              <a:t>ETL – Challenged Identified</a:t>
+            </a:r>
+          </a:p>
+        </p:txBody>
+      </p:sp>
+      <p:sp>
+        <p:nvSpPr>
+          <p:cNvPr id="3" name="Content Placeholder 2">
+            <a:extLst>
+              <a:ext uri="{FF2B5EF4-FFF2-40B4-BE49-F238E27FC236}">
+                <a16:creationId xmlns:a16="http://schemas.microsoft.com/office/drawing/2014/main" id="{998582A2-C63E-C4FA-2B2B-B3EB40B36583}"/>
+              </a:ext>
+            </a:extLst>
+          </p:cNvPr>
+          <p:cNvSpPr>
+            <a:spLocks noGrp="1"/>
+          </p:cNvSpPr>
+          <p:nvPr>
+            <p:ph idx="1"/>
+          </p:nvPr>
+        </p:nvSpPr>
         <p:spPr>
           <a:xfrm>
-            <a:off x="4410635" y="560832"/>
-            <a:ext cx="7659445" cy="5736336"/>
-          </a:xfrm>
-          <a:prstGeom prst="rect">
-            <a:avLst/>
-          </a:prstGeom>
-        </p:spPr>
-      </p:pic>
-      <p:sp>
-        <p:nvSpPr>
-          <p:cNvPr id="2" name="Title 1">
-            <a:extLst>
-              <a:ext uri="{FF2B5EF4-FFF2-40B4-BE49-F238E27FC236}">
-                <a16:creationId xmlns:a16="http://schemas.microsoft.com/office/drawing/2014/main" id="{E747250F-5F33-09A0-9C21-110EF1582CD6}"/>
-              </a:ext>
-            </a:extLst>
-          </p:cNvPr>
-          <p:cNvSpPr>
-            <a:spLocks noGrp="1"/>
-          </p:cNvSpPr>
-          <p:nvPr>
-            <p:ph type="title"/>
-          </p:nvPr>
-        </p:nvSpPr>
-        <p:spPr/>
-        <p:txBody>
-          <a:bodyPr/>
+            <a:off x="1097280" y="2312426"/>
+            <a:ext cx="10515600" cy="1963545"/>
+          </a:xfrm>
+        </p:spPr>
+        <p:txBody>
+          <a:bodyPr numCol="2">
+            <a:noAutofit/>
+          </a:bodyPr>
           <a:lstStyle/>
           <a:p>
             <a:r>
               <a:rPr lang="en-US" dirty="0"/>
-              <a:t>DFM Model</a:t>
+              <a:t> Data inconsistencies</a:t>
+            </a:r>
+          </a:p>
+          <a:p>
+            <a:r>
+              <a:rPr lang="en-US" dirty="0"/>
+              <a:t> Missing values</a:t>
+            </a:r>
+          </a:p>
+          <a:p>
+            <a:r>
+              <a:rPr lang="en-US" dirty="0"/>
+              <a:t> Variations in naming conventions</a:t>
+            </a:r>
+          </a:p>
+          <a:p>
+            <a:r>
+              <a:rPr lang="en-US" dirty="0"/>
+              <a:t> Sheets without unique IDs</a:t>
             </a:r>
           </a:p>
         </p:txBody>
@@ -9993,7 +12388,7 @@
           <p:cNvPr id="6" name="Slide Number Placeholder 5">
             <a:extLst>
               <a:ext uri="{FF2B5EF4-FFF2-40B4-BE49-F238E27FC236}">
-                <a16:creationId xmlns:a16="http://schemas.microsoft.com/office/drawing/2014/main" id="{1343D2EB-F092-05EE-3625-864BF59C878A}"/>
+                <a16:creationId xmlns:a16="http://schemas.microsoft.com/office/drawing/2014/main" id="{3991A167-0FFA-1248-E2BC-87A13F8D7180}"/>
               </a:ext>
             </a:extLst>
           </p:cNvPr>
@@ -10017,130 +12412,10 @@
           </a:p>
         </p:txBody>
       </p:sp>
-      <p:sp>
-        <p:nvSpPr>
-          <p:cNvPr id="7" name="Espace réservé du contenu 6">
-            <a:extLst>
-              <a:ext uri="{FF2B5EF4-FFF2-40B4-BE49-F238E27FC236}">
-                <a16:creationId xmlns:a16="http://schemas.microsoft.com/office/drawing/2014/main" id="{09E175A8-AF59-4633-8247-69051C0DD676}"/>
-              </a:ext>
-            </a:extLst>
-          </p:cNvPr>
-          <p:cNvSpPr>
-            <a:spLocks noGrp="1"/>
-          </p:cNvSpPr>
-          <p:nvPr>
-            <p:ph idx="1"/>
-          </p:nvPr>
-        </p:nvSpPr>
-        <p:spPr>
-          <a:xfrm>
-            <a:off x="599440" y="1267968"/>
-            <a:ext cx="10556240" cy="5029200"/>
-          </a:xfrm>
-        </p:spPr>
-        <p:txBody>
-          <a:bodyPr>
-            <a:normAutofit fontScale="92500" lnSpcReduction="10000"/>
-          </a:bodyPr>
-          <a:lstStyle/>
-          <a:p>
-            <a:r>
-              <a:rPr lang="en-US" dirty="0"/>
-              <a:t> Fact : Games</a:t>
-            </a:r>
-          </a:p>
-          <a:p>
-            <a:r>
-              <a:rPr lang="en-US" dirty="0"/>
-              <a:t> Dimensions:</a:t>
-            </a:r>
-          </a:p>
-          <a:p>
-            <a:pPr marL="566928" lvl="3" indent="0">
-              <a:buNone/>
-            </a:pPr>
-            <a:r>
-              <a:rPr lang="en-US" sz="1800" dirty="0"/>
-              <a:t> </a:t>
-            </a:r>
-            <a:r>
-              <a:rPr lang="en-US" sz="1800" dirty="0" err="1"/>
-              <a:t>Home_Team</a:t>
-            </a:r>
-            <a:endParaRPr lang="en-US" sz="1800" dirty="0"/>
-          </a:p>
-          <a:p>
-            <a:pPr marL="566928" lvl="3" indent="0">
-              <a:buNone/>
-            </a:pPr>
-            <a:r>
-              <a:rPr lang="en-US" sz="1800" dirty="0"/>
-              <a:t> </a:t>
-            </a:r>
-            <a:r>
-              <a:rPr lang="en-US" sz="1800" dirty="0" err="1"/>
-              <a:t>Away_Team</a:t>
-            </a:r>
-            <a:endParaRPr lang="en-US" sz="1800" dirty="0"/>
-          </a:p>
-          <a:p>
-            <a:pPr marL="566928" lvl="3" indent="0">
-              <a:buNone/>
-            </a:pPr>
-            <a:r>
-              <a:rPr lang="en-US" sz="1800" dirty="0"/>
-              <a:t> Date</a:t>
-            </a:r>
-          </a:p>
-          <a:p>
-            <a:pPr marL="566928" lvl="3" indent="0">
-              <a:buNone/>
-            </a:pPr>
-            <a:r>
-              <a:rPr lang="en-US" sz="1800" dirty="0"/>
-              <a:t> Season</a:t>
-            </a:r>
-          </a:p>
-          <a:p>
-            <a:pPr marL="566928" lvl="3" indent="0">
-              <a:buNone/>
-            </a:pPr>
-            <a:r>
-              <a:rPr lang="en-US" sz="1800" dirty="0"/>
-              <a:t> player_ performance</a:t>
-            </a:r>
-          </a:p>
-          <a:p>
-            <a:r>
-              <a:rPr lang="en-US" dirty="0"/>
-              <a:t> Cross dimension Attributes:</a:t>
-            </a:r>
-          </a:p>
-          <a:p>
-            <a:pPr marL="566928" lvl="3" indent="0">
-              <a:buNone/>
-            </a:pPr>
-            <a:r>
-              <a:rPr lang="en-US" sz="1800" dirty="0"/>
-              <a:t> Ranking</a:t>
-            </a:r>
-          </a:p>
-          <a:p>
-            <a:pPr marL="566928" lvl="3" indent="0">
-              <a:buNone/>
-            </a:pPr>
-            <a:r>
-              <a:rPr lang="en-US" sz="1800" dirty="0"/>
-              <a:t> Player</a:t>
-            </a:r>
-          </a:p>
-        </p:txBody>
-      </p:sp>
     </p:spTree>
     <p:extLst>
       <p:ext uri="{BB962C8B-B14F-4D97-AF65-F5344CB8AC3E}">
-        <p14:creationId xmlns:p14="http://schemas.microsoft.com/office/powerpoint/2010/main" val="3301810158"/>
+        <p14:creationId xmlns:p14="http://schemas.microsoft.com/office/powerpoint/2010/main" val="4280022756"/>
       </p:ext>
     </p:extLst>
   </p:cSld>
@@ -10155,7 +12430,13 @@
   <p:cSld>
     <p:spTree>
       <p:nvGrpSpPr>
-        <p:cNvPr id="1" name=""/>
+        <p:cNvPr id="1" name="">
+          <a:extLst>
+            <a:ext uri="{FF2B5EF4-FFF2-40B4-BE49-F238E27FC236}">
+              <a16:creationId xmlns:a16="http://schemas.microsoft.com/office/drawing/2014/main" id="{7F08852F-7F3E-B038-8D8F-5F38AA46AABC}"/>
+            </a:ext>
+          </a:extLst>
+        </p:cNvPr>
         <p:cNvGrpSpPr/>
         <p:nvPr/>
       </p:nvGrpSpPr>
@@ -10172,7 +12453,7 @@
           <p:cNvPr id="2" name="Title 1">
             <a:extLst>
               <a:ext uri="{FF2B5EF4-FFF2-40B4-BE49-F238E27FC236}">
-                <a16:creationId xmlns:a16="http://schemas.microsoft.com/office/drawing/2014/main" id="{54A18187-5286-AF84-3EDF-261DE45E9F6C}"/>
+                <a16:creationId xmlns:a16="http://schemas.microsoft.com/office/drawing/2014/main" id="{408841D3-23B6-62C1-CB00-1309E02C5849}"/>
               </a:ext>
             </a:extLst>
           </p:cNvPr>
@@ -10185,13 +12466,29 @@
         </p:nvSpPr>
         <p:spPr/>
         <p:txBody>
-          <a:bodyPr/>
+          <a:bodyPr>
+            <a:normAutofit/>
+          </a:bodyPr>
           <a:lstStyle/>
           <a:p>
             <a:r>
               <a:rPr lang="en-US" dirty="0"/>
-              <a:t>ETL</a:t>
-            </a:r>
+              <a:t>ETL – </a:t>
+            </a:r>
+            <a:r>
+              <a:rPr lang="en-US" sz="4800" dirty="0">
+                <a:solidFill>
+                  <a:schemeClr val="tx1">
+                    <a:lumMod val="75000"/>
+                    <a:lumOff val="25000"/>
+                  </a:schemeClr>
+                </a:solidFill>
+                <a:latin typeface="Times New Roman" panose="02020603050405020304" pitchFamily="18" charset="0"/>
+                <a:cs typeface="Times New Roman" panose="02020603050405020304" pitchFamily="18" charset="0"/>
+              </a:rPr>
+              <a:t>Our Approach</a:t>
+            </a:r>
+            <a:endParaRPr lang="en-US" dirty="0"/>
           </a:p>
         </p:txBody>
       </p:sp>
@@ -10200,7 +12497,7 @@
           <p:cNvPr id="3" name="Content Placeholder 2">
             <a:extLst>
               <a:ext uri="{FF2B5EF4-FFF2-40B4-BE49-F238E27FC236}">
-                <a16:creationId xmlns:a16="http://schemas.microsoft.com/office/drawing/2014/main" id="{998582A2-C63E-C4FA-2B2B-B3EB40B36583}"/>
+                <a16:creationId xmlns:a16="http://schemas.microsoft.com/office/drawing/2014/main" id="{5260B47B-33A7-B9A8-10B5-41FB46517288}"/>
               </a:ext>
             </a:extLst>
           </p:cNvPr>
@@ -10213,17 +12510,37 @@
         </p:nvSpPr>
         <p:spPr>
           <a:xfrm>
-            <a:off x="838200" y="1825625"/>
-            <a:ext cx="10515600" cy="1325563"/>
-          </a:xfrm>
-        </p:spPr>
-        <p:txBody>
-          <a:bodyPr/>
+            <a:off x="1097280" y="2312426"/>
+            <a:ext cx="10515600" cy="1963545"/>
+          </a:xfrm>
+        </p:spPr>
+        <p:txBody>
+          <a:bodyPr numCol="2">
+            <a:noAutofit/>
+          </a:bodyPr>
           <a:lstStyle/>
           <a:p>
             <a:r>
               <a:rPr lang="en-US" dirty="0"/>
-              <a:t> Extract : Read data from CSV files</a:t>
+              <a:t> Remove Duplicates</a:t>
+            </a:r>
+          </a:p>
+          <a:p>
+            <a:r>
+              <a:rPr lang="en-US" dirty="0"/>
+              <a:t> Fill Missing Values</a:t>
+            </a:r>
+          </a:p>
+          <a:p>
+            <a:r>
+              <a:rPr lang="en-US" dirty="0"/>
+              <a:t> Map Values to IDs</a:t>
+            </a:r>
+          </a:p>
+          <a:p>
+            <a:r>
+              <a:rPr lang="en-US" dirty="0"/>
+              <a:t> Reference Mapping Across Sheets</a:t>
             </a:r>
           </a:p>
         </p:txBody>
@@ -10233,7 +12550,7 @@
           <p:cNvPr id="6" name="Slide Number Placeholder 5">
             <a:extLst>
               <a:ext uri="{FF2B5EF4-FFF2-40B4-BE49-F238E27FC236}">
-                <a16:creationId xmlns:a16="http://schemas.microsoft.com/office/drawing/2014/main" id="{3991A167-0FFA-1248-E2BC-87A13F8D7180}"/>
+                <a16:creationId xmlns:a16="http://schemas.microsoft.com/office/drawing/2014/main" id="{53C0D148-8C72-E052-0203-AAF308D2CB2B}"/>
               </a:ext>
             </a:extLst>
           </p:cNvPr>
@@ -10257,40 +12574,10 @@
           </a:p>
         </p:txBody>
       </p:sp>
-      <p:pic>
-        <p:nvPicPr>
-          <p:cNvPr id="5" name="Picture 4">
-            <a:extLst>
-              <a:ext uri="{FF2B5EF4-FFF2-40B4-BE49-F238E27FC236}">
-                <a16:creationId xmlns:a16="http://schemas.microsoft.com/office/drawing/2014/main" id="{A3AB152E-AFA8-B0D3-F813-A5362CAFEEF1}"/>
-              </a:ext>
-            </a:extLst>
-          </p:cNvPr>
-          <p:cNvPicPr>
-            <a:picLocks noChangeAspect="1"/>
-          </p:cNvPicPr>
-          <p:nvPr/>
-        </p:nvPicPr>
-        <p:blipFill>
-          <a:blip r:embed="rId2"/>
-          <a:stretch>
-            <a:fillRect/>
-          </a:stretch>
-        </p:blipFill>
-        <p:spPr>
-          <a:xfrm>
-            <a:off x="838200" y="3049784"/>
-            <a:ext cx="10515600" cy="2656072"/>
-          </a:xfrm>
-          <a:prstGeom prst="rect">
-            <a:avLst/>
-          </a:prstGeom>
-        </p:spPr>
-      </p:pic>
     </p:spTree>
     <p:extLst>
       <p:ext uri="{BB962C8B-B14F-4D97-AF65-F5344CB8AC3E}">
-        <p14:creationId xmlns:p14="http://schemas.microsoft.com/office/powerpoint/2010/main" val="4280022756"/>
+        <p14:creationId xmlns:p14="http://schemas.microsoft.com/office/powerpoint/2010/main" val="1286425931"/>
       </p:ext>
     </p:extLst>
   </p:cSld>
@@ -10305,7 +12592,13 @@
   <p:cSld>
     <p:spTree>
       <p:nvGrpSpPr>
-        <p:cNvPr id="1" name=""/>
+        <p:cNvPr id="1" name="">
+          <a:extLst>
+            <a:ext uri="{FF2B5EF4-FFF2-40B4-BE49-F238E27FC236}">
+              <a16:creationId xmlns:a16="http://schemas.microsoft.com/office/drawing/2014/main" id="{6E7D6F8B-A61F-F289-AD41-E84D6CBCEA23}"/>
+            </a:ext>
+          </a:extLst>
+        </p:cNvPr>
         <p:cNvGrpSpPr/>
         <p:nvPr/>
       </p:nvGrpSpPr>
@@ -10322,7 +12615,7 @@
           <p:cNvPr id="2" name="Title 1">
             <a:extLst>
               <a:ext uri="{FF2B5EF4-FFF2-40B4-BE49-F238E27FC236}">
-                <a16:creationId xmlns:a16="http://schemas.microsoft.com/office/drawing/2014/main" id="{96C96911-D000-1361-5E33-AE1552DDFDEA}"/>
+                <a16:creationId xmlns:a16="http://schemas.microsoft.com/office/drawing/2014/main" id="{F3BB8210-0407-904E-01B7-5DA09498BDA8}"/>
               </a:ext>
             </a:extLst>
           </p:cNvPr>
@@ -10333,14 +12626,19 @@
             <p:ph type="title"/>
           </p:nvPr>
         </p:nvSpPr>
-        <p:spPr/>
+        <p:spPr>
+          <a:xfrm>
+            <a:off x="658368" y="258164"/>
+            <a:ext cx="10058400" cy="893980"/>
+          </a:xfrm>
+        </p:spPr>
         <p:txBody>
           <a:bodyPr/>
           <a:lstStyle/>
           <a:p>
             <a:r>
               <a:rPr lang="en-US" dirty="0"/>
-              <a:t>ETL</a:t>
+              <a:t>ETL – Extract</a:t>
             </a:r>
           </a:p>
         </p:txBody>
@@ -10350,7 +12648,7 @@
           <p:cNvPr id="3" name="Content Placeholder 2">
             <a:extLst>
               <a:ext uri="{FF2B5EF4-FFF2-40B4-BE49-F238E27FC236}">
-                <a16:creationId xmlns:a16="http://schemas.microsoft.com/office/drawing/2014/main" id="{0612A2E8-9D6A-50A5-51E4-AF3A4C7EDB85}"/>
+                <a16:creationId xmlns:a16="http://schemas.microsoft.com/office/drawing/2014/main" id="{C44DF941-CF77-89D8-67A9-FFE4607E2491}"/>
               </a:ext>
             </a:extLst>
           </p:cNvPr>
@@ -10363,8 +12661,8 @@
         </p:nvSpPr>
         <p:spPr>
           <a:xfrm>
-            <a:off x="838200" y="1825625"/>
-            <a:ext cx="4440936" cy="4351338"/>
+            <a:off x="658368" y="1806678"/>
+            <a:ext cx="10515600" cy="1325563"/>
           </a:xfrm>
         </p:spPr>
         <p:txBody>
@@ -10373,75 +12671,17 @@
           <a:p>
             <a:r>
               <a:rPr lang="en-US" dirty="0"/>
-              <a:t> Transform the data </a:t>
-            </a:r>
-          </a:p>
-          <a:p>
-            <a:pPr lvl="1">
-              <a:buFont typeface="Arial" panose="020B0604020202020204" pitchFamily="34" charset="0"/>
-              <a:buChar char="•"/>
-            </a:pPr>
-            <a:r>
-              <a:rPr lang="en-US" dirty="0"/>
-              <a:t>Create new tables</a:t>
-            </a:r>
-          </a:p>
-          <a:p>
-            <a:pPr lvl="1">
-              <a:buFont typeface="Arial" panose="020B0604020202020204" pitchFamily="34" charset="0"/>
-              <a:buChar char="•"/>
-            </a:pPr>
-            <a:r>
-              <a:rPr lang="en-US" dirty="0"/>
-              <a:t>Attribute Standardization</a:t>
-            </a:r>
-          </a:p>
-          <a:p>
-            <a:pPr lvl="1">
-              <a:buFont typeface="Arial" panose="020B0604020202020204" pitchFamily="34" charset="0"/>
-              <a:buChar char="•"/>
-            </a:pPr>
-            <a:r>
-              <a:rPr lang="en-US" dirty="0"/>
-              <a:t>Data Normalization</a:t>
-            </a:r>
-          </a:p>
-          <a:p>
-            <a:pPr lvl="1">
-              <a:buFont typeface="Arial" panose="020B0604020202020204" pitchFamily="34" charset="0"/>
-              <a:buChar char="•"/>
-            </a:pPr>
-            <a:r>
-              <a:rPr lang="en-US" dirty="0"/>
-              <a:t>Surrogate key generation</a:t>
-            </a:r>
-          </a:p>
-          <a:p>
-            <a:pPr lvl="1">
-              <a:buFont typeface="Arial" panose="020B0604020202020204" pitchFamily="34" charset="0"/>
-              <a:buChar char="•"/>
-            </a:pPr>
-            <a:r>
-              <a:rPr lang="en-US" dirty="0"/>
-              <a:t>Dimension Mapping</a:t>
-            </a:r>
-          </a:p>
-          <a:p>
-            <a:pPr lvl="1"/>
-            <a:endParaRPr lang="en-US" dirty="0"/>
-          </a:p>
-          <a:p>
-            <a:pPr lvl="1"/>
-            <a:endParaRPr lang="en-US" dirty="0"/>
-          </a:p>
-        </p:txBody>
-      </p:sp>
-      <p:sp>
-        <p:nvSpPr>
-          <p:cNvPr id="11" name="Slide Number Placeholder 10">
-            <a:extLst>
-              <a:ext uri="{FF2B5EF4-FFF2-40B4-BE49-F238E27FC236}">
-                <a16:creationId xmlns:a16="http://schemas.microsoft.com/office/drawing/2014/main" id="{F406384C-745B-11F9-1916-BE378D611A6D}"/>
+              <a:t> Extract : Read data from CSV files</a:t>
+            </a:r>
+          </a:p>
+        </p:txBody>
+      </p:sp>
+      <p:sp>
+        <p:nvSpPr>
+          <p:cNvPr id="6" name="Slide Number Placeholder 5">
+            <a:extLst>
+              <a:ext uri="{FF2B5EF4-FFF2-40B4-BE49-F238E27FC236}">
+                <a16:creationId xmlns:a16="http://schemas.microsoft.com/office/drawing/2014/main" id="{4C8AA6FB-9069-BE63-CEA7-D70DE4CA7DBE}"/>
               </a:ext>
             </a:extLst>
           </p:cNvPr>
@@ -10467,10 +12707,10 @@
       </p:sp>
       <p:pic>
         <p:nvPicPr>
-          <p:cNvPr id="8" name="Picture 7">
-            <a:extLst>
-              <a:ext uri="{FF2B5EF4-FFF2-40B4-BE49-F238E27FC236}">
-                <a16:creationId xmlns:a16="http://schemas.microsoft.com/office/drawing/2014/main" id="{3E2481C0-2DCD-AF82-17A6-91A5B82D0A9E}"/>
+          <p:cNvPr id="5" name="Picture 4">
+            <a:extLst>
+              <a:ext uri="{FF2B5EF4-FFF2-40B4-BE49-F238E27FC236}">
+                <a16:creationId xmlns:a16="http://schemas.microsoft.com/office/drawing/2014/main" id="{462473A8-9644-CFDD-AE40-2426696B4ECA}"/>
               </a:ext>
             </a:extLst>
           </p:cNvPr>
@@ -10480,55 +12720,68 @@
           <p:nvPr/>
         </p:nvPicPr>
         <p:blipFill>
-          <a:blip r:embed="rId3"/>
+          <a:blip r:embed="rId2"/>
           <a:stretch>
             <a:fillRect/>
           </a:stretch>
         </p:blipFill>
         <p:spPr>
           <a:xfrm>
-            <a:off x="5444731" y="365125"/>
-            <a:ext cx="6532047" cy="4950587"/>
+            <a:off x="658368" y="3030837"/>
+            <a:ext cx="10515600" cy="2656072"/>
           </a:xfrm>
           <a:prstGeom prst="rect">
             <a:avLst/>
           </a:prstGeom>
         </p:spPr>
       </p:pic>
-      <p:pic>
-        <p:nvPicPr>
-          <p:cNvPr id="10" name="Picture 9">
-            <a:extLst>
-              <a:ext uri="{FF2B5EF4-FFF2-40B4-BE49-F238E27FC236}">
-                <a16:creationId xmlns:a16="http://schemas.microsoft.com/office/drawing/2014/main" id="{CE4D7937-CF61-9674-7BBB-DBD0294B446A}"/>
-              </a:ext>
-            </a:extLst>
-          </p:cNvPr>
-          <p:cNvPicPr>
-            <a:picLocks noChangeAspect="1"/>
-          </p:cNvPicPr>
+      <p:cxnSp>
+        <p:nvCxnSpPr>
+          <p:cNvPr id="4" name="Straight Connector 3">
+            <a:extLst>
+              <a:ext uri="{FF2B5EF4-FFF2-40B4-BE49-F238E27FC236}">
+                <a16:creationId xmlns:a16="http://schemas.microsoft.com/office/drawing/2014/main" id="{84935479-036F-97EC-53B7-4252993B3C6C}"/>
+              </a:ext>
+            </a:extLst>
+          </p:cNvPr>
+          <p:cNvCxnSpPr>
+            <a:cxnSpLocks/>
+          </p:cNvCxnSpPr>
           <p:nvPr/>
-        </p:nvPicPr>
-        <p:blipFill>
-          <a:blip r:embed="rId4"/>
-          <a:stretch>
-            <a:fillRect/>
-          </a:stretch>
-        </p:blipFill>
-        <p:spPr>
-          <a:xfrm>
-            <a:off x="5444731" y="5315712"/>
-            <a:ext cx="6532047" cy="1228896"/>
-          </a:xfrm>
-          <a:prstGeom prst="rect">
+        </p:nvCxnSpPr>
+        <p:spPr>
+          <a:xfrm flipH="1">
+            <a:off x="658368" y="1171091"/>
+            <a:ext cx="553212" cy="0"/>
+          </a:xfrm>
+          <a:prstGeom prst="line">
             <a:avLst/>
           </a:prstGeom>
-        </p:spPr>
-      </p:pic>
+          <a:ln w="6350">
+            <a:solidFill>
+              <a:srgbClr val="7F7F7F"/>
+            </a:solidFill>
+          </a:ln>
+        </p:spPr>
+        <p:style>
+          <a:lnRef idx="1">
+            <a:schemeClr val="dk1"/>
+          </a:lnRef>
+          <a:fillRef idx="0">
+            <a:schemeClr val="dk1"/>
+          </a:fillRef>
+          <a:effectRef idx="0">
+            <a:schemeClr val="dk1"/>
+          </a:effectRef>
+          <a:fontRef idx="minor">
+            <a:schemeClr val="tx1"/>
+          </a:fontRef>
+        </p:style>
+      </p:cxnSp>
     </p:spTree>
     <p:extLst>
       <p:ext uri="{BB962C8B-B14F-4D97-AF65-F5344CB8AC3E}">
-        <p14:creationId xmlns:p14="http://schemas.microsoft.com/office/powerpoint/2010/main" val="1221892094"/>
+        <p14:creationId xmlns:p14="http://schemas.microsoft.com/office/powerpoint/2010/main" val="3238815929"/>
       </p:ext>
     </p:extLst>
   </p:cSld>
@@ -10560,7 +12813,7 @@
           <p:cNvPr id="2" name="Title 1">
             <a:extLst>
               <a:ext uri="{FF2B5EF4-FFF2-40B4-BE49-F238E27FC236}">
-                <a16:creationId xmlns:a16="http://schemas.microsoft.com/office/drawing/2014/main" id="{6982907F-358E-E265-4EA6-96D608617F3B}"/>
+                <a16:creationId xmlns:a16="http://schemas.microsoft.com/office/drawing/2014/main" id="{96C96911-D000-1361-5E33-AE1552DDFDEA}"/>
               </a:ext>
             </a:extLst>
           </p:cNvPr>
@@ -10571,14 +12824,19 @@
             <p:ph type="title"/>
           </p:nvPr>
         </p:nvSpPr>
-        <p:spPr/>
+        <p:spPr>
+          <a:xfrm>
+            <a:off x="658368" y="247204"/>
+            <a:ext cx="10058400" cy="893980"/>
+          </a:xfrm>
+        </p:spPr>
         <p:txBody>
           <a:bodyPr/>
           <a:lstStyle/>
           <a:p>
             <a:r>
               <a:rPr lang="en-US" dirty="0"/>
-              <a:t>ETL</a:t>
+              <a:t>ETL – Transform</a:t>
             </a:r>
           </a:p>
         </p:txBody>
@@ -10588,7 +12846,7 @@
           <p:cNvPr id="3" name="Content Placeholder 2">
             <a:extLst>
               <a:ext uri="{FF2B5EF4-FFF2-40B4-BE49-F238E27FC236}">
-                <a16:creationId xmlns:a16="http://schemas.microsoft.com/office/drawing/2014/main" id="{DB7B41C5-C4D6-85F3-AC59-A169ED08B708}"/>
+                <a16:creationId xmlns:a16="http://schemas.microsoft.com/office/drawing/2014/main" id="{0612A2E8-9D6A-50A5-51E4-AF3A4C7EDB85}"/>
               </a:ext>
             </a:extLst>
           </p:cNvPr>
@@ -10601,125 +12859,63 @@
         </p:nvSpPr>
         <p:spPr>
           <a:xfrm>
-            <a:off x="838199" y="1825625"/>
-            <a:ext cx="4307235" cy="4351338"/>
-          </a:xfrm>
-        </p:spPr>
-        <p:txBody>
-          <a:bodyPr>
-            <a:normAutofit fontScale="92500" lnSpcReduction="20000"/>
-          </a:bodyPr>
-          <a:lstStyle/>
-          <a:p>
+            <a:off x="658368" y="1789608"/>
+            <a:ext cx="4606531" cy="4351338"/>
+          </a:xfrm>
+        </p:spPr>
+        <p:txBody>
+          <a:bodyPr/>
+          <a:lstStyle/>
+          <a:p>
+            <a:r>
+              <a:rPr lang="en-US" sz="2000" dirty="0"/>
+              <a:t> </a:t>
+            </a:r>
             <a:r>
               <a:rPr lang="en-US" dirty="0"/>
-              <a:t> Transform the data </a:t>
-            </a:r>
-          </a:p>
-          <a:p>
-            <a:pPr lvl="1">
-              <a:buFont typeface="Arial" panose="020B0604020202020204" pitchFamily="34" charset="0"/>
-              <a:buChar char="•"/>
-            </a:pPr>
+              <a:t>Season Dimension</a:t>
+            </a:r>
+          </a:p>
+          <a:p>
+            <a:pPr lvl="1"/>
             <a:r>
               <a:rPr lang="en-US" dirty="0"/>
-              <a:t>Create new tables</a:t>
-            </a:r>
-          </a:p>
-          <a:p>
-            <a:pPr lvl="1">
-              <a:buFont typeface="Arial" panose="020B0604020202020204" pitchFamily="34" charset="0"/>
-              <a:buChar char="•"/>
-            </a:pPr>
+              <a:t> Attribute standardization</a:t>
+            </a:r>
+          </a:p>
+          <a:p>
+            <a:pPr lvl="1"/>
             <a:r>
               <a:rPr lang="en-US" dirty="0"/>
-              <a:t>Attribute Standardization</a:t>
-            </a:r>
-          </a:p>
-          <a:p>
-            <a:pPr lvl="1">
-              <a:buFont typeface="Arial" panose="020B0604020202020204" pitchFamily="34" charset="0"/>
-              <a:buChar char="•"/>
-            </a:pPr>
+              <a:t> Surrogate key generation</a:t>
+            </a:r>
+          </a:p>
+          <a:p>
+            <a:pPr lvl="1"/>
             <a:r>
               <a:rPr lang="en-US" dirty="0"/>
-              <a:t>Data Normalization</a:t>
-            </a:r>
-          </a:p>
-          <a:p>
-            <a:pPr lvl="1">
-              <a:buFont typeface="Arial" panose="020B0604020202020204" pitchFamily="34" charset="0"/>
-              <a:buChar char="•"/>
-            </a:pPr>
+              <a:t> Dimension mapping</a:t>
+            </a:r>
+          </a:p>
+          <a:p>
+            <a:pPr lvl="1"/>
             <a:r>
               <a:rPr lang="en-US" dirty="0"/>
-              <a:t>Surrogate key generation</a:t>
-            </a:r>
-          </a:p>
-          <a:p>
-            <a:pPr lvl="1">
-              <a:buFont typeface="Arial" panose="020B0604020202020204" pitchFamily="34" charset="0"/>
-              <a:buChar char="•"/>
-            </a:pPr>
-            <a:r>
-              <a:rPr lang="en-US" dirty="0"/>
-              <a:t>Dimension Mapping</a:t>
-            </a:r>
-          </a:p>
-          <a:p>
-            <a:pPr lvl="1">
-              <a:buFont typeface="Arial" panose="020B0604020202020204" pitchFamily="34" charset="0"/>
-              <a:buChar char="•"/>
-            </a:pPr>
-            <a:r>
-              <a:rPr lang="en-US" dirty="0"/>
-              <a:t>Data Type Conversion and Validation</a:t>
-            </a:r>
-          </a:p>
-          <a:p>
-            <a:pPr lvl="1">
-              <a:buFont typeface="Arial" panose="020B0604020202020204" pitchFamily="34" charset="0"/>
-              <a:buChar char="•"/>
-            </a:pPr>
-            <a:r>
-              <a:rPr lang="en-US" dirty="0"/>
-              <a:t>Add/ Drop columns</a:t>
-            </a:r>
-          </a:p>
-          <a:p>
-            <a:pPr lvl="1">
-              <a:buFont typeface="Arial" panose="020B0604020202020204" pitchFamily="34" charset="0"/>
-              <a:buChar char="•"/>
-            </a:pPr>
-            <a:r>
-              <a:rPr lang="en-US" dirty="0"/>
-              <a:t>Missing data handling</a:t>
+              <a:t> Concatenate values into a single dimension</a:t>
             </a:r>
           </a:p>
           <a:p>
             <a:pPr lvl="1"/>
             <a:endParaRPr lang="en-US" dirty="0"/>
           </a:p>
-          <a:p>
-            <a:pPr lvl="1"/>
-            <a:endParaRPr lang="en-US" dirty="0"/>
-          </a:p>
-          <a:p>
-            <a:pPr lvl="1"/>
-            <a:endParaRPr lang="en-US" dirty="0"/>
-          </a:p>
-          <a:p>
-            <a:pPr lvl="1"/>
-            <a:endParaRPr lang="en-US" dirty="0"/>
-          </a:p>
-        </p:txBody>
-      </p:sp>
-      <p:sp>
-        <p:nvSpPr>
-          <p:cNvPr id="8" name="Slide Number Placeholder 7">
-            <a:extLst>
-              <a:ext uri="{FF2B5EF4-FFF2-40B4-BE49-F238E27FC236}">
-                <a16:creationId xmlns:a16="http://schemas.microsoft.com/office/drawing/2014/main" id="{A6A18056-CB52-39FE-B1AB-5B42F704DE35}"/>
+        </p:txBody>
+      </p:sp>
+      <p:sp>
+        <p:nvSpPr>
+          <p:cNvPr id="11" name="Slide Number Placeholder 10">
+            <a:extLst>
+              <a:ext uri="{FF2B5EF4-FFF2-40B4-BE49-F238E27FC236}">
+                <a16:creationId xmlns:a16="http://schemas.microsoft.com/office/drawing/2014/main" id="{F406384C-745B-11F9-1916-BE378D611A6D}"/>
               </a:ext>
             </a:extLst>
           </p:cNvPr>
@@ -10739,46 +12935,16 @@
               <a:rPr lang="en-US" smtClean="0"/>
               <a:t>9</a:t>
             </a:fld>
-            <a:endParaRPr lang="en-US" dirty="0"/>
+            <a:endParaRPr lang="en-US"/>
           </a:p>
         </p:txBody>
       </p:sp>
       <p:pic>
         <p:nvPicPr>
-          <p:cNvPr id="5" name="Picture 4">
-            <a:extLst>
-              <a:ext uri="{FF2B5EF4-FFF2-40B4-BE49-F238E27FC236}">
-                <a16:creationId xmlns:a16="http://schemas.microsoft.com/office/drawing/2014/main" id="{ED6C79BD-5866-9CE6-F62A-E3D84127C086}"/>
-              </a:ext>
-            </a:extLst>
-          </p:cNvPr>
-          <p:cNvPicPr>
-            <a:picLocks noChangeAspect="1"/>
-          </p:cNvPicPr>
-          <p:nvPr/>
-        </p:nvPicPr>
-        <p:blipFill>
-          <a:blip r:embed="rId2"/>
-          <a:stretch>
-            <a:fillRect/>
-          </a:stretch>
-        </p:blipFill>
-        <p:spPr>
-          <a:xfrm>
-            <a:off x="5145437" y="0"/>
-            <a:ext cx="6830235" cy="3813123"/>
-          </a:xfrm>
-          <a:prstGeom prst="rect">
-            <a:avLst/>
-          </a:prstGeom>
-        </p:spPr>
-      </p:pic>
-      <p:pic>
-        <p:nvPicPr>
-          <p:cNvPr id="7" name="Picture 6">
-            <a:extLst>
-              <a:ext uri="{FF2B5EF4-FFF2-40B4-BE49-F238E27FC236}">
-                <a16:creationId xmlns:a16="http://schemas.microsoft.com/office/drawing/2014/main" id="{9DC14956-BC33-380E-67B3-95B819795967}"/>
+          <p:cNvPr id="8" name="Picture 7">
+            <a:extLst>
+              <a:ext uri="{FF2B5EF4-FFF2-40B4-BE49-F238E27FC236}">
+                <a16:creationId xmlns:a16="http://schemas.microsoft.com/office/drawing/2014/main" id="{3E2481C0-2DCD-AF82-17A6-91A5B82D0A9E}"/>
               </a:ext>
             </a:extLst>
           </p:cNvPr>
@@ -10795,18 +12961,91 @@
         </p:blipFill>
         <p:spPr>
           <a:xfrm>
-            <a:off x="5145436" y="3813123"/>
-            <a:ext cx="6830235" cy="3061935"/>
+            <a:off x="5444731" y="365125"/>
+            <a:ext cx="6532047" cy="4950587"/>
           </a:xfrm>
           <a:prstGeom prst="rect">
             <a:avLst/>
           </a:prstGeom>
         </p:spPr>
       </p:pic>
+      <p:pic>
+        <p:nvPicPr>
+          <p:cNvPr id="10" name="Picture 9">
+            <a:extLst>
+              <a:ext uri="{FF2B5EF4-FFF2-40B4-BE49-F238E27FC236}">
+                <a16:creationId xmlns:a16="http://schemas.microsoft.com/office/drawing/2014/main" id="{CE4D7937-CF61-9674-7BBB-DBD0294B446A}"/>
+              </a:ext>
+            </a:extLst>
+          </p:cNvPr>
+          <p:cNvPicPr>
+            <a:picLocks noChangeAspect="1"/>
+          </p:cNvPicPr>
+          <p:nvPr/>
+        </p:nvPicPr>
+        <p:blipFill>
+          <a:blip r:embed="rId4"/>
+          <a:stretch>
+            <a:fillRect/>
+          </a:stretch>
+        </p:blipFill>
+        <p:spPr>
+          <a:xfrm>
+            <a:off x="5444731" y="5315712"/>
+            <a:ext cx="6532047" cy="1228896"/>
+          </a:xfrm>
+          <a:prstGeom prst="rect">
+            <a:avLst/>
+          </a:prstGeom>
+        </p:spPr>
+      </p:pic>
+      <p:cxnSp>
+        <p:nvCxnSpPr>
+          <p:cNvPr id="16" name="Straight Connector 15">
+            <a:extLst>
+              <a:ext uri="{FF2B5EF4-FFF2-40B4-BE49-F238E27FC236}">
+                <a16:creationId xmlns:a16="http://schemas.microsoft.com/office/drawing/2014/main" id="{2E9919E4-2F94-BF94-C3C5-5BFF77D49D65}"/>
+              </a:ext>
+            </a:extLst>
+          </p:cNvPr>
+          <p:cNvCxnSpPr>
+            <a:cxnSpLocks/>
+          </p:cNvCxnSpPr>
+          <p:nvPr/>
+        </p:nvCxnSpPr>
+        <p:spPr>
+          <a:xfrm flipH="1">
+            <a:off x="658368" y="1171091"/>
+            <a:ext cx="553212" cy="0"/>
+          </a:xfrm>
+          <a:prstGeom prst="line">
+            <a:avLst/>
+          </a:prstGeom>
+          <a:ln w="6350">
+            <a:solidFill>
+              <a:srgbClr val="7F7F7F"/>
+            </a:solidFill>
+          </a:ln>
+        </p:spPr>
+        <p:style>
+          <a:lnRef idx="1">
+            <a:schemeClr val="dk1"/>
+          </a:lnRef>
+          <a:fillRef idx="0">
+            <a:schemeClr val="dk1"/>
+          </a:fillRef>
+          <a:effectRef idx="0">
+            <a:schemeClr val="dk1"/>
+          </a:effectRef>
+          <a:fontRef idx="minor">
+            <a:schemeClr val="tx1"/>
+          </a:fontRef>
+        </p:style>
+      </p:cxnSp>
     </p:spTree>
     <p:extLst>
       <p:ext uri="{BB962C8B-B14F-4D97-AF65-F5344CB8AC3E}">
-        <p14:creationId xmlns:p14="http://schemas.microsoft.com/office/powerpoint/2010/main" val="3592988955"/>
+        <p14:creationId xmlns:p14="http://schemas.microsoft.com/office/powerpoint/2010/main" val="1221892094"/>
       </p:ext>
     </p:extLst>
   </p:cSld>
